--- a/assets/lectures/cbw-cshl/2019/mini/RNASeq_MiniLecture_08_02_SAM_BAM_BED.pptx
+++ b/assets/lectures/cbw-cshl/2019/mini/RNASeq_MiniLecture_08_02_SAM_BAM_BED.pptx
@@ -6,7 +6,7 @@
     <p:sldMasterId id="2147483674" r:id="rId2"/>
   </p:sldMasterIdLst>
   <p:notesMasterIdLst>
-    <p:notesMasterId r:id="rId14"/>
+    <p:notesMasterId r:id="rId15"/>
   </p:notesMasterIdLst>
   <p:sldIdLst>
     <p:sldId id="537" r:id="rId3"/>
@@ -17,9 +17,10 @@
     <p:sldId id="531" r:id="rId8"/>
     <p:sldId id="532" r:id="rId9"/>
     <p:sldId id="533" r:id="rId10"/>
-    <p:sldId id="534" r:id="rId11"/>
-    <p:sldId id="535" r:id="rId12"/>
-    <p:sldId id="536" r:id="rId13"/>
+    <p:sldId id="538" r:id="rId11"/>
+    <p:sldId id="534" r:id="rId12"/>
+    <p:sldId id="535" r:id="rId13"/>
+    <p:sldId id="536" r:id="rId14"/>
   </p:sldIdLst>
   <p:sldSz cx="12192000" cy="6858000"/>
   <p:notesSz cx="6858000" cy="9144000"/>
@@ -514,14 +515,14 @@
           </a:ln>
           <a:extLst>
             <a:ext uri="{909E8E84-426E-40dd-AFC4-6F175D3DCCD1}">
-              <a14:hiddenFill xmlns:a14="http://schemas.microsoft.com/office/drawing/2010/main" xmlns="">
+              <a14:hiddenFill xmlns="" xmlns:a14="http://schemas.microsoft.com/office/drawing/2010/main">
                 <a:solidFill>
                   <a:srgbClr val="FFFFFF"/>
                 </a:solidFill>
               </a14:hiddenFill>
             </a:ext>
             <a:ext uri="{FAA26D3D-D897-4be2-8F04-BA451C77F1D7}">
-              <ma14:placeholderFlag xmlns:ma14="http://schemas.microsoft.com/office/mac/drawingml/2011/main" xmlns="" val="1"/>
+              <ma14:placeholderFlag xmlns="" xmlns:ma14="http://schemas.microsoft.com/office/mac/drawingml/2011/main" val="1"/>
             </a:ext>
           </a:extLst>
         </p:spPr>
@@ -540,14 +541,14 @@
           <a:noFill/>
           <a:extLst>
             <a:ext uri="{909E8E84-426E-40dd-AFC4-6F175D3DCCD1}">
-              <a14:hiddenFill xmlns:a14="http://schemas.microsoft.com/office/drawing/2010/main" xmlns="">
+              <a14:hiddenFill xmlns="" xmlns:a14="http://schemas.microsoft.com/office/drawing/2010/main">
                 <a:solidFill>
                   <a:srgbClr val="FFFFFF"/>
                 </a:solidFill>
               </a14:hiddenFill>
             </a:ext>
             <a:ext uri="{91240B29-F687-4f45-9708-019B960494DF}">
-              <a14:hiddenLine xmlns:a14="http://schemas.microsoft.com/office/drawing/2010/main" xmlns="" w="9525">
+              <a14:hiddenLine xmlns="" xmlns:a14="http://schemas.microsoft.com/office/drawing/2010/main" w="9525">
                 <a:solidFill>
                   <a:srgbClr val="000000"/>
                 </a:solidFill>
@@ -557,7 +558,7 @@
               </a14:hiddenLine>
             </a:ext>
             <a:ext uri="{FAA26D3D-D897-4be2-8F04-BA451C77F1D7}">
-              <ma14:placeholderFlag xmlns:ma14="http://schemas.microsoft.com/office/mac/drawingml/2011/main" xmlns="" val="1"/>
+              <ma14:placeholderFlag xmlns="" xmlns:ma14="http://schemas.microsoft.com/office/mac/drawingml/2011/main" val="1"/>
             </a:ext>
           </a:extLst>
         </p:spPr>
@@ -591,14 +592,14 @@
           <a:noFill/>
           <a:extLst>
             <a:ext uri="{909E8E84-426E-40dd-AFC4-6F175D3DCCD1}">
-              <a14:hiddenFill xmlns:a14="http://schemas.microsoft.com/office/drawing/2010/main" xmlns="">
+              <a14:hiddenFill xmlns="" xmlns:a14="http://schemas.microsoft.com/office/drawing/2010/main">
                 <a:solidFill>
                   <a:srgbClr val="FFFFFF"/>
                 </a:solidFill>
               </a14:hiddenFill>
             </a:ext>
             <a:ext uri="{91240B29-F687-4f45-9708-019B960494DF}">
-              <a14:hiddenLine xmlns:a14="http://schemas.microsoft.com/office/drawing/2010/main" xmlns="" w="9525">
+              <a14:hiddenLine xmlns="" xmlns:a14="http://schemas.microsoft.com/office/drawing/2010/main" w="9525">
                 <a:solidFill>
                   <a:srgbClr val="000000"/>
                 </a:solidFill>
@@ -1053,14 +1054,14 @@
           </a:ln>
           <a:extLst>
             <a:ext uri="{909E8E84-426E-40dd-AFC4-6F175D3DCCD1}">
-              <a14:hiddenFill xmlns:a14="http://schemas.microsoft.com/office/drawing/2010/main" xmlns="">
+              <a14:hiddenFill xmlns="" xmlns:a14="http://schemas.microsoft.com/office/drawing/2010/main">
                 <a:solidFill>
                   <a:srgbClr val="FFFFFF"/>
                 </a:solidFill>
               </a14:hiddenFill>
             </a:ext>
             <a:ext uri="{91240B29-F687-4f45-9708-019B960494DF}">
-              <a14:hiddenLine xmlns:a14="http://schemas.microsoft.com/office/drawing/2010/main" xmlns="" w="9525">
+              <a14:hiddenLine xmlns="" xmlns:a14="http://schemas.microsoft.com/office/drawing/2010/main" w="9525">
                 <a:solidFill>
                   <a:srgbClr val="000000"/>
                 </a:solidFill>
@@ -6954,14 +6955,14 @@
           </a:ln>
           <a:extLst>
             <a:ext uri="{909E8E84-426E-40dd-AFC4-6F175D3DCCD1}">
-              <a14:hiddenFill xmlns:a14="http://schemas.microsoft.com/office/drawing/2010/main" xmlns="">
+              <a14:hiddenFill xmlns="" xmlns:a14="http://schemas.microsoft.com/office/drawing/2010/main">
                 <a:solidFill>
                   <a:srgbClr val="FFFFFF"/>
                 </a:solidFill>
               </a14:hiddenFill>
             </a:ext>
             <a:ext uri="{91240B29-F687-4f45-9708-019B960494DF}">
-              <a14:hiddenLine xmlns:a14="http://schemas.microsoft.com/office/drawing/2010/main" xmlns="" w="9525">
+              <a14:hiddenLine xmlns="" xmlns:a14="http://schemas.microsoft.com/office/drawing/2010/main" w="9525">
                 <a:solidFill>
                   <a:srgbClr val="000000"/>
                 </a:solidFill>
@@ -7958,14 +7959,14 @@
           </a:ln>
           <a:extLst>
             <a:ext uri="{909E8E84-426E-40dd-AFC4-6F175D3DCCD1}">
-              <a14:hiddenFill xmlns:a14="http://schemas.microsoft.com/office/drawing/2010/main" xmlns="">
+              <a14:hiddenFill xmlns="" xmlns:a14="http://schemas.microsoft.com/office/drawing/2010/main">
                 <a:solidFill>
                   <a:srgbClr val="FFFFFF"/>
                 </a:solidFill>
               </a14:hiddenFill>
             </a:ext>
             <a:ext uri="{91240B29-F687-4f45-9708-019B960494DF}">
-              <a14:hiddenLine xmlns:a14="http://schemas.microsoft.com/office/drawing/2010/main" xmlns="" w="9525">
+              <a14:hiddenLine xmlns="" xmlns:a14="http://schemas.microsoft.com/office/drawing/2010/main" w="9525">
                 <a:solidFill>
                   <a:srgbClr val="000000"/>
                 </a:solidFill>
@@ -8852,14 +8853,14 @@
           </a:ln>
           <a:extLst>
             <a:ext uri="{909E8E84-426E-40dd-AFC4-6F175D3DCCD1}">
-              <a14:hiddenFill xmlns:a14="http://schemas.microsoft.com/office/drawing/2010/main" xmlns="">
+              <a14:hiddenFill xmlns="" xmlns:a14="http://schemas.microsoft.com/office/drawing/2010/main">
                 <a:solidFill>
                   <a:srgbClr val="FFFFFF"/>
                 </a:solidFill>
               </a14:hiddenFill>
             </a:ext>
             <a:ext uri="{91240B29-F687-4f45-9708-019B960494DF}">
-              <a14:hiddenLine xmlns:a14="http://schemas.microsoft.com/office/drawing/2010/main" xmlns="" w="9525">
+              <a14:hiddenLine xmlns="" xmlns:a14="http://schemas.microsoft.com/office/drawing/2010/main" w="9525">
                 <a:solidFill>
                   <a:srgbClr val="000000"/>
                 </a:solidFill>
@@ -8903,7 +8904,7 @@
       </p:grpSpPr>
       <p:sp>
         <p:nvSpPr>
-          <p:cNvPr id="30721" name="Title 1"/>
+          <p:cNvPr id="29697" name="Title 1"/>
           <p:cNvSpPr>
             <a:spLocks noGrp="1"/>
           </p:cNvSpPr>
@@ -8913,14 +8914,12 @@
         </p:nvSpPr>
         <p:spPr>
           <a:xfrm>
-            <a:off x="1676400" y="-26988"/>
+            <a:off x="1676400" y="-17463"/>
             <a:ext cx="8839200" cy="1143001"/>
           </a:xfrm>
         </p:spPr>
         <p:txBody>
-          <a:bodyPr>
-            <a:normAutofit fontScale="90000"/>
-          </a:bodyPr>
+          <a:bodyPr/>
           <a:lstStyle/>
           <a:p>
             <a:pPr algn="ctr"/>
@@ -8929,14 +8928,14 @@
                 <a:latin typeface="Calibri" charset="0"/>
                 <a:ea typeface="ＭＳ Ｐゴシック" charset="0"/>
               </a:rPr>
-              <a:t>Manipulation of SAM/BAM and BED files</a:t>
-            </a:r>
-          </a:p>
-        </p:txBody>
-      </p:sp>
-      <p:sp>
-        <p:nvSpPr>
-          <p:cNvPr id="30722" name="Content Placeholder 2"/>
+              <a:t>Introduction to the BED format</a:t>
+            </a:r>
+          </a:p>
+        </p:txBody>
+      </p:sp>
+      <p:sp>
+        <p:nvSpPr>
+          <p:cNvPr id="28674" name="Content Placeholder 2"/>
           <p:cNvSpPr>
             <a:spLocks noGrp="1"/>
           </p:cNvSpPr>
@@ -8946,88 +8945,140 @@
         </p:nvSpPr>
         <p:spPr>
           <a:xfrm>
-            <a:off x="1676400" y="1412875"/>
-            <a:ext cx="8839200" cy="4724400"/>
+            <a:off x="1676400" y="1218405"/>
+            <a:ext cx="8839200" cy="4984431"/>
           </a:xfrm>
         </p:spPr>
         <p:txBody>
-          <a:bodyPr/>
+          <a:bodyPr>
+            <a:normAutofit lnSpcReduction="10000"/>
+          </a:bodyPr>
           <a:lstStyle/>
           <a:p>
-            <a:r>
-              <a:rPr lang="en-US">
+            <a:pPr>
+              <a:defRPr/>
+            </a:pPr>
+            <a:r>
+              <a:rPr lang="en-US" dirty="0">
                 <a:latin typeface="Calibri" charset="0"/>
                 <a:ea typeface="ＭＳ Ｐゴシック" charset="0"/>
               </a:rPr>
-              <a:t>Several tools are used ubiquitously in sequence analysis to manipulate these files</a:t>
-            </a:r>
-          </a:p>
-          <a:p>
-            <a:r>
-              <a:rPr lang="en-US">
+              <a:t>When working with BAM files, it is very common to want to examine a focused subset of the reference genome</a:t>
+            </a:r>
+          </a:p>
+          <a:p>
+            <a:pPr lvl="1">
+              <a:defRPr/>
+            </a:pPr>
+            <a:r>
+              <a:rPr lang="en-US" dirty="0">
                 <a:latin typeface="Calibri" charset="0"/>
                 <a:ea typeface="ＭＳ Ｐゴシック" charset="0"/>
               </a:rPr>
-              <a:t>SAM/BAM files</a:t>
-            </a:r>
-          </a:p>
-          <a:p>
-            <a:pPr lvl="1"/>
-            <a:r>
-              <a:rPr lang="en-US">
+              <a:t>e.g. the exons of a gene</a:t>
+            </a:r>
+            <a:br>
+              <a:rPr lang="en-US" dirty="0">
                 <a:latin typeface="Calibri" charset="0"/>
                 <a:ea typeface="ＭＳ Ｐゴシック" charset="0"/>
               </a:rPr>
-              <a:t>samtools</a:t>
-            </a:r>
-          </a:p>
-          <a:p>
-            <a:pPr lvl="1"/>
-            <a:r>
-              <a:rPr lang="en-US">
+            </a:br>
+            <a:endParaRPr lang="en-US" dirty="0">
+              <a:latin typeface="Calibri" charset="0"/>
+              <a:ea typeface="ＭＳ Ｐゴシック" charset="0"/>
+            </a:endParaRPr>
+          </a:p>
+          <a:p>
+            <a:pPr>
+              <a:defRPr/>
+            </a:pPr>
+            <a:r>
+              <a:rPr lang="en-US" dirty="0">
                 <a:latin typeface="Calibri" charset="0"/>
                 <a:ea typeface="ＭＳ Ｐゴシック" charset="0"/>
               </a:rPr>
-              <a:t>bamtools</a:t>
-            </a:r>
-          </a:p>
-          <a:p>
-            <a:pPr lvl="1"/>
-            <a:r>
-              <a:rPr lang="en-US">
+              <a:t>These subsets are commonly specified in ‘BED’ files</a:t>
+            </a:r>
+          </a:p>
+          <a:p>
+            <a:pPr lvl="1">
+              <a:defRPr/>
+            </a:pPr>
+            <a:r>
+              <a:rPr lang="en-US" dirty="0">
                 <a:latin typeface="Calibri" charset="0"/>
                 <a:ea typeface="ＭＳ Ｐゴシック" charset="0"/>
+                <a:hlinkClick r:id="rId2"/>
               </a:rPr>
-              <a:t>picard</a:t>
-            </a:r>
-          </a:p>
-          <a:p>
-            <a:r>
-              <a:rPr lang="en-US">
+              <a:t>https://genome.ucsc.edu/FAQ/FAQformat.html#format1</a:t>
+            </a:r>
+            <a:br>
+              <a:rPr lang="en-US" dirty="0">
                 <a:latin typeface="Calibri" charset="0"/>
                 <a:ea typeface="ＭＳ Ｐゴシック" charset="0"/>
               </a:rPr>
-              <a:t>BED files</a:t>
-            </a:r>
-          </a:p>
-          <a:p>
-            <a:pPr lvl="1"/>
-            <a:r>
-              <a:rPr lang="en-US">
+            </a:br>
+            <a:endParaRPr lang="en-US" dirty="0">
+              <a:latin typeface="Calibri" charset="0"/>
+              <a:ea typeface="ＭＳ Ｐゴシック" charset="0"/>
+            </a:endParaRPr>
+          </a:p>
+          <a:p>
+            <a:pPr>
+              <a:defRPr/>
+            </a:pPr>
+            <a:r>
+              <a:rPr lang="en-US" dirty="0">
                 <a:latin typeface="Calibri" charset="0"/>
                 <a:ea typeface="ＭＳ Ｐゴシック" charset="0"/>
               </a:rPr>
-              <a:t>bedtools</a:t>
-            </a:r>
-          </a:p>
-          <a:p>
-            <a:pPr lvl="1"/>
-            <a:r>
-              <a:rPr lang="en-US">
+              <a:t>Many BAM manipulation tools accept regions of interest in BED format</a:t>
+            </a:r>
+            <a:br>
+              <a:rPr lang="en-US" dirty="0">
                 <a:latin typeface="Calibri" charset="0"/>
                 <a:ea typeface="ＭＳ Ｐゴシック" charset="0"/>
               </a:rPr>
-              <a:t>bedops</a:t>
+            </a:br>
+            <a:endParaRPr lang="en-US" dirty="0">
+              <a:latin typeface="Calibri" charset="0"/>
+              <a:ea typeface="ＭＳ Ｐゴシック" charset="0"/>
+            </a:endParaRPr>
+          </a:p>
+          <a:p>
+            <a:pPr>
+              <a:defRPr/>
+            </a:pPr>
+            <a:r>
+              <a:rPr lang="en-US" dirty="0">
+                <a:latin typeface="Calibri" charset="0"/>
+                <a:ea typeface="ＭＳ Ｐゴシック" charset="0"/>
+              </a:rPr>
+              <a:t>Basic BED format (tab separated):</a:t>
+            </a:r>
+          </a:p>
+          <a:p>
+            <a:pPr lvl="1">
+              <a:defRPr/>
+            </a:pPr>
+            <a:r>
+              <a:rPr lang="en-US" dirty="0">
+                <a:latin typeface="Calibri" charset="0"/>
+                <a:ea typeface="ＭＳ Ｐゴシック" charset="0"/>
+              </a:rPr>
+              <a:t>Chromosome name, start position, end position</a:t>
+            </a:r>
+          </a:p>
+          <a:p>
+            <a:pPr lvl="1">
+              <a:defRPr/>
+            </a:pPr>
+            <a:r>
+              <a:rPr lang="en-US" dirty="0">
+                <a:latin typeface="Calibri" charset="0"/>
+                <a:ea typeface="ＭＳ Ｐゴシック" charset="0"/>
+              </a:rPr>
+              <a:t>Coordinates in BED format are 0 based</a:t>
             </a:r>
           </a:p>
         </p:txBody>
@@ -9035,7 +9086,7 @@
     </p:spTree>
     <p:extLst>
       <p:ext uri="{BB962C8B-B14F-4D97-AF65-F5344CB8AC3E}">
-        <p14:creationId xmlns:p14="http://schemas.microsoft.com/office/powerpoint/2010/main" val="3336316698"/>
+        <p14:creationId xmlns:p14="http://schemas.microsoft.com/office/powerpoint/2010/main" val="341447427"/>
       </p:ext>
     </p:extLst>
   </p:cSld>
@@ -9064,6 +9115,229 @@
       </p:grpSpPr>
       <p:sp>
         <p:nvSpPr>
+          <p:cNvPr id="30721" name="Title 1"/>
+          <p:cNvSpPr>
+            <a:spLocks noGrp="1"/>
+          </p:cNvSpPr>
+          <p:nvPr>
+            <p:ph type="title"/>
+          </p:nvPr>
+        </p:nvSpPr>
+        <p:spPr>
+          <a:xfrm>
+            <a:off x="1676400" y="-26988"/>
+            <a:ext cx="8839200" cy="1143001"/>
+          </a:xfrm>
+        </p:spPr>
+        <p:txBody>
+          <a:bodyPr>
+            <a:normAutofit fontScale="90000"/>
+          </a:bodyPr>
+          <a:lstStyle/>
+          <a:p>
+            <a:pPr algn="ctr"/>
+            <a:r>
+              <a:rPr lang="en-US" b="1" dirty="0">
+                <a:latin typeface="Calibri" charset="0"/>
+                <a:ea typeface="ＭＳ Ｐゴシック" charset="0"/>
+              </a:rPr>
+              <a:t>Manipulation of SAM/BAM and BED files</a:t>
+            </a:r>
+          </a:p>
+        </p:txBody>
+      </p:sp>
+      <p:sp>
+        <p:nvSpPr>
+          <p:cNvPr id="30722" name="Content Placeholder 2"/>
+          <p:cNvSpPr>
+            <a:spLocks noGrp="1"/>
+          </p:cNvSpPr>
+          <p:nvPr>
+            <p:ph idx="1"/>
+          </p:nvPr>
+        </p:nvSpPr>
+        <p:spPr>
+          <a:xfrm>
+            <a:off x="1676400" y="1116013"/>
+            <a:ext cx="8839200" cy="5021262"/>
+          </a:xfrm>
+        </p:spPr>
+        <p:txBody>
+          <a:bodyPr/>
+          <a:lstStyle/>
+          <a:p>
+            <a:r>
+              <a:rPr lang="en-US" dirty="0">
+                <a:latin typeface="Calibri" charset="0"/>
+                <a:ea typeface="ＭＳ Ｐゴシック" charset="0"/>
+              </a:rPr>
+              <a:t>Several tools are used ubiquitously in sequence analysis to manipulate these files</a:t>
+            </a:r>
+          </a:p>
+          <a:p>
+            <a:endParaRPr lang="en-US" dirty="0">
+              <a:latin typeface="Calibri" charset="0"/>
+              <a:ea typeface="ＭＳ Ｐゴシック" charset="0"/>
+            </a:endParaRPr>
+          </a:p>
+          <a:p>
+            <a:r>
+              <a:rPr lang="en-US" dirty="0">
+                <a:latin typeface="Calibri" charset="0"/>
+                <a:ea typeface="ＭＳ Ｐゴシック" charset="0"/>
+              </a:rPr>
+              <a:t>SAM/BAM files</a:t>
+            </a:r>
+          </a:p>
+          <a:p>
+            <a:pPr lvl="1"/>
+            <a:r>
+              <a:rPr lang="en-US" dirty="0" err="1">
+                <a:latin typeface="Calibri" charset="0"/>
+                <a:ea typeface="ＭＳ Ｐゴシック" charset="0"/>
+              </a:rPr>
+              <a:t>samtools</a:t>
+            </a:r>
+            <a:endParaRPr lang="en-US" dirty="0">
+              <a:latin typeface="Calibri" charset="0"/>
+              <a:ea typeface="ＭＳ Ｐゴシック" charset="0"/>
+            </a:endParaRPr>
+          </a:p>
+          <a:p>
+            <a:pPr lvl="1"/>
+            <a:r>
+              <a:rPr lang="en-US" dirty="0" err="1">
+                <a:latin typeface="Calibri" charset="0"/>
+                <a:ea typeface="ＭＳ Ｐゴシック" charset="0"/>
+              </a:rPr>
+              <a:t>bamtools</a:t>
+            </a:r>
+            <a:endParaRPr lang="en-US" dirty="0">
+              <a:latin typeface="Calibri" charset="0"/>
+              <a:ea typeface="ＭＳ Ｐゴシック" charset="0"/>
+            </a:endParaRPr>
+          </a:p>
+          <a:p>
+            <a:pPr lvl="1"/>
+            <a:r>
+              <a:rPr lang="en-US" dirty="0">
+                <a:latin typeface="Calibri" charset="0"/>
+                <a:ea typeface="ＭＳ Ｐゴシック" charset="0"/>
+              </a:rPr>
+              <a:t>Picard</a:t>
+            </a:r>
+            <a:br>
+              <a:rPr lang="en-US" dirty="0">
+                <a:latin typeface="Calibri" charset="0"/>
+                <a:ea typeface="ＭＳ Ｐゴシック" charset="0"/>
+              </a:rPr>
+            </a:br>
+            <a:endParaRPr lang="en-US" dirty="0">
+              <a:latin typeface="Calibri" charset="0"/>
+              <a:ea typeface="ＭＳ Ｐゴシック" charset="0"/>
+            </a:endParaRPr>
+          </a:p>
+          <a:p>
+            <a:r>
+              <a:rPr lang="en-US" dirty="0">
+                <a:latin typeface="Calibri" charset="0"/>
+                <a:ea typeface="ＭＳ Ｐゴシック" charset="0"/>
+              </a:rPr>
+              <a:t>BED files</a:t>
+            </a:r>
+          </a:p>
+          <a:p>
+            <a:pPr lvl="1"/>
+            <a:r>
+              <a:rPr lang="en-US" dirty="0" err="1">
+                <a:latin typeface="Calibri" charset="0"/>
+                <a:ea typeface="ＭＳ Ｐゴシック" charset="0"/>
+              </a:rPr>
+              <a:t>bedtools</a:t>
+            </a:r>
+            <a:endParaRPr lang="en-US" dirty="0">
+              <a:latin typeface="Calibri" charset="0"/>
+              <a:ea typeface="ＭＳ Ｐゴシック" charset="0"/>
+            </a:endParaRPr>
+          </a:p>
+          <a:p>
+            <a:pPr lvl="1"/>
+            <a:r>
+              <a:rPr lang="en-US" dirty="0" err="1">
+                <a:latin typeface="Calibri" charset="0"/>
+                <a:ea typeface="ＭＳ Ｐゴシック" charset="0"/>
+              </a:rPr>
+              <a:t>bedops</a:t>
+            </a:r>
+            <a:endParaRPr lang="en-US" dirty="0">
+              <a:latin typeface="Calibri" charset="0"/>
+              <a:ea typeface="ＭＳ Ｐゴシック" charset="0"/>
+            </a:endParaRPr>
+          </a:p>
+        </p:txBody>
+      </p:sp>
+      <p:pic>
+        <p:nvPicPr>
+          <p:cNvPr id="3" name="Picture 2">
+            <a:extLst>
+              <a:ext uri="{FF2B5EF4-FFF2-40B4-BE49-F238E27FC236}">
+                <a16:creationId xmlns:a16="http://schemas.microsoft.com/office/drawing/2014/main" id="{1B52D534-8C92-C44E-9D34-B1E543A14B1E}"/>
+              </a:ext>
+            </a:extLst>
+          </p:cNvPr>
+          <p:cNvPicPr>
+            <a:picLocks noChangeAspect="1"/>
+          </p:cNvPicPr>
+          <p:nvPr/>
+        </p:nvPicPr>
+        <p:blipFill>
+          <a:blip r:embed="rId2"/>
+          <a:stretch>
+            <a:fillRect/>
+          </a:stretch>
+        </p:blipFill>
+        <p:spPr>
+          <a:xfrm>
+            <a:off x="7550871" y="2361105"/>
+            <a:ext cx="1876785" cy="2531077"/>
+          </a:xfrm>
+          <a:prstGeom prst="rect">
+            <a:avLst/>
+          </a:prstGeom>
+        </p:spPr>
+      </p:pic>
+    </p:spTree>
+    <p:extLst>
+      <p:ext uri="{BB962C8B-B14F-4D97-AF65-F5344CB8AC3E}">
+        <p14:creationId xmlns:p14="http://schemas.microsoft.com/office/powerpoint/2010/main" val="3336316698"/>
+      </p:ext>
+    </p:extLst>
+  </p:cSld>
+  <p:clrMapOvr>
+    <a:masterClrMapping/>
+  </p:clrMapOvr>
+</p:sld>
+</file>
+
+<file path=ppt/slides/slide12.xml><?xml version="1.0" encoding="utf-8"?>
+<p:sld xmlns:a="http://schemas.openxmlformats.org/drawingml/2006/main" xmlns:r="http://schemas.openxmlformats.org/officeDocument/2006/relationships" xmlns:p="http://schemas.openxmlformats.org/presentationml/2006/main">
+  <p:cSld>
+    <p:spTree>
+      <p:nvGrpSpPr>
+        <p:cNvPr id="1" name=""/>
+        <p:cNvGrpSpPr/>
+        <p:nvPr/>
+      </p:nvGrpSpPr>
+      <p:grpSpPr>
+        <a:xfrm>
+          <a:off x="0" y="0"/>
+          <a:ext cx="0" cy="0"/>
+          <a:chOff x="0" y="0"/>
+          <a:chExt cx="0" cy="0"/>
+        </a:xfrm>
+      </p:grpSpPr>
+      <p:sp>
+        <p:nvSpPr>
           <p:cNvPr id="31745" name="Title 1"/>
           <p:cNvSpPr>
             <a:spLocks noGrp="1"/>
@@ -9105,8 +9379,8 @@
         </p:nvSpPr>
         <p:spPr>
           <a:xfrm>
-            <a:off x="1676400" y="1341438"/>
-            <a:ext cx="8839200" cy="4724400"/>
+            <a:off x="1676400" y="1116013"/>
+            <a:ext cx="8839200" cy="4949825"/>
           </a:xfrm>
         </p:spPr>
         <p:txBody>
@@ -9114,14 +9388,14 @@
           <a:lstStyle/>
           <a:p>
             <a:r>
-              <a:rPr lang="en-US">
+              <a:rPr lang="en-US" dirty="0">
                 <a:latin typeface="Calibri" charset="0"/>
                 <a:ea typeface="ＭＳ Ｐゴシック" charset="0"/>
               </a:rPr>
               <a:t>Generally BAM files are sorted by </a:t>
             </a:r>
             <a:r>
-              <a:rPr lang="en-US" u="sng">
+              <a:rPr lang="en-US" u="sng" dirty="0">
                 <a:latin typeface="Calibri" charset="0"/>
                 <a:ea typeface="ＭＳ Ｐゴシック" charset="0"/>
               </a:rPr>
@@ -9131,7 +9405,7 @@
           <a:p>
             <a:pPr lvl="1"/>
             <a:r>
-              <a:rPr lang="en-US">
+              <a:rPr lang="en-US" dirty="0">
                 <a:latin typeface="Calibri" charset="0"/>
                 <a:ea typeface="ＭＳ Ｐゴシック" charset="0"/>
               </a:rPr>
@@ -9141,23 +9415,33 @@
           <a:p>
             <a:pPr lvl="2"/>
             <a:r>
-              <a:rPr lang="en-US">
+              <a:rPr lang="en-US" dirty="0">
                 <a:latin typeface="Calibri" charset="0"/>
                 <a:ea typeface="ＭＳ Ｐゴシック" charset="0"/>
               </a:rPr>
               <a:t>When sorted and indexed, arbitrary positions in a massive BAM file can be accessed rapidly</a:t>
             </a:r>
-          </a:p>
-          <a:p>
-            <a:r>
-              <a:rPr lang="en-US">
+            <a:br>
+              <a:rPr lang="en-US" dirty="0">
+                <a:latin typeface="Calibri" charset="0"/>
+                <a:ea typeface="ＭＳ Ｐゴシック" charset="0"/>
+              </a:rPr>
+            </a:br>
+            <a:endParaRPr lang="en-US" dirty="0">
+              <a:latin typeface="Calibri" charset="0"/>
+              <a:ea typeface="ＭＳ Ｐゴシック" charset="0"/>
+            </a:endParaRPr>
+          </a:p>
+          <a:p>
+            <a:r>
+              <a:rPr lang="en-US" dirty="0">
                 <a:latin typeface="Calibri" charset="0"/>
                 <a:ea typeface="ＭＳ Ｐゴシック" charset="0"/>
               </a:rPr>
               <a:t>Certain tools require a BAM sorted by </a:t>
             </a:r>
             <a:r>
-              <a:rPr lang="en-US" u="sng">
+              <a:rPr lang="en-US" u="sng" dirty="0">
                 <a:latin typeface="Calibri" charset="0"/>
                 <a:ea typeface="ＭＳ Ｐゴシック" charset="0"/>
               </a:rPr>
@@ -9167,7 +9451,7 @@
           <a:p>
             <a:pPr lvl="1"/>
             <a:r>
-              <a:rPr lang="en-US">
+              <a:rPr lang="en-US" dirty="0">
                 <a:latin typeface="Calibri" charset="0"/>
                 <a:ea typeface="ＭＳ Ｐゴシック" charset="0"/>
               </a:rPr>
@@ -9177,7 +9461,7 @@
           <a:p>
             <a:pPr lvl="2"/>
             <a:r>
-              <a:rPr lang="en-US">
+              <a:rPr lang="en-US" dirty="0">
                 <a:latin typeface="Calibri" charset="0"/>
                 <a:ea typeface="ＭＳ Ｐゴシック" charset="0"/>
               </a:rPr>
@@ -9187,11 +9471,11 @@
           <a:p>
             <a:pPr lvl="2"/>
             <a:r>
-              <a:rPr lang="en-US">
+              <a:rPr lang="en-US" dirty="0">
                 <a:latin typeface="Calibri" charset="0"/>
                 <a:ea typeface="ＭＳ Ｐゴシック" charset="0"/>
               </a:rPr>
-              <a:t>In fusion detection we are interested in read pairs that map to different chromosomes…</a:t>
+              <a:t>In fusion detection we are interested in read pairs that map to different chromosomes</a:t>
             </a:r>
           </a:p>
         </p:txBody>
@@ -9421,14 +9705,14 @@
           </a:ln>
           <a:extLst>
             <a:ext uri="{909E8E84-426E-40dd-AFC4-6F175D3DCCD1}">
-              <a14:hiddenFill xmlns:a14="http://schemas.microsoft.com/office/drawing/2010/main" xmlns="">
+              <a14:hiddenFill xmlns="" xmlns:a14="http://schemas.microsoft.com/office/drawing/2010/main">
                 <a:solidFill>
                   <a:srgbClr val="FFFFFF"/>
                 </a:solidFill>
               </a14:hiddenFill>
             </a:ext>
             <a:ext uri="{91240B29-F687-4f45-9708-019B960494DF}">
-              <a14:hiddenLine xmlns:a14="http://schemas.microsoft.com/office/drawing/2010/main" xmlns="" w="9525">
+              <a14:hiddenLine xmlns="" xmlns:a14="http://schemas.microsoft.com/office/drawing/2010/main" w="9525">
                 <a:solidFill>
                   <a:srgbClr val="000000"/>
                 </a:solidFill>
@@ -9451,7 +9735,7 @@
         <p:spPr bwMode="auto">
           <a:xfrm>
             <a:off x="1774825" y="1196975"/>
-            <a:ext cx="4656138" cy="338138"/>
+            <a:ext cx="5314275" cy="338554"/>
           </a:xfrm>
           <a:prstGeom prst="rect">
             <a:avLst/>
@@ -9462,14 +9746,14 @@
           </a:ln>
           <a:extLst>
             <a:ext uri="{909E8E84-426E-40dd-AFC4-6F175D3DCCD1}">
-              <a14:hiddenFill xmlns:a14="http://schemas.microsoft.com/office/drawing/2010/main" xmlns="">
+              <a14:hiddenFill xmlns="" xmlns:a14="http://schemas.microsoft.com/office/drawing/2010/main">
                 <a:solidFill>
                   <a:srgbClr val="FFFFFF"/>
                 </a:solidFill>
               </a14:hiddenFill>
             </a:ext>
             <a:ext uri="{91240B29-F687-4f45-9708-019B960494DF}">
-              <a14:hiddenLine xmlns:a14="http://schemas.microsoft.com/office/drawing/2010/main" xmlns="" w="9525">
+              <a14:hiddenLine xmlns="" xmlns:a14="http://schemas.microsoft.com/office/drawing/2010/main" w="9525">
                 <a:solidFill>
                   <a:srgbClr val="000000"/>
                 </a:solidFill>
@@ -9595,8 +9879,8 @@
           <a:p>
             <a:pPr eaLnBrk="1" hangingPunct="1"/>
             <a:r>
-              <a:rPr lang="en-US" sz="1600"/>
-              <a:t>Example SAM/BAM header section (abbreviated)</a:t>
+              <a:rPr lang="en-US" sz="1600" dirty="0"/>
+              <a:t>Example SAM/BAM/CRAM header section (abbreviated)</a:t>
             </a:r>
           </a:p>
         </p:txBody>
@@ -9612,7 +9896,7 @@
         <p:spPr bwMode="auto">
           <a:xfrm>
             <a:off x="1770063" y="2852739"/>
-            <a:ext cx="6196012" cy="338137"/>
+            <a:ext cx="6851556" cy="338554"/>
           </a:xfrm>
           <a:prstGeom prst="rect">
             <a:avLst/>
@@ -9623,14 +9907,14 @@
           </a:ln>
           <a:extLst>
             <a:ext uri="{909E8E84-426E-40dd-AFC4-6F175D3DCCD1}">
-              <a14:hiddenFill xmlns:a14="http://schemas.microsoft.com/office/drawing/2010/main" xmlns="">
+              <a14:hiddenFill xmlns="" xmlns:a14="http://schemas.microsoft.com/office/drawing/2010/main">
                 <a:solidFill>
                   <a:srgbClr val="FFFFFF"/>
                 </a:solidFill>
               </a14:hiddenFill>
             </a:ext>
             <a:ext uri="{91240B29-F687-4f45-9708-019B960494DF}">
-              <a14:hiddenLine xmlns:a14="http://schemas.microsoft.com/office/drawing/2010/main" xmlns="" w="9525">
+              <a14:hiddenLine xmlns="" xmlns:a14="http://schemas.microsoft.com/office/drawing/2010/main" w="9525">
                 <a:solidFill>
                   <a:srgbClr val="000000"/>
                 </a:solidFill>
@@ -9756,8 +10040,8 @@
           <a:p>
             <a:pPr eaLnBrk="1" hangingPunct="1"/>
             <a:r>
-              <a:rPr lang="en-US" sz="1600"/>
-              <a:t>Example SAM/BAM alignment section (only 10 alignments shown)</a:t>
+              <a:rPr lang="en-US" sz="1600" dirty="0"/>
+              <a:t>Example SAM/BAM/CRAM alignment section (only 10 alignments shown)</a:t>
             </a:r>
           </a:p>
         </p:txBody>
@@ -9837,13 +10121,13 @@
         </p:nvSpPr>
         <p:spPr>
           <a:xfrm>
-            <a:off x="659567" y="1412875"/>
-            <a:ext cx="11002781" cy="4724400"/>
+            <a:off x="659567" y="1116013"/>
+            <a:ext cx="11002781" cy="5021262"/>
           </a:xfrm>
         </p:spPr>
         <p:txBody>
           <a:bodyPr>
-            <a:normAutofit fontScale="85000" lnSpcReduction="20000"/>
+            <a:normAutofit/>
           </a:bodyPr>
           <a:lstStyle/>
           <a:p>
@@ -9852,8 +10136,9 @@
             </a:pPr>
             <a:r>
               <a:rPr lang="en-US" dirty="0">
-                <a:latin typeface="Calibri" charset="0"/>
-                <a:ea typeface="ＭＳ Ｐゴシック" charset="0"/>
+                <a:latin typeface="Calibri" panose="020F0502020204030204" pitchFamily="34" charset="0"/>
+                <a:ea typeface="ＭＳ Ｐゴシック" charset="0"/>
+                <a:cs typeface="Calibri" panose="020F0502020204030204" pitchFamily="34" charset="0"/>
               </a:rPr>
               <a:t>The specification</a:t>
             </a:r>
@@ -9864,15 +10149,17 @@
             </a:pPr>
             <a:r>
               <a:rPr lang="en-US" dirty="0">
-                <a:latin typeface="Calibri" charset="0"/>
-                <a:ea typeface="ＭＳ Ｐゴシック" charset="0"/>
+                <a:latin typeface="Calibri" panose="020F0502020204030204" pitchFamily="34" charset="0"/>
+                <a:ea typeface="ＭＳ Ｐゴシック" charset="0"/>
+                <a:cs typeface="Calibri" panose="020F0502020204030204" pitchFamily="34" charset="0"/>
                 <a:hlinkClick r:id="rId2"/>
               </a:rPr>
               <a:t>http://samtools.sourceforge.net/SAM1.pdf</a:t>
             </a:r>
             <a:endParaRPr lang="en-US" dirty="0">
-              <a:latin typeface="Calibri" charset="0"/>
+              <a:latin typeface="Calibri" panose="020F0502020204030204" pitchFamily="34" charset="0"/>
               <a:ea typeface="ＭＳ Ｐゴシック" charset="0"/>
+              <a:cs typeface="Calibri" panose="020F0502020204030204" pitchFamily="34" charset="0"/>
             </a:endParaRPr>
           </a:p>
           <a:p>
@@ -9881,10 +10168,24 @@
             </a:pPr>
             <a:r>
               <a:rPr lang="en-US" dirty="0">
-                <a:latin typeface="Calibri" charset="0"/>
-                <a:ea typeface="ＭＳ Ｐゴシック" charset="0"/>
+                <a:latin typeface="Calibri" panose="020F0502020204030204" pitchFamily="34" charset="0"/>
+                <a:ea typeface="ＭＳ Ｐゴシック" charset="0"/>
+                <a:cs typeface="Calibri" panose="020F0502020204030204" pitchFamily="34" charset="0"/>
               </a:rPr>
-              <a:t>The SAM format consists of two sections:</a:t>
+              <a:t>SAM is uncompressed text data</a:t>
+            </a:r>
+          </a:p>
+          <a:p>
+            <a:pPr>
+              <a:defRPr/>
+            </a:pPr>
+            <a:r>
+              <a:rPr lang="en-US" dirty="0">
+                <a:latin typeface="Calibri" panose="020F0502020204030204" pitchFamily="34" charset="0"/>
+                <a:ea typeface="ＭＳ Ｐゴシック" charset="0"/>
+                <a:cs typeface="Calibri" panose="020F0502020204030204" pitchFamily="34" charset="0"/>
+              </a:rPr>
+              <a:t>BAM is a compressed version of SAM</a:t>
             </a:r>
           </a:p>
           <a:p>
@@ -9893,22 +10194,23 @@
             </a:pPr>
             <a:r>
               <a:rPr lang="en-US" dirty="0">
-                <a:latin typeface="Calibri" charset="0"/>
-                <a:ea typeface="ＭＳ Ｐゴシック" charset="0"/>
+                <a:latin typeface="Calibri" panose="020F0502020204030204" pitchFamily="34" charset="0"/>
+                <a:ea typeface="ＭＳ Ｐゴシック" charset="0"/>
+                <a:cs typeface="Calibri" panose="020F0502020204030204" pitchFamily="34" charset="0"/>
               </a:rPr>
-              <a:t>Header section</a:t>
-            </a:r>
-          </a:p>
-          <a:p>
-            <a:pPr lvl="2">
+              <a:t>lossless BGZF format</a:t>
+            </a:r>
+          </a:p>
+          <a:p>
+            <a:pPr>
               <a:defRPr/>
             </a:pPr>
             <a:r>
               <a:rPr lang="en-US" dirty="0">
-                <a:latin typeface="Calibri" charset="0"/>
-                <a:ea typeface="ＭＳ Ｐゴシック" charset="0"/>
+                <a:latin typeface="Calibri" panose="020F0502020204030204" pitchFamily="34" charset="0"/>
+                <a:cs typeface="Calibri" panose="020F0502020204030204" pitchFamily="34" charset="0"/>
               </a:rPr>
-              <a:t>Used to describe source of data, reference sequence, method of alignment, etc.</a:t>
+              <a:t>BAM files are usually ‘indexed’</a:t>
             </a:r>
           </a:p>
           <a:p>
@@ -9917,34 +10219,10 @@
             </a:pPr>
             <a:r>
               <a:rPr lang="en-US" dirty="0">
-                <a:latin typeface="Calibri" charset="0"/>
-                <a:ea typeface="ＭＳ Ｐゴシック" charset="0"/>
+                <a:latin typeface="Calibri" panose="020F0502020204030204" pitchFamily="34" charset="0"/>
+                <a:cs typeface="Calibri" panose="020F0502020204030204" pitchFamily="34" charset="0"/>
               </a:rPr>
-              <a:t>Alignment section</a:t>
-            </a:r>
-          </a:p>
-          <a:p>
-            <a:pPr lvl="2">
-              <a:defRPr/>
-            </a:pPr>
-            <a:r>
-              <a:rPr lang="en-US" dirty="0">
-                <a:latin typeface="Calibri" charset="0"/>
-                <a:ea typeface="ＭＳ Ｐゴシック" charset="0"/>
-              </a:rPr>
-              <a:t>Used to describe the read, quality of the read, and nature alignment of the read to a region of the genome</a:t>
-            </a:r>
-          </a:p>
-          <a:p>
-            <a:pPr>
-              <a:defRPr/>
-            </a:pPr>
-            <a:r>
-              <a:rPr lang="en-US" dirty="0">
-                <a:latin typeface="Calibri" charset="0"/>
-                <a:ea typeface="ＭＳ Ｐゴシック" charset="0"/>
-              </a:rPr>
-              <a:t>BAM is a compressed version of SAM</a:t>
+              <a:t>A ‘.bai’ file will be found beside the ‘.bam’ file </a:t>
             </a:r>
           </a:p>
           <a:p>
@@ -9953,10 +10231,10 @@
             </a:pPr>
             <a:r>
               <a:rPr lang="en-US" dirty="0">
-                <a:latin typeface="Calibri" charset="0"/>
-                <a:ea typeface="ＭＳ Ｐゴシック" charset="0"/>
+                <a:latin typeface="Calibri" panose="020F0502020204030204" pitchFamily="34" charset="0"/>
+                <a:cs typeface="Calibri" panose="020F0502020204030204" pitchFamily="34" charset="0"/>
               </a:rPr>
-              <a:t>Compressed using lossless BGZF format</a:t>
+              <a:t>Indexing provides fast retrieval of alignments overlapping a specified region without going through all alignments. </a:t>
             </a:r>
           </a:p>
           <a:p>
@@ -9965,37 +10243,10 @@
             </a:pPr>
             <a:r>
               <a:rPr lang="en-US" dirty="0">
-                <a:latin typeface="Calibri" charset="0"/>
-                <a:ea typeface="ＭＳ Ｐゴシック" charset="0"/>
+                <a:latin typeface="Calibri" panose="020F0502020204030204" pitchFamily="34" charset="0"/>
+                <a:cs typeface="Calibri" panose="020F0502020204030204" pitchFamily="34" charset="0"/>
               </a:rPr>
-              <a:t>Other BAM compression strategies are a subject of research.  See ‘CRAM’ format for example</a:t>
-            </a:r>
-          </a:p>
-          <a:p>
-            <a:pPr>
-              <a:defRPr/>
-            </a:pPr>
-            <a:r>
-              <a:rPr lang="en-US" dirty="0"/>
-              <a:t>BAM files are usually ‘indexed’</a:t>
-            </a:r>
-          </a:p>
-          <a:p>
-            <a:pPr lvl="1">
-              <a:defRPr/>
-            </a:pPr>
-            <a:r>
-              <a:rPr lang="en-US" dirty="0"/>
-              <a:t>A ‘.bai’ file will be found beside the ‘.bam’ file </a:t>
-            </a:r>
-          </a:p>
-          <a:p>
-            <a:pPr lvl="1">
-              <a:defRPr/>
-            </a:pPr>
-            <a:r>
-              <a:rPr lang="en-US" dirty="0"/>
-              <a:t>Indexing aims to achieve fast retrieval of alignments overlapping a specified region without going through the whole alignments. BAM must be sorted by the reference ID and then the leftmost coordinate before indexing</a:t>
+              <a:t>BAM must be sorted by the reference ID and then the leftmost coordinate before indexing</a:t>
             </a:r>
           </a:p>
         </p:txBody>
@@ -10042,17 +10293,19 @@
         </p:nvSpPr>
         <p:spPr>
           <a:xfrm>
-            <a:off x="1676400" y="-26988"/>
+            <a:off x="1676400" y="-168390"/>
             <a:ext cx="8839200" cy="1143001"/>
           </a:xfrm>
         </p:spPr>
         <p:txBody>
-          <a:bodyPr/>
+          <a:bodyPr>
+            <a:normAutofit/>
+          </a:bodyPr>
           <a:lstStyle/>
           <a:p>
             <a:pPr algn="ctr"/>
             <a:r>
-              <a:rPr lang="en-US" b="1" dirty="0">
+              <a:rPr lang="en-US" sz="3600" b="1" dirty="0">
                 <a:latin typeface="Calibri" charset="0"/>
                 <a:ea typeface="ＭＳ Ｐゴシック" charset="0"/>
               </a:rPr>
@@ -10073,13 +10326,13 @@
         </p:nvSpPr>
         <p:spPr>
           <a:xfrm>
-            <a:off x="584616" y="1268413"/>
-            <a:ext cx="11152682" cy="4895850"/>
+            <a:off x="584616" y="772998"/>
+            <a:ext cx="11152682" cy="1743959"/>
           </a:xfrm>
         </p:spPr>
         <p:txBody>
           <a:bodyPr>
-            <a:normAutofit fontScale="85000" lnSpcReduction="20000"/>
+            <a:normAutofit fontScale="92500"/>
           </a:bodyPr>
           <a:lstStyle/>
           <a:p>
@@ -10087,26 +10340,238 @@
               <a:defRPr/>
             </a:pPr>
             <a:r>
-              <a:rPr lang="en-US" dirty="0"/>
+              <a:rPr lang="en-US" dirty="0">
+                <a:latin typeface="Calibri" panose="020F0502020204030204" pitchFamily="34" charset="0"/>
+                <a:cs typeface="Calibri" panose="020F0502020204030204" pitchFamily="34" charset="0"/>
+              </a:rPr>
               <a:t>Used to describe source of data, reference sequence, method of alignment, etc.</a:t>
             </a:r>
+            <a:br>
+              <a:rPr lang="en-US" dirty="0">
+                <a:latin typeface="Calibri" panose="020F0502020204030204" pitchFamily="34" charset="0"/>
+                <a:cs typeface="Calibri" panose="020F0502020204030204" pitchFamily="34" charset="0"/>
+              </a:rPr>
+            </a:br>
+            <a:endParaRPr lang="en-US" dirty="0">
+              <a:latin typeface="Calibri" panose="020F0502020204030204" pitchFamily="34" charset="0"/>
+              <a:cs typeface="Calibri" panose="020F0502020204030204" pitchFamily="34" charset="0"/>
+            </a:endParaRPr>
           </a:p>
           <a:p>
             <a:pPr>
               <a:defRPr/>
             </a:pPr>
             <a:r>
-              <a:rPr lang="en-US" dirty="0"/>
-              <a:t>Each section begins with character ‘@’ followed by a two-letter record type code.  These are followed by two-letter tags and values </a:t>
-            </a:r>
-          </a:p>
+              <a:rPr lang="en-US" dirty="0">
+                <a:latin typeface="Calibri" panose="020F0502020204030204" pitchFamily="34" charset="0"/>
+                <a:cs typeface="Calibri" panose="020F0502020204030204" pitchFamily="34" charset="0"/>
+              </a:rPr>
+              <a:t>Each section begins with character ‘@’ followed by a two-letter record type code.  These are followed by two-letter tags and values:</a:t>
+            </a:r>
+          </a:p>
+        </p:txBody>
+      </p:sp>
+      <p:sp>
+        <p:nvSpPr>
+          <p:cNvPr id="4" name="Content Placeholder 2">
+            <a:extLst>
+              <a:ext uri="{FF2B5EF4-FFF2-40B4-BE49-F238E27FC236}">
+                <a16:creationId xmlns:a16="http://schemas.microsoft.com/office/drawing/2014/main" id="{C9B6A6C6-824F-D349-AC93-AFED478203C1}"/>
+              </a:ext>
+            </a:extLst>
+          </p:cNvPr>
+          <p:cNvSpPr txBox="1">
+            <a:spLocks/>
+          </p:cNvSpPr>
+          <p:nvPr/>
+        </p:nvSpPr>
+        <p:spPr>
+          <a:xfrm>
+            <a:off x="5849873" y="2658359"/>
+            <a:ext cx="5686861" cy="3799706"/>
+          </a:xfrm>
+          <a:prstGeom prst="rect">
+            <a:avLst/>
+          </a:prstGeom>
+        </p:spPr>
+        <p:txBody>
+          <a:bodyPr vert="horz" lIns="91440" tIns="45720" rIns="91440" bIns="45720" rtlCol="0">
+            <a:normAutofit/>
+          </a:bodyPr>
+          <a:lstStyle>
+            <a:lvl1pPr marL="228600" indent="-228600" algn="l" defTabSz="914400" rtl="0" eaLnBrk="1" latinLnBrk="0" hangingPunct="1">
+              <a:lnSpc>
+                <a:spcPct val="90000"/>
+              </a:lnSpc>
+              <a:spcBef>
+                <a:spcPts val="1000"/>
+              </a:spcBef>
+              <a:buFont typeface="Arial" panose="020B0604020202020204" pitchFamily="34" charset="0"/>
+              <a:buChar char="•"/>
+              <a:defRPr sz="2800" kern="1200">
+                <a:solidFill>
+                  <a:schemeClr val="tx1"/>
+                </a:solidFill>
+                <a:latin typeface="+mn-lt"/>
+                <a:ea typeface="+mn-ea"/>
+                <a:cs typeface="+mn-cs"/>
+              </a:defRPr>
+            </a:lvl1pPr>
+            <a:lvl2pPr marL="685800" indent="-228600" algn="l" defTabSz="914400" rtl="0" eaLnBrk="1" latinLnBrk="0" hangingPunct="1">
+              <a:lnSpc>
+                <a:spcPct val="90000"/>
+              </a:lnSpc>
+              <a:spcBef>
+                <a:spcPts val="500"/>
+              </a:spcBef>
+              <a:buFont typeface="Arial" panose="020B0604020202020204" pitchFamily="34" charset="0"/>
+              <a:buChar char="•"/>
+              <a:defRPr sz="2400" kern="1200">
+                <a:solidFill>
+                  <a:schemeClr val="tx1"/>
+                </a:solidFill>
+                <a:latin typeface="+mn-lt"/>
+                <a:ea typeface="+mn-ea"/>
+                <a:cs typeface="+mn-cs"/>
+              </a:defRPr>
+            </a:lvl2pPr>
+            <a:lvl3pPr marL="1143000" indent="-228600" algn="l" defTabSz="914400" rtl="0" eaLnBrk="1" latinLnBrk="0" hangingPunct="1">
+              <a:lnSpc>
+                <a:spcPct val="90000"/>
+              </a:lnSpc>
+              <a:spcBef>
+                <a:spcPts val="500"/>
+              </a:spcBef>
+              <a:buFont typeface="Arial" panose="020B0604020202020204" pitchFamily="34" charset="0"/>
+              <a:buChar char="•"/>
+              <a:defRPr sz="2000" kern="1200">
+                <a:solidFill>
+                  <a:schemeClr val="tx1"/>
+                </a:solidFill>
+                <a:latin typeface="+mn-lt"/>
+                <a:ea typeface="+mn-ea"/>
+                <a:cs typeface="+mn-cs"/>
+              </a:defRPr>
+            </a:lvl3pPr>
+            <a:lvl4pPr marL="1600200" indent="-228600" algn="l" defTabSz="914400" rtl="0" eaLnBrk="1" latinLnBrk="0" hangingPunct="1">
+              <a:lnSpc>
+                <a:spcPct val="90000"/>
+              </a:lnSpc>
+              <a:spcBef>
+                <a:spcPts val="500"/>
+              </a:spcBef>
+              <a:buFont typeface="Arial" panose="020B0604020202020204" pitchFamily="34" charset="0"/>
+              <a:buChar char="•"/>
+              <a:defRPr sz="1800" kern="1200">
+                <a:solidFill>
+                  <a:schemeClr val="tx1"/>
+                </a:solidFill>
+                <a:latin typeface="+mn-lt"/>
+                <a:ea typeface="+mn-ea"/>
+                <a:cs typeface="+mn-cs"/>
+              </a:defRPr>
+            </a:lvl4pPr>
+            <a:lvl5pPr marL="2057400" indent="-228600" algn="l" defTabSz="914400" rtl="0" eaLnBrk="1" latinLnBrk="0" hangingPunct="1">
+              <a:lnSpc>
+                <a:spcPct val="90000"/>
+              </a:lnSpc>
+              <a:spcBef>
+                <a:spcPts val="500"/>
+              </a:spcBef>
+              <a:buFont typeface="Arial" panose="020B0604020202020204" pitchFamily="34" charset="0"/>
+              <a:buChar char="•"/>
+              <a:defRPr sz="1800" kern="1200">
+                <a:solidFill>
+                  <a:schemeClr val="tx1"/>
+                </a:solidFill>
+                <a:latin typeface="+mn-lt"/>
+                <a:ea typeface="+mn-ea"/>
+                <a:cs typeface="+mn-cs"/>
+              </a:defRPr>
+            </a:lvl5pPr>
+            <a:lvl6pPr marL="2514600" indent="-228600" algn="l" defTabSz="914400" rtl="0" eaLnBrk="1" latinLnBrk="0" hangingPunct="1">
+              <a:lnSpc>
+                <a:spcPct val="90000"/>
+              </a:lnSpc>
+              <a:spcBef>
+                <a:spcPts val="500"/>
+              </a:spcBef>
+              <a:buFont typeface="Arial" panose="020B0604020202020204" pitchFamily="34" charset="0"/>
+              <a:buChar char="•"/>
+              <a:defRPr sz="1800" kern="1200">
+                <a:solidFill>
+                  <a:schemeClr val="tx1"/>
+                </a:solidFill>
+                <a:latin typeface="+mn-lt"/>
+                <a:ea typeface="+mn-ea"/>
+                <a:cs typeface="+mn-cs"/>
+              </a:defRPr>
+            </a:lvl6pPr>
+            <a:lvl7pPr marL="2971800" indent="-228600" algn="l" defTabSz="914400" rtl="0" eaLnBrk="1" latinLnBrk="0" hangingPunct="1">
+              <a:lnSpc>
+                <a:spcPct val="90000"/>
+              </a:lnSpc>
+              <a:spcBef>
+                <a:spcPts val="500"/>
+              </a:spcBef>
+              <a:buFont typeface="Arial" panose="020B0604020202020204" pitchFamily="34" charset="0"/>
+              <a:buChar char="•"/>
+              <a:defRPr sz="1800" kern="1200">
+                <a:solidFill>
+                  <a:schemeClr val="tx1"/>
+                </a:solidFill>
+                <a:latin typeface="+mn-lt"/>
+                <a:ea typeface="+mn-ea"/>
+                <a:cs typeface="+mn-cs"/>
+              </a:defRPr>
+            </a:lvl7pPr>
+            <a:lvl8pPr marL="3429000" indent="-228600" algn="l" defTabSz="914400" rtl="0" eaLnBrk="1" latinLnBrk="0" hangingPunct="1">
+              <a:lnSpc>
+                <a:spcPct val="90000"/>
+              </a:lnSpc>
+              <a:spcBef>
+                <a:spcPts val="500"/>
+              </a:spcBef>
+              <a:buFont typeface="Arial" panose="020B0604020202020204" pitchFamily="34" charset="0"/>
+              <a:buChar char="•"/>
+              <a:defRPr sz="1800" kern="1200">
+                <a:solidFill>
+                  <a:schemeClr val="tx1"/>
+                </a:solidFill>
+                <a:latin typeface="+mn-lt"/>
+                <a:ea typeface="+mn-ea"/>
+                <a:cs typeface="+mn-cs"/>
+              </a:defRPr>
+            </a:lvl8pPr>
+            <a:lvl9pPr marL="3886200" indent="-228600" algn="l" defTabSz="914400" rtl="0" eaLnBrk="1" latinLnBrk="0" hangingPunct="1">
+              <a:lnSpc>
+                <a:spcPct val="90000"/>
+              </a:lnSpc>
+              <a:spcBef>
+                <a:spcPts val="500"/>
+              </a:spcBef>
+              <a:buFont typeface="Arial" panose="020B0604020202020204" pitchFamily="34" charset="0"/>
+              <a:buChar char="•"/>
+              <a:defRPr sz="1800" kern="1200">
+                <a:solidFill>
+                  <a:schemeClr val="tx1"/>
+                </a:solidFill>
+                <a:latin typeface="+mn-lt"/>
+                <a:ea typeface="+mn-ea"/>
+                <a:cs typeface="+mn-cs"/>
+              </a:defRPr>
+            </a:lvl9pPr>
+          </a:lstStyle>
           <a:p>
             <a:pPr lvl="1">
               <a:defRPr/>
             </a:pPr>
             <a:r>
-              <a:rPr lang="en-US" dirty="0"/>
-              <a:t>@HD  The header line</a:t>
+              <a:rPr lang="en-US" dirty="0">
+                <a:latin typeface="Calibri" panose="020F0502020204030204" pitchFamily="34" charset="0"/>
+                <a:cs typeface="Calibri" panose="020F0502020204030204" pitchFamily="34" charset="0"/>
+              </a:rPr>
+              <a:t>@RG  Read group</a:t>
             </a:r>
           </a:p>
           <a:p>
@@ -10114,8 +10579,11 @@
               <a:defRPr/>
             </a:pPr>
             <a:r>
-              <a:rPr lang="en-US" dirty="0"/>
-              <a:t>VN: format version</a:t>
+              <a:rPr lang="en-US" dirty="0">
+                <a:latin typeface="Calibri" panose="020F0502020204030204" pitchFamily="34" charset="0"/>
+                <a:cs typeface="Calibri" panose="020F0502020204030204" pitchFamily="34" charset="0"/>
+              </a:rPr>
+              <a:t>ID: read group identifier</a:t>
             </a:r>
           </a:p>
           <a:p>
@@ -10123,17 +10591,45 @@
               <a:defRPr/>
             </a:pPr>
             <a:r>
-              <a:rPr lang="en-US" dirty="0"/>
-              <a:t>SO: Sorting order of alignments</a:t>
-            </a:r>
+              <a:rPr lang="en-US" dirty="0">
+                <a:latin typeface="Calibri" panose="020F0502020204030204" pitchFamily="34" charset="0"/>
+                <a:cs typeface="Calibri" panose="020F0502020204030204" pitchFamily="34" charset="0"/>
+              </a:rPr>
+              <a:t>CN: name of sequencing center</a:t>
+            </a:r>
+          </a:p>
+          <a:p>
+            <a:pPr lvl="2">
+              <a:defRPr/>
+            </a:pPr>
+            <a:r>
+              <a:rPr lang="en-US" dirty="0">
+                <a:latin typeface="Calibri" panose="020F0502020204030204" pitchFamily="34" charset="0"/>
+                <a:cs typeface="Calibri" panose="020F0502020204030204" pitchFamily="34" charset="0"/>
+              </a:rPr>
+              <a:t>SM: sample name</a:t>
+            </a:r>
+            <a:br>
+              <a:rPr lang="en-US" dirty="0">
+                <a:latin typeface="Calibri" panose="020F0502020204030204" pitchFamily="34" charset="0"/>
+                <a:cs typeface="Calibri" panose="020F0502020204030204" pitchFamily="34" charset="0"/>
+              </a:rPr>
+            </a:br>
+            <a:endParaRPr lang="en-US" dirty="0">
+              <a:latin typeface="Calibri" panose="020F0502020204030204" pitchFamily="34" charset="0"/>
+              <a:cs typeface="Calibri" panose="020F0502020204030204" pitchFamily="34" charset="0"/>
+            </a:endParaRPr>
           </a:p>
           <a:p>
             <a:pPr lvl="1">
               <a:defRPr/>
             </a:pPr>
             <a:r>
-              <a:rPr lang="en-US" dirty="0"/>
-              <a:t>@SQ  Reference sequence dictionary</a:t>
+              <a:rPr lang="en-US" dirty="0">
+                <a:latin typeface="Calibri" panose="020F0502020204030204" pitchFamily="34" charset="0"/>
+                <a:cs typeface="Calibri" panose="020F0502020204030204" pitchFamily="34" charset="0"/>
+              </a:rPr>
+              <a:t>@PG  Program</a:t>
             </a:r>
           </a:p>
           <a:p>
@@ -10141,8 +10637,11 @@
               <a:defRPr/>
             </a:pPr>
             <a:r>
-              <a:rPr lang="en-US" dirty="0"/>
-              <a:t>SN: reference sequence name</a:t>
+              <a:rPr lang="en-US" dirty="0">
+                <a:latin typeface="Calibri" panose="020F0502020204030204" pitchFamily="34" charset="0"/>
+                <a:cs typeface="Calibri" panose="020F0502020204030204" pitchFamily="34" charset="0"/>
+              </a:rPr>
+              <a:t>PN: program name</a:t>
             </a:r>
           </a:p>
           <a:p>
@@ -10150,8 +10649,216 @@
               <a:defRPr/>
             </a:pPr>
             <a:r>
-              <a:rPr lang="en-US" dirty="0"/>
-              <a:t>LN: reference sequence length</a:t>
+              <a:rPr lang="en-US" dirty="0">
+                <a:latin typeface="Calibri" panose="020F0502020204030204" pitchFamily="34" charset="0"/>
+                <a:cs typeface="Calibri" panose="020F0502020204030204" pitchFamily="34" charset="0"/>
+              </a:rPr>
+              <a:t>VN: program version</a:t>
+            </a:r>
+          </a:p>
+        </p:txBody>
+      </p:sp>
+      <p:sp>
+        <p:nvSpPr>
+          <p:cNvPr id="5" name="Content Placeholder 2">
+            <a:extLst>
+              <a:ext uri="{FF2B5EF4-FFF2-40B4-BE49-F238E27FC236}">
+                <a16:creationId xmlns:a16="http://schemas.microsoft.com/office/drawing/2014/main" id="{0405F443-B8E6-FD42-B174-BBE2DD1F789E}"/>
+              </a:ext>
+            </a:extLst>
+          </p:cNvPr>
+          <p:cNvSpPr txBox="1">
+            <a:spLocks/>
+          </p:cNvSpPr>
+          <p:nvPr/>
+        </p:nvSpPr>
+        <p:spPr>
+          <a:xfrm>
+            <a:off x="584616" y="2658359"/>
+            <a:ext cx="4692823" cy="3516902"/>
+          </a:xfrm>
+          <a:prstGeom prst="rect">
+            <a:avLst/>
+          </a:prstGeom>
+        </p:spPr>
+        <p:txBody>
+          <a:bodyPr vert="horz" lIns="91440" tIns="45720" rIns="91440" bIns="45720" rtlCol="0">
+            <a:normAutofit/>
+          </a:bodyPr>
+          <a:lstStyle>
+            <a:lvl1pPr marL="228600" indent="-228600" algn="l" defTabSz="914400" rtl="0" eaLnBrk="1" latinLnBrk="0" hangingPunct="1">
+              <a:lnSpc>
+                <a:spcPct val="90000"/>
+              </a:lnSpc>
+              <a:spcBef>
+                <a:spcPts val="1000"/>
+              </a:spcBef>
+              <a:buFont typeface="Arial" panose="020B0604020202020204" pitchFamily="34" charset="0"/>
+              <a:buChar char="•"/>
+              <a:defRPr sz="2800" kern="1200">
+                <a:solidFill>
+                  <a:schemeClr val="tx1"/>
+                </a:solidFill>
+                <a:latin typeface="+mn-lt"/>
+                <a:ea typeface="+mn-ea"/>
+                <a:cs typeface="+mn-cs"/>
+              </a:defRPr>
+            </a:lvl1pPr>
+            <a:lvl2pPr marL="685800" indent="-228600" algn="l" defTabSz="914400" rtl="0" eaLnBrk="1" latinLnBrk="0" hangingPunct="1">
+              <a:lnSpc>
+                <a:spcPct val="90000"/>
+              </a:lnSpc>
+              <a:spcBef>
+                <a:spcPts val="500"/>
+              </a:spcBef>
+              <a:buFont typeface="Arial" panose="020B0604020202020204" pitchFamily="34" charset="0"/>
+              <a:buChar char="•"/>
+              <a:defRPr sz="2400" kern="1200">
+                <a:solidFill>
+                  <a:schemeClr val="tx1"/>
+                </a:solidFill>
+                <a:latin typeface="+mn-lt"/>
+                <a:ea typeface="+mn-ea"/>
+                <a:cs typeface="+mn-cs"/>
+              </a:defRPr>
+            </a:lvl2pPr>
+            <a:lvl3pPr marL="1143000" indent="-228600" algn="l" defTabSz="914400" rtl="0" eaLnBrk="1" latinLnBrk="0" hangingPunct="1">
+              <a:lnSpc>
+                <a:spcPct val="90000"/>
+              </a:lnSpc>
+              <a:spcBef>
+                <a:spcPts val="500"/>
+              </a:spcBef>
+              <a:buFont typeface="Arial" panose="020B0604020202020204" pitchFamily="34" charset="0"/>
+              <a:buChar char="•"/>
+              <a:defRPr sz="2000" kern="1200">
+                <a:solidFill>
+                  <a:schemeClr val="tx1"/>
+                </a:solidFill>
+                <a:latin typeface="+mn-lt"/>
+                <a:ea typeface="+mn-ea"/>
+                <a:cs typeface="+mn-cs"/>
+              </a:defRPr>
+            </a:lvl3pPr>
+            <a:lvl4pPr marL="1600200" indent="-228600" algn="l" defTabSz="914400" rtl="0" eaLnBrk="1" latinLnBrk="0" hangingPunct="1">
+              <a:lnSpc>
+                <a:spcPct val="90000"/>
+              </a:lnSpc>
+              <a:spcBef>
+                <a:spcPts val="500"/>
+              </a:spcBef>
+              <a:buFont typeface="Arial" panose="020B0604020202020204" pitchFamily="34" charset="0"/>
+              <a:buChar char="•"/>
+              <a:defRPr sz="1800" kern="1200">
+                <a:solidFill>
+                  <a:schemeClr val="tx1"/>
+                </a:solidFill>
+                <a:latin typeface="+mn-lt"/>
+                <a:ea typeface="+mn-ea"/>
+                <a:cs typeface="+mn-cs"/>
+              </a:defRPr>
+            </a:lvl4pPr>
+            <a:lvl5pPr marL="2057400" indent="-228600" algn="l" defTabSz="914400" rtl="0" eaLnBrk="1" latinLnBrk="0" hangingPunct="1">
+              <a:lnSpc>
+                <a:spcPct val="90000"/>
+              </a:lnSpc>
+              <a:spcBef>
+                <a:spcPts val="500"/>
+              </a:spcBef>
+              <a:buFont typeface="Arial" panose="020B0604020202020204" pitchFamily="34" charset="0"/>
+              <a:buChar char="•"/>
+              <a:defRPr sz="1800" kern="1200">
+                <a:solidFill>
+                  <a:schemeClr val="tx1"/>
+                </a:solidFill>
+                <a:latin typeface="+mn-lt"/>
+                <a:ea typeface="+mn-ea"/>
+                <a:cs typeface="+mn-cs"/>
+              </a:defRPr>
+            </a:lvl5pPr>
+            <a:lvl6pPr marL="2514600" indent="-228600" algn="l" defTabSz="914400" rtl="0" eaLnBrk="1" latinLnBrk="0" hangingPunct="1">
+              <a:lnSpc>
+                <a:spcPct val="90000"/>
+              </a:lnSpc>
+              <a:spcBef>
+                <a:spcPts val="500"/>
+              </a:spcBef>
+              <a:buFont typeface="Arial" panose="020B0604020202020204" pitchFamily="34" charset="0"/>
+              <a:buChar char="•"/>
+              <a:defRPr sz="1800" kern="1200">
+                <a:solidFill>
+                  <a:schemeClr val="tx1"/>
+                </a:solidFill>
+                <a:latin typeface="+mn-lt"/>
+                <a:ea typeface="+mn-ea"/>
+                <a:cs typeface="+mn-cs"/>
+              </a:defRPr>
+            </a:lvl6pPr>
+            <a:lvl7pPr marL="2971800" indent="-228600" algn="l" defTabSz="914400" rtl="0" eaLnBrk="1" latinLnBrk="0" hangingPunct="1">
+              <a:lnSpc>
+                <a:spcPct val="90000"/>
+              </a:lnSpc>
+              <a:spcBef>
+                <a:spcPts val="500"/>
+              </a:spcBef>
+              <a:buFont typeface="Arial" panose="020B0604020202020204" pitchFamily="34" charset="0"/>
+              <a:buChar char="•"/>
+              <a:defRPr sz="1800" kern="1200">
+                <a:solidFill>
+                  <a:schemeClr val="tx1"/>
+                </a:solidFill>
+                <a:latin typeface="+mn-lt"/>
+                <a:ea typeface="+mn-ea"/>
+                <a:cs typeface="+mn-cs"/>
+              </a:defRPr>
+            </a:lvl7pPr>
+            <a:lvl8pPr marL="3429000" indent="-228600" algn="l" defTabSz="914400" rtl="0" eaLnBrk="1" latinLnBrk="0" hangingPunct="1">
+              <a:lnSpc>
+                <a:spcPct val="90000"/>
+              </a:lnSpc>
+              <a:spcBef>
+                <a:spcPts val="500"/>
+              </a:spcBef>
+              <a:buFont typeface="Arial" panose="020B0604020202020204" pitchFamily="34" charset="0"/>
+              <a:buChar char="•"/>
+              <a:defRPr sz="1800" kern="1200">
+                <a:solidFill>
+                  <a:schemeClr val="tx1"/>
+                </a:solidFill>
+                <a:latin typeface="+mn-lt"/>
+                <a:ea typeface="+mn-ea"/>
+                <a:cs typeface="+mn-cs"/>
+              </a:defRPr>
+            </a:lvl8pPr>
+            <a:lvl9pPr marL="3886200" indent="-228600" algn="l" defTabSz="914400" rtl="0" eaLnBrk="1" latinLnBrk="0" hangingPunct="1">
+              <a:lnSpc>
+                <a:spcPct val="90000"/>
+              </a:lnSpc>
+              <a:spcBef>
+                <a:spcPts val="500"/>
+              </a:spcBef>
+              <a:buFont typeface="Arial" panose="020B0604020202020204" pitchFamily="34" charset="0"/>
+              <a:buChar char="•"/>
+              <a:defRPr sz="1800" kern="1200">
+                <a:solidFill>
+                  <a:schemeClr val="tx1"/>
+                </a:solidFill>
+                <a:latin typeface="+mn-lt"/>
+                <a:ea typeface="+mn-ea"/>
+                <a:cs typeface="+mn-cs"/>
+              </a:defRPr>
+            </a:lvl9pPr>
+          </a:lstStyle>
+          <a:p>
+            <a:pPr lvl="1">
+              <a:defRPr/>
+            </a:pPr>
+            <a:r>
+              <a:rPr lang="en-US" dirty="0">
+                <a:latin typeface="Calibri" panose="020F0502020204030204" pitchFamily="34" charset="0"/>
+                <a:cs typeface="Calibri" panose="020F0502020204030204" pitchFamily="34" charset="0"/>
+              </a:rPr>
+              <a:t>@HD  The header line</a:t>
             </a:r>
           </a:p>
           <a:p>
@@ -10159,17 +10866,51 @@
               <a:defRPr/>
             </a:pPr>
             <a:r>
-              <a:rPr lang="en-US" dirty="0"/>
-              <a:t>SP: species</a:t>
-            </a:r>
+              <a:rPr lang="en-US" dirty="0">
+                <a:latin typeface="Calibri" panose="020F0502020204030204" pitchFamily="34" charset="0"/>
+                <a:cs typeface="Calibri" panose="020F0502020204030204" pitchFamily="34" charset="0"/>
+              </a:rPr>
+              <a:t>VN: format version</a:t>
+            </a:r>
+          </a:p>
+          <a:p>
+            <a:pPr lvl="2">
+              <a:defRPr/>
+            </a:pPr>
+            <a:r>
+              <a:rPr lang="en-US" dirty="0">
+                <a:latin typeface="Calibri" panose="020F0502020204030204" pitchFamily="34" charset="0"/>
+                <a:cs typeface="Calibri" panose="020F0502020204030204" pitchFamily="34" charset="0"/>
+              </a:rPr>
+              <a:t>SO: Sorting order of alignments</a:t>
+            </a:r>
+            <a:br>
+              <a:rPr lang="en-US" dirty="0">
+                <a:latin typeface="Calibri" panose="020F0502020204030204" pitchFamily="34" charset="0"/>
+                <a:cs typeface="Calibri" panose="020F0502020204030204" pitchFamily="34" charset="0"/>
+              </a:rPr>
+            </a:br>
+            <a:br>
+              <a:rPr lang="en-US" dirty="0">
+                <a:latin typeface="Calibri" panose="020F0502020204030204" pitchFamily="34" charset="0"/>
+                <a:cs typeface="Calibri" panose="020F0502020204030204" pitchFamily="34" charset="0"/>
+              </a:rPr>
+            </a:br>
+            <a:endParaRPr lang="en-US" dirty="0">
+              <a:latin typeface="Calibri" panose="020F0502020204030204" pitchFamily="34" charset="0"/>
+              <a:cs typeface="Calibri" panose="020F0502020204030204" pitchFamily="34" charset="0"/>
+            </a:endParaRPr>
           </a:p>
           <a:p>
             <a:pPr lvl="1">
               <a:defRPr/>
             </a:pPr>
             <a:r>
-              <a:rPr lang="en-US" dirty="0"/>
-              <a:t>@RG  Read group</a:t>
+              <a:rPr lang="en-US" dirty="0">
+                <a:latin typeface="Calibri" panose="020F0502020204030204" pitchFamily="34" charset="0"/>
+                <a:cs typeface="Calibri" panose="020F0502020204030204" pitchFamily="34" charset="0"/>
+              </a:rPr>
+              <a:t>@SQ  Reference sequence dictionary</a:t>
             </a:r>
           </a:p>
           <a:p>
@@ -10177,8 +10918,11 @@
               <a:defRPr/>
             </a:pPr>
             <a:r>
-              <a:rPr lang="en-US" dirty="0"/>
-              <a:t>ID: read group identifier</a:t>
+              <a:rPr lang="en-US" dirty="0">
+                <a:latin typeface="Calibri" panose="020F0502020204030204" pitchFamily="34" charset="0"/>
+                <a:cs typeface="Calibri" panose="020F0502020204030204" pitchFamily="34" charset="0"/>
+              </a:rPr>
+              <a:t>SN: reference sequence name</a:t>
             </a:r>
           </a:p>
           <a:p>
@@ -10186,8 +10930,11 @@
               <a:defRPr/>
             </a:pPr>
             <a:r>
-              <a:rPr lang="en-US" dirty="0"/>
-              <a:t>CN: name of sequencing center</a:t>
+              <a:rPr lang="en-US" dirty="0">
+                <a:latin typeface="Calibri" panose="020F0502020204030204" pitchFamily="34" charset="0"/>
+                <a:cs typeface="Calibri" panose="020F0502020204030204" pitchFamily="34" charset="0"/>
+              </a:rPr>
+              <a:t>LN: reference sequence length</a:t>
             </a:r>
           </a:p>
           <a:p>
@@ -10195,35 +10942,11 @@
               <a:defRPr/>
             </a:pPr>
             <a:r>
-              <a:rPr lang="en-US" dirty="0"/>
-              <a:t>SM: sample name</a:t>
-            </a:r>
-          </a:p>
-          <a:p>
-            <a:pPr lvl="1">
-              <a:defRPr/>
-            </a:pPr>
-            <a:r>
-              <a:rPr lang="en-US" dirty="0"/>
-              <a:t>@PG  Program</a:t>
-            </a:r>
-          </a:p>
-          <a:p>
-            <a:pPr lvl="2">
-              <a:defRPr/>
-            </a:pPr>
-            <a:r>
-              <a:rPr lang="en-US" dirty="0"/>
-              <a:t>PN: program name</a:t>
-            </a:r>
-          </a:p>
-          <a:p>
-            <a:pPr lvl="2">
-              <a:defRPr/>
-            </a:pPr>
-            <a:r>
-              <a:rPr lang="en-US" dirty="0"/>
-              <a:t>VN: program version</a:t>
+              <a:rPr lang="en-US" dirty="0">
+                <a:latin typeface="Calibri" panose="020F0502020204030204" pitchFamily="34" charset="0"/>
+                <a:cs typeface="Calibri" panose="020F0502020204030204" pitchFamily="34" charset="0"/>
+              </a:rPr>
+              <a:t>SP: species</a:t>
             </a:r>
           </a:p>
         </p:txBody>
@@ -10270,17 +10993,19 @@
         </p:nvSpPr>
         <p:spPr>
           <a:xfrm>
-            <a:off x="1676400" y="-26988"/>
+            <a:off x="1676400" y="-189402"/>
             <a:ext cx="8839200" cy="1143001"/>
           </a:xfrm>
         </p:spPr>
         <p:txBody>
-          <a:bodyPr/>
+          <a:bodyPr>
+            <a:normAutofit/>
+          </a:bodyPr>
           <a:lstStyle/>
           <a:p>
             <a:pPr algn="ctr"/>
             <a:r>
-              <a:rPr lang="en-US" b="1" dirty="0">
+              <a:rPr lang="en-US" sz="4000" b="1" dirty="0">
                 <a:latin typeface="Calibri" charset="0"/>
                 <a:ea typeface="ＭＳ Ｐゴシック" charset="0"/>
               </a:rPr>
@@ -10301,187 +11026,229 @@
         </p:nvSpPr>
         <p:spPr>
           <a:xfrm>
-            <a:off x="1676400" y="4062414"/>
-            <a:ext cx="8839200" cy="2103437"/>
+            <a:off x="607541" y="3964316"/>
+            <a:ext cx="11392779" cy="2103437"/>
           </a:xfrm>
         </p:spPr>
         <p:txBody>
           <a:bodyPr>
-            <a:normAutofit fontScale="25000" lnSpcReduction="20000"/>
+            <a:noAutofit/>
           </a:bodyPr>
           <a:lstStyle/>
           <a:p>
-            <a:pPr marL="0" indent="0">
-              <a:buNone/>
-              <a:defRPr/>
-            </a:pPr>
-            <a:r>
-              <a:rPr lang="en-US" sz="4300" b="1" dirty="0">
-                <a:latin typeface="Courier New"/>
-                <a:cs typeface="Courier New"/>
-              </a:rPr>
-              <a:t>Example values</a:t>
-            </a:r>
-          </a:p>
-          <a:p>
             <a:pPr marL="514350" indent="-514350">
+              <a:lnSpc>
+                <a:spcPct val="100000"/>
+              </a:lnSpc>
+              <a:spcBef>
+                <a:spcPts val="0"/>
+              </a:spcBef>
               <a:buFont typeface="Wingdings" charset="2"/>
               <a:buAutoNum type="arabicPlain"/>
               <a:defRPr/>
             </a:pPr>
-            <a:endParaRPr lang="en-US" dirty="0">
-              <a:latin typeface="Courier New"/>
-              <a:cs typeface="Courier New"/>
-            </a:endParaRPr>
+            <a:r>
+              <a:rPr lang="en-US" sz="1200" dirty="0">
+                <a:latin typeface="Courier New"/>
+                <a:cs typeface="Courier New"/>
+              </a:rPr>
+              <a:t>QNAME  e.g.  HWI-ST495_129147882:1:2302:10269:12362</a:t>
+            </a:r>
           </a:p>
           <a:p>
             <a:pPr marL="514350" indent="-514350">
+              <a:lnSpc>
+                <a:spcPct val="100000"/>
+              </a:lnSpc>
+              <a:spcBef>
+                <a:spcPts val="0"/>
+              </a:spcBef>
               <a:buFont typeface="Wingdings" charset="2"/>
               <a:buAutoNum type="arabicPlain"/>
               <a:defRPr/>
             </a:pPr>
             <a:r>
-              <a:rPr lang="en-US" dirty="0">
+              <a:rPr lang="en-US" sz="1200" dirty="0">
                 <a:latin typeface="Courier New"/>
                 <a:cs typeface="Courier New"/>
               </a:rPr>
-              <a:t>QNAME  e.g.  HWI-ST495_129147882:1:2302:10269:12362 (QNAME)</a:t>
+              <a:t>FLAG   e.g.  99</a:t>
             </a:r>
           </a:p>
           <a:p>
             <a:pPr marL="514350" indent="-514350">
+              <a:lnSpc>
+                <a:spcPct val="100000"/>
+              </a:lnSpc>
+              <a:spcBef>
+                <a:spcPts val="0"/>
+              </a:spcBef>
               <a:buFont typeface="Wingdings" charset="2"/>
               <a:buAutoNum type="arabicPlain"/>
               <a:defRPr/>
             </a:pPr>
             <a:r>
-              <a:rPr lang="en-US" dirty="0">
+              <a:rPr lang="en-US" sz="1200" dirty="0">
                 <a:latin typeface="Courier New"/>
                 <a:cs typeface="Courier New"/>
               </a:rPr>
-              <a:t>FLAG   e.g.  99</a:t>
+              <a:t>RNAME  e.g.  1</a:t>
             </a:r>
           </a:p>
           <a:p>
             <a:pPr marL="514350" indent="-514350">
+              <a:lnSpc>
+                <a:spcPct val="100000"/>
+              </a:lnSpc>
+              <a:spcBef>
+                <a:spcPts val="0"/>
+              </a:spcBef>
               <a:buFont typeface="Wingdings" charset="2"/>
               <a:buAutoNum type="arabicPlain"/>
               <a:defRPr/>
             </a:pPr>
             <a:r>
-              <a:rPr lang="en-US" dirty="0">
+              <a:rPr lang="en-US" sz="1200" dirty="0">
                 <a:latin typeface="Courier New"/>
                 <a:cs typeface="Courier New"/>
               </a:rPr>
-              <a:t>RNAME  e.g.  1</a:t>
+              <a:t>POS    e.g.  11623</a:t>
             </a:r>
           </a:p>
           <a:p>
             <a:pPr marL="514350" indent="-514350">
+              <a:lnSpc>
+                <a:spcPct val="100000"/>
+              </a:lnSpc>
+              <a:spcBef>
+                <a:spcPts val="0"/>
+              </a:spcBef>
               <a:buFont typeface="Wingdings" charset="2"/>
               <a:buAutoNum type="arabicPlain"/>
               <a:defRPr/>
             </a:pPr>
             <a:r>
-              <a:rPr lang="en-US" dirty="0">
+              <a:rPr lang="en-US" sz="1200" dirty="0">
                 <a:latin typeface="Courier New"/>
                 <a:cs typeface="Courier New"/>
               </a:rPr>
-              <a:t>POS    e.g.  11623</a:t>
+              <a:t>MAPQ   e.g.  3</a:t>
             </a:r>
           </a:p>
           <a:p>
             <a:pPr marL="514350" indent="-514350">
+              <a:lnSpc>
+                <a:spcPct val="100000"/>
+              </a:lnSpc>
+              <a:spcBef>
+                <a:spcPts val="0"/>
+              </a:spcBef>
               <a:buFont typeface="Wingdings" charset="2"/>
               <a:buAutoNum type="arabicPlain"/>
               <a:defRPr/>
             </a:pPr>
             <a:r>
-              <a:rPr lang="en-US" dirty="0">
+              <a:rPr lang="en-US" sz="1200" dirty="0">
                 <a:latin typeface="Courier New"/>
                 <a:cs typeface="Courier New"/>
               </a:rPr>
-              <a:t>MAPQ   e.g.  3</a:t>
+              <a:t>CIGAR  e.g.  100M</a:t>
             </a:r>
           </a:p>
           <a:p>
             <a:pPr marL="514350" indent="-514350">
+              <a:lnSpc>
+                <a:spcPct val="100000"/>
+              </a:lnSpc>
+              <a:spcBef>
+                <a:spcPts val="0"/>
+              </a:spcBef>
               <a:buFont typeface="Wingdings" charset="2"/>
               <a:buAutoNum type="arabicPlain"/>
               <a:defRPr/>
             </a:pPr>
             <a:r>
-              <a:rPr lang="en-US" dirty="0">
+              <a:rPr lang="en-US" sz="1200" dirty="0">
                 <a:latin typeface="Courier New"/>
                 <a:cs typeface="Courier New"/>
               </a:rPr>
-              <a:t>CIGAR  e.g.  100M</a:t>
+              <a:t>RNEXT  e.g.  = </a:t>
             </a:r>
           </a:p>
           <a:p>
             <a:pPr marL="514350" indent="-514350">
+              <a:lnSpc>
+                <a:spcPct val="100000"/>
+              </a:lnSpc>
+              <a:spcBef>
+                <a:spcPts val="0"/>
+              </a:spcBef>
               <a:buFont typeface="Wingdings" charset="2"/>
               <a:buAutoNum type="arabicPlain"/>
               <a:defRPr/>
             </a:pPr>
             <a:r>
-              <a:rPr lang="en-US" dirty="0">
+              <a:rPr lang="en-US" sz="1200" dirty="0">
                 <a:latin typeface="Courier New"/>
                 <a:cs typeface="Courier New"/>
               </a:rPr>
-              <a:t>RNEXT  e.g.  = </a:t>
+              <a:t>PNEXT  e.g.  11740</a:t>
             </a:r>
           </a:p>
           <a:p>
             <a:pPr marL="514350" indent="-514350">
+              <a:lnSpc>
+                <a:spcPct val="100000"/>
+              </a:lnSpc>
+              <a:spcBef>
+                <a:spcPts val="0"/>
+              </a:spcBef>
               <a:buFont typeface="Wingdings" charset="2"/>
               <a:buAutoNum type="arabicPlain"/>
               <a:defRPr/>
             </a:pPr>
             <a:r>
-              <a:rPr lang="en-US" dirty="0">
+              <a:rPr lang="en-US" sz="1200" dirty="0">
                 <a:latin typeface="Courier New"/>
                 <a:cs typeface="Courier New"/>
               </a:rPr>
-              <a:t>PNEXT  e.g.  11740</a:t>
+              <a:t>TLEN   e.g.  217</a:t>
             </a:r>
           </a:p>
           <a:p>
             <a:pPr marL="514350" indent="-514350">
+              <a:lnSpc>
+                <a:spcPct val="100000"/>
+              </a:lnSpc>
+              <a:spcBef>
+                <a:spcPts val="0"/>
+              </a:spcBef>
               <a:buFont typeface="Wingdings" charset="2"/>
               <a:buAutoNum type="arabicPlain"/>
               <a:defRPr/>
             </a:pPr>
             <a:r>
-              <a:rPr lang="en-US" dirty="0">
+              <a:rPr lang="en-US" sz="1200" dirty="0">
                 <a:latin typeface="Courier New"/>
                 <a:cs typeface="Courier New"/>
               </a:rPr>
-              <a:t>TLEN   e.g.  217</a:t>
+              <a:t>SEQ    e.g.  CCTGTTTCTCCACAAAGTGTTTACTTTTGGATTTTTGCCAGTCTAACAGGTGAAGCCCTGGAGATTCTTATTAGTGATTTGGGCTGGGGCCTGGCCATGT</a:t>
             </a:r>
           </a:p>
           <a:p>
             <a:pPr marL="514350" indent="-514350">
+              <a:lnSpc>
+                <a:spcPct val="100000"/>
+              </a:lnSpc>
+              <a:spcBef>
+                <a:spcPts val="0"/>
+              </a:spcBef>
               <a:buFont typeface="Wingdings" charset="2"/>
               <a:buAutoNum type="arabicPlain"/>
               <a:defRPr/>
             </a:pPr>
             <a:r>
-              <a:rPr lang="en-US" dirty="0">
-                <a:latin typeface="Courier New"/>
-                <a:cs typeface="Courier New"/>
-              </a:rPr>
-              <a:t>SEQ    e.g.  CCTGTTTCTCCACAAAGTGTTTACTTTTGGATTTTTGCCAGTCTAACAGGTGAAGCCCTGGAGATTCTTATTAGTGATTTGGGCTGGGGCCTGGCCATGT</a:t>
-            </a:r>
-          </a:p>
-          <a:p>
-            <a:pPr marL="514350" indent="-514350">
-              <a:buFont typeface="Wingdings" charset="2"/>
-              <a:buAutoNum type="arabicPlain"/>
-              <a:defRPr/>
-            </a:pPr>
-            <a:r>
-              <a:rPr lang="en-US" dirty="0">
+              <a:rPr lang="en-US" sz="1200" dirty="0">
                 <a:latin typeface="Courier New"/>
                 <a:cs typeface="Courier New"/>
               </a:rPr>
@@ -10513,7 +11280,7 @@
         </p:blipFill>
         <p:spPr bwMode="auto">
           <a:xfrm>
-            <a:off x="1992313" y="1063625"/>
+            <a:off x="1907472" y="790247"/>
             <a:ext cx="8170862" cy="2711450"/>
           </a:xfrm>
           <a:prstGeom prst="rect">
@@ -10525,14 +11292,14 @@
           </a:ln>
           <a:extLst>
             <a:ext uri="{909E8E84-426E-40dd-AFC4-6F175D3DCCD1}">
-              <a14:hiddenFill xmlns:a14="http://schemas.microsoft.com/office/drawing/2010/main" xmlns="">
+              <a14:hiddenFill xmlns="" xmlns:a14="http://schemas.microsoft.com/office/drawing/2010/main">
                 <a:solidFill>
                   <a:srgbClr val="FFFFFF"/>
                 </a:solidFill>
               </a14:hiddenFill>
             </a:ext>
             <a:ext uri="{91240B29-F687-4f45-9708-019B960494DF}">
-              <a14:hiddenLine xmlns:a14="http://schemas.microsoft.com/office/drawing/2010/main" xmlns="" w="9525">
+              <a14:hiddenLine xmlns="" xmlns:a14="http://schemas.microsoft.com/office/drawing/2010/main" w="9525">
                 <a:solidFill>
                   <a:srgbClr val="000000"/>
                 </a:solidFill>
@@ -10552,7 +11319,7 @@
         </p:nvSpPr>
         <p:spPr>
           <a:xfrm>
-            <a:off x="2135188" y="1541463"/>
+            <a:off x="2050347" y="1268085"/>
             <a:ext cx="144462" cy="144462"/>
           </a:xfrm>
           <a:prstGeom prst="star5">
@@ -10592,7 +11359,7 @@
         </p:nvSpPr>
         <p:spPr>
           <a:xfrm>
-            <a:off x="2135188" y="2406651"/>
+            <a:off x="2050347" y="2133273"/>
             <a:ext cx="144462" cy="142875"/>
           </a:xfrm>
           <a:prstGeom prst="star5">
@@ -10621,6 +11388,41 @@
               <a:defRPr/>
             </a:pPr>
             <a:endParaRPr lang="en-US" dirty="0"/>
+          </a:p>
+        </p:txBody>
+      </p:sp>
+      <p:sp>
+        <p:nvSpPr>
+          <p:cNvPr id="2" name="TextBox 1">
+            <a:extLst>
+              <a:ext uri="{FF2B5EF4-FFF2-40B4-BE49-F238E27FC236}">
+                <a16:creationId xmlns:a16="http://schemas.microsoft.com/office/drawing/2014/main" id="{30AC2442-60F7-0842-AD5E-5D5F68263E26}"/>
+              </a:ext>
+            </a:extLst>
+          </p:cNvPr>
+          <p:cNvSpPr txBox="1"/>
+          <p:nvPr/>
+        </p:nvSpPr>
+        <p:spPr>
+          <a:xfrm>
+            <a:off x="607541" y="3560473"/>
+            <a:ext cx="2135659" cy="369332"/>
+          </a:xfrm>
+          <a:prstGeom prst="rect">
+            <a:avLst/>
+          </a:prstGeom>
+          <a:noFill/>
+        </p:spPr>
+        <p:txBody>
+          <a:bodyPr wrap="square" rtlCol="0">
+            <a:spAutoFit/>
+          </a:bodyPr>
+          <a:lstStyle/>
+          <a:p>
+            <a:r>
+              <a:rPr lang="en-US" dirty="0"/>
+              <a:t>Example values</a:t>
+            </a:r>
           </a:p>
         </p:txBody>
       </p:sp>
@@ -10666,17 +11468,19 @@
         </p:nvSpPr>
         <p:spPr>
           <a:xfrm>
-            <a:off x="1676400" y="-26988"/>
-            <a:ext cx="8839200" cy="1143001"/>
+            <a:off x="1676400" y="122072"/>
+            <a:ext cx="8839200" cy="743425"/>
           </a:xfrm>
         </p:spPr>
         <p:txBody>
-          <a:bodyPr/>
+          <a:bodyPr>
+            <a:normAutofit/>
+          </a:bodyPr>
           <a:lstStyle/>
           <a:p>
             <a:pPr algn="ctr"/>
             <a:r>
-              <a:rPr lang="en-US" b="1" dirty="0">
+              <a:rPr lang="en-US" sz="3600" b="1" dirty="0">
                 <a:latin typeface="Calibri" charset="0"/>
                 <a:ea typeface="ＭＳ Ｐゴシック" charset="0"/>
               </a:rPr>
@@ -10697,13 +11501,13 @@
         </p:nvSpPr>
         <p:spPr>
           <a:xfrm>
-            <a:off x="1676400" y="1052514"/>
-            <a:ext cx="8839200" cy="1798637"/>
+            <a:off x="298180" y="1272619"/>
+            <a:ext cx="5009111" cy="5147035"/>
           </a:xfrm>
         </p:spPr>
         <p:txBody>
           <a:bodyPr>
-            <a:normAutofit fontScale="55000" lnSpcReduction="20000"/>
+            <a:noAutofit/>
           </a:bodyPr>
           <a:lstStyle/>
           <a:p>
@@ -10711,20 +11515,17 @@
               <a:defRPr/>
             </a:pPr>
             <a:r>
-              <a:rPr lang="en-US" dirty="0">
-                <a:hlinkClick r:id="rId2"/>
-              </a:rPr>
-              <a:t>http://broadinstitute.github.io/picard/explain-flags.html</a:t>
-            </a:r>
-            <a:endParaRPr lang="en-US" dirty="0"/>
+              <a:rPr lang="en-US" sz="1800" dirty="0"/>
+              <a:t>12 bitwise flags describing the alignment</a:t>
+            </a:r>
           </a:p>
           <a:p>
             <a:pPr>
               <a:defRPr/>
             </a:pPr>
             <a:r>
-              <a:rPr lang="en-US" dirty="0"/>
-              <a:t>12 bitwise flags describing the alignment</a:t>
+              <a:rPr lang="en-US" sz="1800" dirty="0"/>
+              <a:t>Stored as a binary string of length 11 instead of 11 columns of data</a:t>
             </a:r>
           </a:p>
           <a:p>
@@ -10732,8 +11533,8 @@
               <a:defRPr/>
             </a:pPr>
             <a:r>
-              <a:rPr lang="en-US" dirty="0"/>
-              <a:t>These flags are stored as a binary string of length 11 instead of 11 columns of data</a:t>
+              <a:rPr lang="en-US" sz="1800" dirty="0"/>
+              <a:t>Value of ‘1’ indicates the flag is set.  e.g. 00100000000</a:t>
             </a:r>
           </a:p>
           <a:p>
@@ -10741,8 +11542,16 @@
               <a:defRPr/>
             </a:pPr>
             <a:r>
-              <a:rPr lang="en-US" dirty="0"/>
-              <a:t>Value of ‘1’ indicates the flag is set.  e.g. 00100000000</a:t>
+              <a:rPr lang="en-US" sz="1800" dirty="0"/>
+              <a:t>All combinations can be represented as a number from 1 to 2048 (i.e. 2</a:t>
+            </a:r>
+            <a:r>
+              <a:rPr lang="en-US" sz="1800" baseline="30000" dirty="0"/>
+              <a:t>11</a:t>
+            </a:r>
+            <a:r>
+              <a:rPr lang="en-US" sz="1800" dirty="0"/>
+              <a:t>-1).  This number is used in the BAM/SAM file.  </a:t>
             </a:r>
           </a:p>
           <a:p>
@@ -10750,16 +11559,8 @@
               <a:defRPr/>
             </a:pPr>
             <a:r>
-              <a:rPr lang="en-US" dirty="0"/>
-              <a:t>All combinations can be represented as a number from 1 to 2048 (i.e. 2</a:t>
-            </a:r>
-            <a:r>
-              <a:rPr lang="en-US" baseline="30000" dirty="0"/>
-              <a:t>11</a:t>
-            </a:r>
-            <a:r>
-              <a:rPr lang="en-US" dirty="0"/>
-              <a:t>-1).  This number is used in the BAM/SAM file.  You can specify ‘required’ or ‘filter’ flags in samtools view using the ‘-f’ and ‘-F’ options respectively  </a:t>
+              <a:rPr lang="en-US" sz="1800" dirty="0"/>
+              <a:t>You can specify ‘required’ or ‘filter’ flags in samtools view using the ‘-f’ and ‘-F’ options respectively  </a:t>
             </a:r>
           </a:p>
         </p:txBody>
@@ -10774,8 +11575,8 @@
         </p:nvSpPr>
         <p:spPr bwMode="auto">
           <a:xfrm>
-            <a:off x="1774826" y="5846763"/>
-            <a:ext cx="8424863" cy="461962"/>
+            <a:off x="5637229" y="4034672"/>
+            <a:ext cx="6476099" cy="461665"/>
           </a:xfrm>
           <a:prstGeom prst="rect">
             <a:avLst/>
@@ -10786,14 +11587,14 @@
           </a:ln>
           <a:extLst>
             <a:ext uri="{909E8E84-426E-40dd-AFC4-6F175D3DCCD1}">
-              <a14:hiddenFill xmlns:a14="http://schemas.microsoft.com/office/drawing/2010/main" xmlns="">
+              <a14:hiddenFill xmlns="" xmlns:a14="http://schemas.microsoft.com/office/drawing/2010/main">
                 <a:solidFill>
                   <a:srgbClr val="FFFFFF"/>
                 </a:solidFill>
               </a14:hiddenFill>
             </a:ext>
             <a:ext uri="{91240B29-F687-4f45-9708-019B960494DF}">
-              <a14:hiddenLine xmlns:a14="http://schemas.microsoft.com/office/drawing/2010/main" xmlns="" w="9525">
+              <a14:hiddenLine xmlns="" xmlns:a14="http://schemas.microsoft.com/office/drawing/2010/main" w="9525">
                 <a:solidFill>
                   <a:srgbClr val="000000"/>
                 </a:solidFill>
@@ -10805,7 +11606,7 @@
           </a:extLst>
         </p:spPr>
         <p:txBody>
-          <a:bodyPr>
+          <a:bodyPr wrap="square">
             <a:spAutoFit/>
           </a:bodyPr>
           <a:lstStyle>
@@ -10919,7 +11720,7 @@
           <a:p>
             <a:pPr eaLnBrk="1" hangingPunct="1"/>
             <a:r>
-              <a:rPr lang="en-US" sz="1200"/>
+              <a:rPr lang="en-US" sz="1200" dirty="0"/>
               <a:t>Note that to maximize confusion, each bit is described in the SAM specification using its hexadecimal representation (i.e., '0x10' = 16 and '0x40' = 64).</a:t>
             </a:r>
           </a:p>
@@ -10934,7 +11735,7 @@
           <p:nvPr/>
         </p:nvPicPr>
         <p:blipFill>
-          <a:blip r:embed="rId3">
+          <a:blip r:embed="rId2">
             <a:extLst>
               <a:ext uri="{28A0092B-C50C-407E-A947-70E740481C1C}">
                 <a14:useLocalDpi xmlns:a14="http://schemas.microsoft.com/office/drawing/2010/main" val="0"/>
@@ -10947,14 +11748,54 @@
         </p:blipFill>
         <p:spPr>
           <a:xfrm>
-            <a:off x="1991544" y="2636488"/>
-            <a:ext cx="7884368" cy="3168777"/>
+            <a:off x="5495827" y="1272619"/>
+            <a:ext cx="6696173" cy="2691234"/>
           </a:xfrm>
           <a:prstGeom prst="rect">
             <a:avLst/>
           </a:prstGeom>
         </p:spPr>
       </p:pic>
+      <p:sp>
+        <p:nvSpPr>
+          <p:cNvPr id="2" name="Rectangle 1">
+            <a:extLst>
+              <a:ext uri="{FF2B5EF4-FFF2-40B4-BE49-F238E27FC236}">
+                <a16:creationId xmlns:a16="http://schemas.microsoft.com/office/drawing/2014/main" id="{23535AFA-ADEE-D845-A9E4-81E062E79981}"/>
+              </a:ext>
+            </a:extLst>
+          </p:cNvPr>
+          <p:cNvSpPr/>
+          <p:nvPr/>
+        </p:nvSpPr>
+        <p:spPr>
+          <a:xfrm>
+            <a:off x="2963159" y="5836180"/>
+            <a:ext cx="7123522" cy="369332"/>
+          </a:xfrm>
+          <a:prstGeom prst="rect">
+            <a:avLst/>
+          </a:prstGeom>
+        </p:spPr>
+        <p:txBody>
+          <a:bodyPr wrap="square">
+            <a:spAutoFit/>
+          </a:bodyPr>
+          <a:lstStyle/>
+          <a:p>
+            <a:pPr>
+              <a:defRPr/>
+            </a:pPr>
+            <a:r>
+              <a:rPr lang="en-US" dirty="0">
+                <a:hlinkClick r:id="rId3"/>
+              </a:rPr>
+              <a:t>http://broadinstitute.github.io/picard/explain-flags.html</a:t>
+            </a:r>
+            <a:endParaRPr lang="en-US" dirty="0"/>
+          </a:p>
+        </p:txBody>
+      </p:sp>
     </p:spTree>
     <p:extLst>
       <p:ext uri="{BB962C8B-B14F-4D97-AF65-F5344CB8AC3E}">
@@ -11028,39 +11869,57 @@
         </p:nvSpPr>
         <p:spPr>
           <a:xfrm>
-            <a:off x="1703388" y="4508500"/>
+            <a:off x="1676400" y="3934618"/>
             <a:ext cx="8839200" cy="1728788"/>
           </a:xfrm>
         </p:spPr>
         <p:txBody>
           <a:bodyPr>
-            <a:normAutofit fontScale="70000" lnSpcReduction="20000"/>
+            <a:noAutofit/>
           </a:bodyPr>
           <a:lstStyle/>
           <a:p>
-            <a:pPr>
+            <a:pPr indent="0">
+              <a:lnSpc>
+                <a:spcPct val="120000"/>
+              </a:lnSpc>
               <a:defRPr/>
             </a:pPr>
             <a:r>
-              <a:rPr lang="en-US" dirty="0"/>
+              <a:rPr lang="en-US" sz="2000" dirty="0">
+                <a:latin typeface="Calibri" panose="020F0502020204030204" pitchFamily="34" charset="0"/>
+                <a:cs typeface="Calibri" panose="020F0502020204030204" pitchFamily="34" charset="0"/>
+              </a:rPr>
               <a:t>The CIGAR string is a sequence of base lengths and associated ‘operations’ that are used to indicate which bases align to the reference (either a match or mismatch), are deleted, are inserted, represent introns, etc.</a:t>
             </a:r>
           </a:p>
           <a:p>
-            <a:pPr>
+            <a:pPr indent="0">
+              <a:lnSpc>
+                <a:spcPct val="120000"/>
+              </a:lnSpc>
               <a:defRPr/>
             </a:pPr>
             <a:r>
-              <a:rPr lang="en-US" dirty="0"/>
+              <a:rPr lang="en-US" sz="2000" dirty="0">
+                <a:latin typeface="Calibri" panose="020F0502020204030204" pitchFamily="34" charset="0"/>
+                <a:cs typeface="Calibri" panose="020F0502020204030204" pitchFamily="34" charset="0"/>
+              </a:rPr>
               <a:t>e.g. 81M859N19M</a:t>
             </a:r>
           </a:p>
           <a:p>
-            <a:pPr lvl="1">
+            <a:pPr lvl="1" indent="0">
+              <a:lnSpc>
+                <a:spcPct val="120000"/>
+              </a:lnSpc>
               <a:defRPr/>
             </a:pPr>
             <a:r>
-              <a:rPr lang="en-US" dirty="0"/>
+              <a:rPr lang="en-US" sz="2000" dirty="0">
+                <a:latin typeface="Calibri" panose="020F0502020204030204" pitchFamily="34" charset="0"/>
+                <a:cs typeface="Calibri" panose="020F0502020204030204" pitchFamily="34" charset="0"/>
+              </a:rPr>
               <a:t>A 100 bp read consists of:  81 bases of alignment to reference, 859 bases skipped (an intron), 19 bases of alignment</a:t>
             </a:r>
           </a:p>
@@ -11089,8 +11948,8 @@
         </p:blipFill>
         <p:spPr bwMode="auto">
           <a:xfrm>
-            <a:off x="1703388" y="1257301"/>
-            <a:ext cx="8208962" cy="3065463"/>
+            <a:off x="1998482" y="2216531"/>
+            <a:ext cx="7649917" cy="2856699"/>
           </a:xfrm>
           <a:prstGeom prst="rect">
             <a:avLst/>
@@ -11101,14 +11960,14 @@
           </a:ln>
           <a:extLst>
             <a:ext uri="{909E8E84-426E-40dd-AFC4-6F175D3DCCD1}">
-              <a14:hiddenFill xmlns:a14="http://schemas.microsoft.com/office/drawing/2010/main" xmlns="">
+              <a14:hiddenFill xmlns="" xmlns:a14="http://schemas.microsoft.com/office/drawing/2010/main">
                 <a:solidFill>
                   <a:srgbClr val="FFFFFF"/>
                 </a:solidFill>
               </a14:hiddenFill>
             </a:ext>
             <a:ext uri="{91240B29-F687-4f45-9708-019B960494DF}">
-              <a14:hiddenLine xmlns:a14="http://schemas.microsoft.com/office/drawing/2010/main" xmlns="" w="9525">
+              <a14:hiddenLine xmlns="" xmlns:a14="http://schemas.microsoft.com/office/drawing/2010/main" w="9525">
                 <a:solidFill>
                   <a:srgbClr val="000000"/>
                 </a:solidFill>
@@ -11120,6 +11979,214 @@
           </a:extLst>
         </p:spPr>
       </p:pic>
+      <p:sp>
+        <p:nvSpPr>
+          <p:cNvPr id="5" name="Content Placeholder 2">
+            <a:extLst>
+              <a:ext uri="{FF2B5EF4-FFF2-40B4-BE49-F238E27FC236}">
+                <a16:creationId xmlns:a16="http://schemas.microsoft.com/office/drawing/2014/main" id="{60648E99-9DA9-9644-9BCB-1340C971E48B}"/>
+              </a:ext>
+            </a:extLst>
+          </p:cNvPr>
+          <p:cNvSpPr txBox="1">
+            <a:spLocks/>
+          </p:cNvSpPr>
+          <p:nvPr/>
+        </p:nvSpPr>
+        <p:spPr>
+          <a:xfrm>
+            <a:off x="1281291" y="908040"/>
+            <a:ext cx="8839200" cy="1728788"/>
+          </a:xfrm>
+          <a:prstGeom prst="rect">
+            <a:avLst/>
+          </a:prstGeom>
+        </p:spPr>
+        <p:txBody>
+          <a:bodyPr vert="horz" lIns="91440" tIns="45720" rIns="91440" bIns="45720" rtlCol="0">
+            <a:noAutofit/>
+          </a:bodyPr>
+          <a:lstStyle>
+            <a:lvl1pPr marL="228600" indent="-228600" algn="l" defTabSz="914400" rtl="0" eaLnBrk="1" latinLnBrk="0" hangingPunct="1">
+              <a:lnSpc>
+                <a:spcPct val="90000"/>
+              </a:lnSpc>
+              <a:spcBef>
+                <a:spcPts val="1000"/>
+              </a:spcBef>
+              <a:buFont typeface="Arial" panose="020B0604020202020204" pitchFamily="34" charset="0"/>
+              <a:buChar char="•"/>
+              <a:defRPr sz="2800" kern="1200">
+                <a:solidFill>
+                  <a:schemeClr val="tx1"/>
+                </a:solidFill>
+                <a:latin typeface="+mn-lt"/>
+                <a:ea typeface="+mn-ea"/>
+                <a:cs typeface="+mn-cs"/>
+              </a:defRPr>
+            </a:lvl1pPr>
+            <a:lvl2pPr marL="685800" indent="-228600" algn="l" defTabSz="914400" rtl="0" eaLnBrk="1" latinLnBrk="0" hangingPunct="1">
+              <a:lnSpc>
+                <a:spcPct val="90000"/>
+              </a:lnSpc>
+              <a:spcBef>
+                <a:spcPts val="500"/>
+              </a:spcBef>
+              <a:buFont typeface="Arial" panose="020B0604020202020204" pitchFamily="34" charset="0"/>
+              <a:buChar char="•"/>
+              <a:defRPr sz="2400" kern="1200">
+                <a:solidFill>
+                  <a:schemeClr val="tx1"/>
+                </a:solidFill>
+                <a:latin typeface="+mn-lt"/>
+                <a:ea typeface="+mn-ea"/>
+                <a:cs typeface="+mn-cs"/>
+              </a:defRPr>
+            </a:lvl2pPr>
+            <a:lvl3pPr marL="1143000" indent="-228600" algn="l" defTabSz="914400" rtl="0" eaLnBrk="1" latinLnBrk="0" hangingPunct="1">
+              <a:lnSpc>
+                <a:spcPct val="90000"/>
+              </a:lnSpc>
+              <a:spcBef>
+                <a:spcPts val="500"/>
+              </a:spcBef>
+              <a:buFont typeface="Arial" panose="020B0604020202020204" pitchFamily="34" charset="0"/>
+              <a:buChar char="•"/>
+              <a:defRPr sz="2000" kern="1200">
+                <a:solidFill>
+                  <a:schemeClr val="tx1"/>
+                </a:solidFill>
+                <a:latin typeface="+mn-lt"/>
+                <a:ea typeface="+mn-ea"/>
+                <a:cs typeface="+mn-cs"/>
+              </a:defRPr>
+            </a:lvl3pPr>
+            <a:lvl4pPr marL="1600200" indent="-228600" algn="l" defTabSz="914400" rtl="0" eaLnBrk="1" latinLnBrk="0" hangingPunct="1">
+              <a:lnSpc>
+                <a:spcPct val="90000"/>
+              </a:lnSpc>
+              <a:spcBef>
+                <a:spcPts val="500"/>
+              </a:spcBef>
+              <a:buFont typeface="Arial" panose="020B0604020202020204" pitchFamily="34" charset="0"/>
+              <a:buChar char="•"/>
+              <a:defRPr sz="1800" kern="1200">
+                <a:solidFill>
+                  <a:schemeClr val="tx1"/>
+                </a:solidFill>
+                <a:latin typeface="+mn-lt"/>
+                <a:ea typeface="+mn-ea"/>
+                <a:cs typeface="+mn-cs"/>
+              </a:defRPr>
+            </a:lvl4pPr>
+            <a:lvl5pPr marL="2057400" indent="-228600" algn="l" defTabSz="914400" rtl="0" eaLnBrk="1" latinLnBrk="0" hangingPunct="1">
+              <a:lnSpc>
+                <a:spcPct val="90000"/>
+              </a:lnSpc>
+              <a:spcBef>
+                <a:spcPts val="500"/>
+              </a:spcBef>
+              <a:buFont typeface="Arial" panose="020B0604020202020204" pitchFamily="34" charset="0"/>
+              <a:buChar char="•"/>
+              <a:defRPr sz="1800" kern="1200">
+                <a:solidFill>
+                  <a:schemeClr val="tx1"/>
+                </a:solidFill>
+                <a:latin typeface="+mn-lt"/>
+                <a:ea typeface="+mn-ea"/>
+                <a:cs typeface="+mn-cs"/>
+              </a:defRPr>
+            </a:lvl5pPr>
+            <a:lvl6pPr marL="2514600" indent="-228600" algn="l" defTabSz="914400" rtl="0" eaLnBrk="1" latinLnBrk="0" hangingPunct="1">
+              <a:lnSpc>
+                <a:spcPct val="90000"/>
+              </a:lnSpc>
+              <a:spcBef>
+                <a:spcPts val="500"/>
+              </a:spcBef>
+              <a:buFont typeface="Arial" panose="020B0604020202020204" pitchFamily="34" charset="0"/>
+              <a:buChar char="•"/>
+              <a:defRPr sz="1800" kern="1200">
+                <a:solidFill>
+                  <a:schemeClr val="tx1"/>
+                </a:solidFill>
+                <a:latin typeface="+mn-lt"/>
+                <a:ea typeface="+mn-ea"/>
+                <a:cs typeface="+mn-cs"/>
+              </a:defRPr>
+            </a:lvl6pPr>
+            <a:lvl7pPr marL="2971800" indent="-228600" algn="l" defTabSz="914400" rtl="0" eaLnBrk="1" latinLnBrk="0" hangingPunct="1">
+              <a:lnSpc>
+                <a:spcPct val="90000"/>
+              </a:lnSpc>
+              <a:spcBef>
+                <a:spcPts val="500"/>
+              </a:spcBef>
+              <a:buFont typeface="Arial" panose="020B0604020202020204" pitchFamily="34" charset="0"/>
+              <a:buChar char="•"/>
+              <a:defRPr sz="1800" kern="1200">
+                <a:solidFill>
+                  <a:schemeClr val="tx1"/>
+                </a:solidFill>
+                <a:latin typeface="+mn-lt"/>
+                <a:ea typeface="+mn-ea"/>
+                <a:cs typeface="+mn-cs"/>
+              </a:defRPr>
+            </a:lvl7pPr>
+            <a:lvl8pPr marL="3429000" indent="-228600" algn="l" defTabSz="914400" rtl="0" eaLnBrk="1" latinLnBrk="0" hangingPunct="1">
+              <a:lnSpc>
+                <a:spcPct val="90000"/>
+              </a:lnSpc>
+              <a:spcBef>
+                <a:spcPts val="500"/>
+              </a:spcBef>
+              <a:buFont typeface="Arial" panose="020B0604020202020204" pitchFamily="34" charset="0"/>
+              <a:buChar char="•"/>
+              <a:defRPr sz="1800" kern="1200">
+                <a:solidFill>
+                  <a:schemeClr val="tx1"/>
+                </a:solidFill>
+                <a:latin typeface="+mn-lt"/>
+                <a:ea typeface="+mn-ea"/>
+                <a:cs typeface="+mn-cs"/>
+              </a:defRPr>
+            </a:lvl8pPr>
+            <a:lvl9pPr marL="3886200" indent="-228600" algn="l" defTabSz="914400" rtl="0" eaLnBrk="1" latinLnBrk="0" hangingPunct="1">
+              <a:lnSpc>
+                <a:spcPct val="90000"/>
+              </a:lnSpc>
+              <a:spcBef>
+                <a:spcPts val="500"/>
+              </a:spcBef>
+              <a:buFont typeface="Arial" panose="020B0604020202020204" pitchFamily="34" charset="0"/>
+              <a:buChar char="•"/>
+              <a:defRPr sz="1800" kern="1200">
+                <a:solidFill>
+                  <a:schemeClr val="tx1"/>
+                </a:solidFill>
+                <a:latin typeface="+mn-lt"/>
+                <a:ea typeface="+mn-ea"/>
+                <a:cs typeface="+mn-cs"/>
+              </a:defRPr>
+            </a:lvl9pPr>
+          </a:lstStyle>
+          <a:p>
+            <a:pPr indent="0">
+              <a:lnSpc>
+                <a:spcPct val="120000"/>
+              </a:lnSpc>
+              <a:defRPr/>
+            </a:pPr>
+            <a:r>
+              <a:rPr lang="en-US" sz="2000" dirty="0">
+                <a:latin typeface="Calibri" panose="020F0502020204030204" pitchFamily="34" charset="0"/>
+                <a:cs typeface="Calibri" panose="020F0502020204030204" pitchFamily="34" charset="0"/>
+              </a:rPr>
+              <a:t>  The CIGAR string is a sequence of base lengths and associated ‘operations’ indicating which bases align to the reference (either a match or mismatch), are deleted, are inserted, represent introns, etc.</a:t>
+            </a:r>
+          </a:p>
+        </p:txBody>
+      </p:sp>
     </p:spTree>
     <p:extLst>
       <p:ext uri="{BB962C8B-B14F-4D97-AF65-F5344CB8AC3E}">
@@ -11152,7 +12219,7 @@
       </p:grpSpPr>
       <p:sp>
         <p:nvSpPr>
-          <p:cNvPr id="29697" name="Title 1"/>
+          <p:cNvPr id="24577" name="Title 1"/>
           <p:cNvSpPr>
             <a:spLocks noGrp="1"/>
           </p:cNvSpPr>
@@ -11162,12 +12229,14 @@
         </p:nvSpPr>
         <p:spPr>
           <a:xfrm>
-            <a:off x="1676400" y="-17463"/>
+            <a:off x="1676400" y="-26988"/>
             <a:ext cx="8839200" cy="1143001"/>
           </a:xfrm>
         </p:spPr>
         <p:txBody>
-          <a:bodyPr/>
+          <a:bodyPr>
+            <a:normAutofit/>
+          </a:bodyPr>
           <a:lstStyle/>
           <a:p>
             <a:pPr algn="ctr"/>
@@ -11176,7 +12245,7 @@
                 <a:latin typeface="Calibri" charset="0"/>
                 <a:ea typeface="ＭＳ Ｐゴシック" charset="0"/>
               </a:rPr>
-              <a:t>Introduction to the BED format</a:t>
+              <a:t>CRAM files</a:t>
             </a:r>
           </a:p>
         </p:txBody>
@@ -11193,8 +12262,8 @@
         </p:nvSpPr>
         <p:spPr>
           <a:xfrm>
-            <a:off x="1676400" y="1600200"/>
-            <a:ext cx="8839200" cy="4421188"/>
+            <a:off x="659567" y="1116013"/>
+            <a:ext cx="6405601" cy="5021262"/>
           </a:xfrm>
         </p:spPr>
         <p:txBody>
@@ -11208,10 +12277,11 @@
             </a:pPr>
             <a:r>
               <a:rPr lang="en-US" dirty="0">
-                <a:latin typeface="Calibri" charset="0"/>
-                <a:ea typeface="ＭＳ Ｐゴシック" charset="0"/>
+                <a:latin typeface="Calibri" panose="020F0502020204030204" pitchFamily="34" charset="0"/>
+                <a:ea typeface="ＭＳ Ｐゴシック" charset="0"/>
+                <a:cs typeface="Calibri" panose="020F0502020204030204" pitchFamily="34" charset="0"/>
               </a:rPr>
-              <a:t>When working with BAM files, it is very common to want to examine a focused subset of the reference genome</a:t>
+              <a:t>CRAM is an ultra-compressed version of a BAM file</a:t>
             </a:r>
           </a:p>
           <a:p>
@@ -11220,11 +12290,22 @@
             </a:pPr>
             <a:r>
               <a:rPr lang="en-US" dirty="0">
-                <a:latin typeface="Calibri" charset="0"/>
-                <a:ea typeface="ＭＳ Ｐゴシック" charset="0"/>
+                <a:latin typeface="Calibri" panose="020F0502020204030204" pitchFamily="34" charset="0"/>
+                <a:ea typeface="ＭＳ Ｐゴシック" charset="0"/>
+                <a:cs typeface="Calibri" panose="020F0502020204030204" pitchFamily="34" charset="0"/>
               </a:rPr>
-              <a:t>e.g. the exons of a gene</a:t>
-            </a:r>
+              <a:t>Usually between 30-60% smaller than the corresponding BAM</a:t>
+            </a:r>
+          </a:p>
+          <a:p>
+            <a:pPr lvl="1">
+              <a:defRPr/>
+            </a:pPr>
+            <a:endParaRPr lang="en-US" dirty="0">
+              <a:latin typeface="Calibri" panose="020F0502020204030204" pitchFamily="34" charset="0"/>
+              <a:ea typeface="ＭＳ Ｐゴシック" charset="0"/>
+              <a:cs typeface="Calibri" panose="020F0502020204030204" pitchFamily="34" charset="0"/>
+            </a:endParaRPr>
           </a:p>
           <a:p>
             <a:pPr>
@@ -11232,10 +12313,11 @@
             </a:pPr>
             <a:r>
               <a:rPr lang="en-US" dirty="0">
-                <a:latin typeface="Calibri" charset="0"/>
-                <a:ea typeface="ＭＳ Ｐゴシック" charset="0"/>
+                <a:latin typeface="Calibri" panose="020F0502020204030204" pitchFamily="34" charset="0"/>
+                <a:ea typeface="ＭＳ Ｐゴシック" charset="0"/>
+                <a:cs typeface="Calibri" panose="020F0502020204030204" pitchFamily="34" charset="0"/>
               </a:rPr>
-              <a:t>These subsets are commonly specified in ‘BED’ files</a:t>
+              <a:t>Stores “diffs” from the reference genome </a:t>
             </a:r>
           </a:p>
           <a:p>
@@ -11244,15 +12326,21 @@
             </a:pPr>
             <a:r>
               <a:rPr lang="en-US" dirty="0">
-                <a:latin typeface="Calibri" charset="0"/>
-                <a:ea typeface="ＭＳ Ｐゴシック" charset="0"/>
-                <a:hlinkClick r:id="rId2"/>
+                <a:latin typeface="Calibri" panose="020F0502020204030204" pitchFamily="34" charset="0"/>
+                <a:ea typeface="ＭＳ Ｐゴシック" charset="0"/>
+                <a:cs typeface="Calibri" panose="020F0502020204030204" pitchFamily="34" charset="0"/>
               </a:rPr>
-              <a:t>https://genome.ucsc.edu/FAQ/FAQformat.html#format1</a:t>
-            </a:r>
+              <a:t>requires the matching reference genome to restore original data!</a:t>
+            </a:r>
+          </a:p>
+          <a:p>
+            <a:pPr lvl="1">
+              <a:defRPr/>
+            </a:pPr>
             <a:endParaRPr lang="en-US" dirty="0">
-              <a:latin typeface="Calibri" charset="0"/>
+              <a:latin typeface="Calibri" panose="020F0502020204030204" pitchFamily="34" charset="0"/>
               <a:ea typeface="ＭＳ Ｐゴシック" charset="0"/>
+              <a:cs typeface="Calibri" panose="020F0502020204030204" pitchFamily="34" charset="0"/>
             </a:endParaRPr>
           </a:p>
           <a:p>
@@ -11261,54 +12349,59 @@
             </a:pPr>
             <a:r>
               <a:rPr lang="en-US" dirty="0">
-                <a:latin typeface="Calibri" charset="0"/>
-                <a:ea typeface="ＭＳ Ｐゴシック" charset="0"/>
+                <a:latin typeface="Calibri" panose="020F0502020204030204" pitchFamily="34" charset="0"/>
+                <a:ea typeface="ＭＳ Ｐゴシック" charset="0"/>
+                <a:cs typeface="Calibri" panose="020F0502020204030204" pitchFamily="34" charset="0"/>
               </a:rPr>
-              <a:t>Many BAM manipulation tools accept regions of interest in BED format</a:t>
-            </a:r>
-          </a:p>
-          <a:p>
-            <a:pPr>
-              <a:defRPr/>
-            </a:pPr>
-            <a:r>
-              <a:rPr lang="en-US" dirty="0">
-                <a:latin typeface="Calibri" charset="0"/>
-                <a:ea typeface="ＭＳ Ｐゴシック" charset="0"/>
-              </a:rPr>
-              <a:t>Basic BED format (tab separated):</a:t>
+              <a:t>Base quality binning may be used as well</a:t>
             </a:r>
           </a:p>
           <a:p>
             <a:pPr lvl="1">
               <a:defRPr/>
             </a:pPr>
-            <a:r>
-              <a:rPr lang="en-US" dirty="0">
-                <a:latin typeface="Calibri" charset="0"/>
-                <a:ea typeface="ＭＳ Ｐゴシック" charset="0"/>
-              </a:rPr>
-              <a:t>Chromosome name, start position, end position</a:t>
-            </a:r>
-          </a:p>
-          <a:p>
-            <a:pPr lvl="1">
-              <a:defRPr/>
-            </a:pPr>
-            <a:r>
-              <a:rPr lang="en-US" dirty="0">
-                <a:latin typeface="Calibri" charset="0"/>
-                <a:ea typeface="ＭＳ Ｐゴシック" charset="0"/>
-              </a:rPr>
-              <a:t>Coordinates in BED format are 0 based</a:t>
-            </a:r>
-          </a:p>
-        </p:txBody>
-      </p:sp>
+            <a:endParaRPr lang="en-US" dirty="0">
+              <a:latin typeface="Calibri" panose="020F0502020204030204" pitchFamily="34" charset="0"/>
+              <a:ea typeface="ＭＳ Ｐゴシック" charset="0"/>
+              <a:cs typeface="Calibri" panose="020F0502020204030204" pitchFamily="34" charset="0"/>
+            </a:endParaRPr>
+          </a:p>
+        </p:txBody>
+      </p:sp>
+      <p:pic>
+        <p:nvPicPr>
+          <p:cNvPr id="3" name="Picture 2">
+            <a:extLst>
+              <a:ext uri="{FF2B5EF4-FFF2-40B4-BE49-F238E27FC236}">
+                <a16:creationId xmlns:a16="http://schemas.microsoft.com/office/drawing/2014/main" id="{E45101BB-88E9-BF42-96BB-482587C21F3A}"/>
+              </a:ext>
+            </a:extLst>
+          </p:cNvPr>
+          <p:cNvPicPr>
+            <a:picLocks noChangeAspect="1"/>
+          </p:cNvPicPr>
+          <p:nvPr/>
+        </p:nvPicPr>
+        <p:blipFill>
+          <a:blip r:embed="rId2"/>
+          <a:stretch>
+            <a:fillRect/>
+          </a:stretch>
+        </p:blipFill>
+        <p:spPr>
+          <a:xfrm>
+            <a:off x="7281069" y="1323182"/>
+            <a:ext cx="4816725" cy="4095750"/>
+          </a:xfrm>
+          <a:prstGeom prst="rect">
+            <a:avLst/>
+          </a:prstGeom>
+        </p:spPr>
+      </p:pic>
     </p:spTree>
     <p:extLst>
       <p:ext uri="{BB962C8B-B14F-4D97-AF65-F5344CB8AC3E}">
-        <p14:creationId xmlns:p14="http://schemas.microsoft.com/office/powerpoint/2010/main" val="341447427"/>
+        <p14:creationId xmlns:p14="http://schemas.microsoft.com/office/powerpoint/2010/main" val="1961339797"/>
       </p:ext>
     </p:extLst>
   </p:cSld>

--- a/assets/lectures/cbw-cshl/2019/mini/RNASeq_MiniLecture_08_02_SAM_BAM_BED.pptx
+++ b/assets/lectures/cbw-cshl/2019/mini/RNASeq_MiniLecture_08_02_SAM_BAM_BED.pptx
@@ -6,7 +6,7 @@
     <p:sldMasterId id="2147483674" r:id="rId2"/>
   </p:sldMasterIdLst>
   <p:notesMasterIdLst>
-    <p:notesMasterId r:id="rId15"/>
+    <p:notesMasterId r:id="rId19"/>
   </p:notesMasterIdLst>
   <p:sldIdLst>
     <p:sldId id="537" r:id="rId3"/>
@@ -20,7 +20,11 @@
     <p:sldId id="538" r:id="rId11"/>
     <p:sldId id="534" r:id="rId12"/>
     <p:sldId id="535" r:id="rId13"/>
-    <p:sldId id="536" r:id="rId14"/>
+    <p:sldId id="269" r:id="rId14"/>
+    <p:sldId id="310" r:id="rId15"/>
+    <p:sldId id="539" r:id="rId16"/>
+    <p:sldId id="309" r:id="rId17"/>
+    <p:sldId id="536" r:id="rId18"/>
   </p:sldIdLst>
   <p:sldSz cx="12192000" cy="6858000"/>
   <p:notesSz cx="6858000" cy="9144000"/>
@@ -209,7 +213,7 @@
           <a:p>
             <a:fld id="{3F074802-55CA-9B40-9191-B744CF71FA91}" type="datetimeFigureOut">
               <a:rPr lang="en-US" smtClean="0"/>
-              <a:t>3/11/19</a:t>
+              <a:t>3/12/19</a:t>
             </a:fld>
             <a:endParaRPr lang="en-US"/>
           </a:p>
@@ -515,14 +519,14 @@
           </a:ln>
           <a:extLst>
             <a:ext uri="{909E8E84-426E-40dd-AFC4-6F175D3DCCD1}">
-              <a14:hiddenFill xmlns="" xmlns:a14="http://schemas.microsoft.com/office/drawing/2010/main">
+              <a14:hiddenFill xmlns:a14="http://schemas.microsoft.com/office/drawing/2010/main" xmlns="">
                 <a:solidFill>
                   <a:srgbClr val="FFFFFF"/>
                 </a:solidFill>
               </a14:hiddenFill>
             </a:ext>
             <a:ext uri="{FAA26D3D-D897-4be2-8F04-BA451C77F1D7}">
-              <ma14:placeholderFlag xmlns="" xmlns:ma14="http://schemas.microsoft.com/office/mac/drawingml/2011/main" val="1"/>
+              <ma14:placeholderFlag xmlns:ma14="http://schemas.microsoft.com/office/mac/drawingml/2011/main" xmlns="" val="1"/>
             </a:ext>
           </a:extLst>
         </p:spPr>
@@ -541,14 +545,14 @@
           <a:noFill/>
           <a:extLst>
             <a:ext uri="{909E8E84-426E-40dd-AFC4-6F175D3DCCD1}">
-              <a14:hiddenFill xmlns="" xmlns:a14="http://schemas.microsoft.com/office/drawing/2010/main">
+              <a14:hiddenFill xmlns:a14="http://schemas.microsoft.com/office/drawing/2010/main" xmlns="">
                 <a:solidFill>
                   <a:srgbClr val="FFFFFF"/>
                 </a:solidFill>
               </a14:hiddenFill>
             </a:ext>
             <a:ext uri="{91240B29-F687-4f45-9708-019B960494DF}">
-              <a14:hiddenLine xmlns="" xmlns:a14="http://schemas.microsoft.com/office/drawing/2010/main" w="9525">
+              <a14:hiddenLine xmlns:a14="http://schemas.microsoft.com/office/drawing/2010/main" xmlns="" w="9525">
                 <a:solidFill>
                   <a:srgbClr val="000000"/>
                 </a:solidFill>
@@ -558,7 +562,7 @@
               </a14:hiddenLine>
             </a:ext>
             <a:ext uri="{FAA26D3D-D897-4be2-8F04-BA451C77F1D7}">
-              <ma14:placeholderFlag xmlns="" xmlns:ma14="http://schemas.microsoft.com/office/mac/drawingml/2011/main" val="1"/>
+              <ma14:placeholderFlag xmlns:ma14="http://schemas.microsoft.com/office/mac/drawingml/2011/main" xmlns="" val="1"/>
             </a:ext>
           </a:extLst>
         </p:spPr>
@@ -592,14 +596,14 @@
           <a:noFill/>
           <a:extLst>
             <a:ext uri="{909E8E84-426E-40dd-AFC4-6F175D3DCCD1}">
-              <a14:hiddenFill xmlns="" xmlns:a14="http://schemas.microsoft.com/office/drawing/2010/main">
+              <a14:hiddenFill xmlns:a14="http://schemas.microsoft.com/office/drawing/2010/main" xmlns="">
                 <a:solidFill>
                   <a:srgbClr val="FFFFFF"/>
                 </a:solidFill>
               </a14:hiddenFill>
             </a:ext>
             <a:ext uri="{91240B29-F687-4f45-9708-019B960494DF}">
-              <a14:hiddenLine xmlns="" xmlns:a14="http://schemas.microsoft.com/office/drawing/2010/main" w="9525">
+              <a14:hiddenLine xmlns:a14="http://schemas.microsoft.com/office/drawing/2010/main" xmlns="" w="9525">
                 <a:solidFill>
                   <a:srgbClr val="000000"/>
                 </a:solidFill>
@@ -791,6 +795,177 @@
     <p:extLst>
       <p:ext uri="{BB962C8B-B14F-4D97-AF65-F5344CB8AC3E}">
         <p14:creationId xmlns:p14="http://schemas.microsoft.com/office/powerpoint/2010/main" val="2147801697"/>
+      </p:ext>
+    </p:extLst>
+  </p:cSld>
+  <p:clrMapOvr>
+    <a:masterClrMapping/>
+  </p:clrMapOvr>
+</p:notes>
+</file>
+
+<file path=ppt/notesSlides/notesSlide2.xml><?xml version="1.0" encoding="utf-8"?>
+<p:notes xmlns:a="http://schemas.openxmlformats.org/drawingml/2006/main" xmlns:r="http://schemas.openxmlformats.org/officeDocument/2006/relationships" xmlns:p="http://schemas.openxmlformats.org/presentationml/2006/main">
+  <p:cSld>
+    <p:spTree>
+      <p:nvGrpSpPr>
+        <p:cNvPr id="1" name=""/>
+        <p:cNvGrpSpPr/>
+        <p:nvPr/>
+      </p:nvGrpSpPr>
+      <p:grpSpPr>
+        <a:xfrm>
+          <a:off x="0" y="0"/>
+          <a:ext cx="0" cy="0"/>
+          <a:chOff x="0" y="0"/>
+          <a:chExt cx="0" cy="0"/>
+        </a:xfrm>
+      </p:grpSpPr>
+      <p:sp>
+        <p:nvSpPr>
+          <p:cNvPr id="2" name="Slide Image Placeholder 1"/>
+          <p:cNvSpPr>
+            <a:spLocks noGrp="1" noRot="1" noChangeAspect="1"/>
+          </p:cNvSpPr>
+          <p:nvPr>
+            <p:ph type="sldImg"/>
+          </p:nvPr>
+        </p:nvSpPr>
+        <p:spPr/>
+      </p:sp>
+      <p:sp>
+        <p:nvSpPr>
+          <p:cNvPr id="3" name="Notes Placeholder 2"/>
+          <p:cNvSpPr>
+            <a:spLocks noGrp="1"/>
+          </p:cNvSpPr>
+          <p:nvPr>
+            <p:ph type="body" idx="1"/>
+          </p:nvPr>
+        </p:nvSpPr>
+        <p:spPr/>
+        <p:txBody>
+          <a:bodyPr/>
+          <a:lstStyle/>
+          <a:p>
+            <a:r>
+              <a:rPr lang="en-US" dirty="0"/>
+              <a:t>https://</a:t>
+            </a:r>
+            <a:r>
+              <a:rPr lang="en-US" dirty="0" err="1"/>
+              <a:t>genome.sph.umich.edu</a:t>
+            </a:r>
+            <a:r>
+              <a:rPr lang="en-US" dirty="0"/>
+              <a:t>/wiki/</a:t>
+            </a:r>
+            <a:r>
+              <a:rPr lang="en-US" dirty="0" err="1"/>
+              <a:t>Variant_Normalization</a:t>
+            </a:r>
+            <a:r>
+              <a:rPr lang="en-US" dirty="0"/>
+              <a:t> </a:t>
+            </a:r>
+          </a:p>
+          <a:p>
+            <a:endParaRPr lang="en-US" dirty="0"/>
+          </a:p>
+          <a:p>
+            <a:r>
+              <a:rPr lang="en-US" dirty="0"/>
+              <a:t>Parsimony means representing a variant in as few nucleotides as possible without reducing the length of any allele to 0.</a:t>
+            </a:r>
+          </a:p>
+          <a:p>
+            <a:endParaRPr lang="en-US" dirty="0"/>
+          </a:p>
+          <a:p>
+            <a:r>
+              <a:rPr lang="en-US" dirty="0"/>
+              <a:t>Left aligning a variant means shifting the start position of that variant to the left till it is no longer possible to do so.</a:t>
+            </a:r>
+          </a:p>
+          <a:p>
+            <a:endParaRPr lang="en-US" dirty="0"/>
+          </a:p>
+          <a:p>
+            <a:endParaRPr lang="en-US" dirty="0"/>
+          </a:p>
+          <a:p>
+            <a:endParaRPr lang="en-US" dirty="0"/>
+          </a:p>
+          <a:p>
+            <a:r>
+              <a:rPr lang="en-US" dirty="0"/>
+              <a:t>The representation of variants in a VCF file requires that no alleles in the REF and ALT field are represented with an empty string (empty allele). The red </a:t>
+            </a:r>
+            <a:r>
+              <a:rPr lang="en-US" dirty="0" err="1"/>
+              <a:t>indel</a:t>
+            </a:r>
+            <a:r>
+              <a:rPr lang="en-US" dirty="0"/>
+              <a:t> has an illegal VCF representation.</a:t>
+            </a:r>
+          </a:p>
+          <a:p>
+            <a:r>
+              <a:rPr lang="en-US" dirty="0"/>
+              <a:t>The green variant is not left aligned as you can prefix an A nucleotide on the left side of the variant's alleles and truncate the C on the right side of the variant's alleles. It is however parsimonious.</a:t>
+            </a:r>
+          </a:p>
+          <a:p>
+            <a:r>
+              <a:rPr lang="en-US" dirty="0"/>
+              <a:t>The orange variant is left aligned but is not right parsimonious.</a:t>
+            </a:r>
+          </a:p>
+          <a:p>
+            <a:r>
+              <a:rPr lang="en-US" dirty="0"/>
+              <a:t>The blue variant is left aligned but not left parsimonious.</a:t>
+            </a:r>
+          </a:p>
+          <a:p>
+            <a:r>
+              <a:rPr lang="en-US" dirty="0"/>
+              <a:t>The maroon variant is left aligned and parsimonious.</a:t>
+            </a:r>
+          </a:p>
+          <a:p>
+            <a:endParaRPr lang="en-US" dirty="0"/>
+          </a:p>
+        </p:txBody>
+      </p:sp>
+      <p:sp>
+        <p:nvSpPr>
+          <p:cNvPr id="4" name="Slide Number Placeholder 3"/>
+          <p:cNvSpPr>
+            <a:spLocks noGrp="1"/>
+          </p:cNvSpPr>
+          <p:nvPr>
+            <p:ph type="sldNum" sz="quarter" idx="10"/>
+          </p:nvPr>
+        </p:nvSpPr>
+        <p:spPr/>
+        <p:txBody>
+          <a:bodyPr/>
+          <a:lstStyle/>
+          <a:p>
+            <a:fld id="{099D50AF-F628-504F-B99D-05BB4C0BF79D}" type="slidenum">
+              <a:rPr lang="en-US" smtClean="0"/>
+              <a:t>15</a:t>
+            </a:fld>
+            <a:endParaRPr lang="en-US"/>
+          </a:p>
+        </p:txBody>
+      </p:sp>
+    </p:spTree>
+    <p:extLst>
+      <p:ext uri="{BB962C8B-B14F-4D97-AF65-F5344CB8AC3E}">
+        <p14:creationId xmlns:p14="http://schemas.microsoft.com/office/powerpoint/2010/main" val="202532351"/>
       </p:ext>
     </p:extLst>
   </p:cSld>
@@ -1054,14 +1229,14 @@
           </a:ln>
           <a:extLst>
             <a:ext uri="{909E8E84-426E-40dd-AFC4-6F175D3DCCD1}">
-              <a14:hiddenFill xmlns="" xmlns:a14="http://schemas.microsoft.com/office/drawing/2010/main">
+              <a14:hiddenFill xmlns:a14="http://schemas.microsoft.com/office/drawing/2010/main" xmlns="">
                 <a:solidFill>
                   <a:srgbClr val="FFFFFF"/>
                 </a:solidFill>
               </a14:hiddenFill>
             </a:ext>
             <a:ext uri="{91240B29-F687-4f45-9708-019B960494DF}">
-              <a14:hiddenLine xmlns="" xmlns:a14="http://schemas.microsoft.com/office/drawing/2010/main" w="9525">
+              <a14:hiddenLine xmlns:a14="http://schemas.microsoft.com/office/drawing/2010/main" xmlns="" w="9525">
                 <a:solidFill>
                   <a:srgbClr val="000000"/>
                 </a:solidFill>
@@ -6955,14 +7130,14 @@
           </a:ln>
           <a:extLst>
             <a:ext uri="{909E8E84-426E-40dd-AFC4-6F175D3DCCD1}">
-              <a14:hiddenFill xmlns="" xmlns:a14="http://schemas.microsoft.com/office/drawing/2010/main">
+              <a14:hiddenFill xmlns:a14="http://schemas.microsoft.com/office/drawing/2010/main" xmlns="">
                 <a:solidFill>
                   <a:srgbClr val="FFFFFF"/>
                 </a:solidFill>
               </a14:hiddenFill>
             </a:ext>
             <a:ext uri="{91240B29-F687-4f45-9708-019B960494DF}">
-              <a14:hiddenLine xmlns="" xmlns:a14="http://schemas.microsoft.com/office/drawing/2010/main" w="9525">
+              <a14:hiddenLine xmlns:a14="http://schemas.microsoft.com/office/drawing/2010/main" xmlns="" w="9525">
                 <a:solidFill>
                   <a:srgbClr val="000000"/>
                 </a:solidFill>
@@ -7959,14 +8134,14 @@
           </a:ln>
           <a:extLst>
             <a:ext uri="{909E8E84-426E-40dd-AFC4-6F175D3DCCD1}">
-              <a14:hiddenFill xmlns="" xmlns:a14="http://schemas.microsoft.com/office/drawing/2010/main">
+              <a14:hiddenFill xmlns:a14="http://schemas.microsoft.com/office/drawing/2010/main" xmlns="">
                 <a:solidFill>
                   <a:srgbClr val="FFFFFF"/>
                 </a:solidFill>
               </a14:hiddenFill>
             </a:ext>
             <a:ext uri="{91240B29-F687-4f45-9708-019B960494DF}">
-              <a14:hiddenLine xmlns="" xmlns:a14="http://schemas.microsoft.com/office/drawing/2010/main" w="9525">
+              <a14:hiddenLine xmlns:a14="http://schemas.microsoft.com/office/drawing/2010/main" xmlns="" w="9525">
                 <a:solidFill>
                   <a:srgbClr val="000000"/>
                 </a:solidFill>
@@ -8853,14 +9028,14 @@
           </a:ln>
           <a:extLst>
             <a:ext uri="{909E8E84-426E-40dd-AFC4-6F175D3DCCD1}">
-              <a14:hiddenFill xmlns="" xmlns:a14="http://schemas.microsoft.com/office/drawing/2010/main">
+              <a14:hiddenFill xmlns:a14="http://schemas.microsoft.com/office/drawing/2010/main" xmlns="">
                 <a:solidFill>
                   <a:srgbClr val="FFFFFF"/>
                 </a:solidFill>
               </a14:hiddenFill>
             </a:ext>
             <a:ext uri="{91240B29-F687-4f45-9708-019B960494DF}">
-              <a14:hiddenLine xmlns="" xmlns:a14="http://schemas.microsoft.com/office/drawing/2010/main" w="9525">
+              <a14:hiddenLine xmlns:a14="http://schemas.microsoft.com/office/drawing/2010/main" xmlns="" w="9525">
                 <a:solidFill>
                   <a:srgbClr val="000000"/>
                 </a:solidFill>
@@ -9320,6 +9495,4063 @@
 </file>
 
 <file path=ppt/slides/slide12.xml><?xml version="1.0" encoding="utf-8"?>
+<p:sld xmlns:a="http://schemas.openxmlformats.org/drawingml/2006/main" xmlns:r="http://schemas.openxmlformats.org/officeDocument/2006/relationships" xmlns:p="http://schemas.openxmlformats.org/presentationml/2006/main">
+  <p:cSld>
+    <p:spTree>
+      <p:nvGrpSpPr>
+        <p:cNvPr id="1" name=""/>
+        <p:cNvGrpSpPr/>
+        <p:nvPr/>
+      </p:nvGrpSpPr>
+      <p:grpSpPr>
+        <a:xfrm>
+          <a:off x="0" y="0"/>
+          <a:ext cx="0" cy="0"/>
+          <a:chOff x="0" y="0"/>
+          <a:chExt cx="0" cy="0"/>
+        </a:xfrm>
+      </p:grpSpPr>
+      <p:sp>
+        <p:nvSpPr>
+          <p:cNvPr id="2" name="Title 1"/>
+          <p:cNvSpPr>
+            <a:spLocks noGrp="1"/>
+          </p:cNvSpPr>
+          <p:nvPr>
+            <p:ph type="title"/>
+          </p:nvPr>
+        </p:nvSpPr>
+        <p:spPr>
+          <a:xfrm>
+            <a:off x="838200" y="260569"/>
+            <a:ext cx="10515600" cy="769719"/>
+          </a:xfrm>
+        </p:spPr>
+        <p:txBody>
+          <a:bodyPr>
+            <a:normAutofit/>
+          </a:bodyPr>
+          <a:lstStyle/>
+          <a:p>
+            <a:pPr algn="ctr"/>
+            <a:r>
+              <a:rPr lang="en-US" b="1" dirty="0">
+                <a:latin typeface="Calibri" panose="020F0502020204030204" pitchFamily="34" charset="0"/>
+                <a:cs typeface="Calibri" panose="020F0502020204030204" pitchFamily="34" charset="0"/>
+              </a:rPr>
+              <a:t>Common sources of confusion</a:t>
+            </a:r>
+          </a:p>
+        </p:txBody>
+      </p:sp>
+      <p:sp>
+        <p:nvSpPr>
+          <p:cNvPr id="3" name="Content Placeholder 2"/>
+          <p:cNvSpPr>
+            <a:spLocks noGrp="1"/>
+          </p:cNvSpPr>
+          <p:nvPr>
+            <p:ph idx="1"/>
+          </p:nvPr>
+        </p:nvSpPr>
+        <p:spPr>
+          <a:xfrm>
+            <a:off x="203200" y="1385888"/>
+            <a:ext cx="10726738" cy="5192712"/>
+          </a:xfrm>
+        </p:spPr>
+        <p:txBody>
+          <a:bodyPr>
+            <a:normAutofit/>
+          </a:bodyPr>
+          <a:lstStyle/>
+          <a:p>
+            <a:r>
+              <a:rPr lang="en-US" sz="3600" dirty="0">
+                <a:latin typeface="Calibri" panose="020F0502020204030204" pitchFamily="34" charset="0"/>
+                <a:cs typeface="Calibri" panose="020F0502020204030204" pitchFamily="34" charset="0"/>
+              </a:rPr>
+              <a:t>Genomic coordinate systems</a:t>
+            </a:r>
+            <a:br>
+              <a:rPr lang="en-US" sz="3600" dirty="0">
+                <a:latin typeface="Calibri" panose="020F0502020204030204" pitchFamily="34" charset="0"/>
+                <a:cs typeface="Calibri" panose="020F0502020204030204" pitchFamily="34" charset="0"/>
+              </a:rPr>
+            </a:br>
+            <a:endParaRPr lang="en-US" sz="3600" dirty="0">
+              <a:latin typeface="Calibri" panose="020F0502020204030204" pitchFamily="34" charset="0"/>
+              <a:cs typeface="Calibri" panose="020F0502020204030204" pitchFamily="34" charset="0"/>
+            </a:endParaRPr>
+          </a:p>
+          <a:p>
+            <a:r>
+              <a:rPr lang="en-US" sz="3600" dirty="0">
+                <a:latin typeface="Calibri" panose="020F0502020204030204" pitchFamily="34" charset="0"/>
+                <a:cs typeface="Calibri" panose="020F0502020204030204" pitchFamily="34" charset="0"/>
+              </a:rPr>
+              <a:t>Genome builds</a:t>
+            </a:r>
+            <a:br>
+              <a:rPr lang="en-US" sz="3600" dirty="0">
+                <a:latin typeface="Calibri" panose="020F0502020204030204" pitchFamily="34" charset="0"/>
+                <a:cs typeface="Calibri" panose="020F0502020204030204" pitchFamily="34" charset="0"/>
+              </a:rPr>
+            </a:br>
+            <a:endParaRPr lang="en-US" sz="3600" dirty="0">
+              <a:latin typeface="Calibri" panose="020F0502020204030204" pitchFamily="34" charset="0"/>
+              <a:cs typeface="Calibri" panose="020F0502020204030204" pitchFamily="34" charset="0"/>
+            </a:endParaRPr>
+          </a:p>
+          <a:p>
+            <a:r>
+              <a:rPr lang="en-US" sz="3600" dirty="0">
+                <a:latin typeface="Calibri" panose="020F0502020204030204" pitchFamily="34" charset="0"/>
+                <a:cs typeface="Calibri" panose="020F0502020204030204" pitchFamily="34" charset="0"/>
+              </a:rPr>
+              <a:t>Variant representation</a:t>
+            </a:r>
+          </a:p>
+        </p:txBody>
+      </p:sp>
+    </p:spTree>
+    <p:extLst>
+      <p:ext uri="{BB962C8B-B14F-4D97-AF65-F5344CB8AC3E}">
+        <p14:creationId xmlns:p14="http://schemas.microsoft.com/office/powerpoint/2010/main" val="3820628968"/>
+      </p:ext>
+    </p:extLst>
+  </p:cSld>
+  <p:clrMapOvr>
+    <a:masterClrMapping/>
+  </p:clrMapOvr>
+</p:sld>
+</file>
+
+<file path=ppt/slides/slide13.xml><?xml version="1.0" encoding="utf-8"?>
+<p:sld xmlns:a="http://schemas.openxmlformats.org/drawingml/2006/main" xmlns:r="http://schemas.openxmlformats.org/officeDocument/2006/relationships" xmlns:p="http://schemas.openxmlformats.org/presentationml/2006/main">
+  <p:cSld>
+    <p:spTree>
+      <p:nvGrpSpPr>
+        <p:cNvPr id="1" name=""/>
+        <p:cNvGrpSpPr/>
+        <p:nvPr/>
+      </p:nvGrpSpPr>
+      <p:grpSpPr>
+        <a:xfrm>
+          <a:off x="0" y="0"/>
+          <a:ext cx="0" cy="0"/>
+          <a:chOff x="0" y="0"/>
+          <a:chExt cx="0" cy="0"/>
+        </a:xfrm>
+      </p:grpSpPr>
+      <p:sp>
+        <p:nvSpPr>
+          <p:cNvPr id="2" name="Title 1"/>
+          <p:cNvSpPr>
+            <a:spLocks noGrp="1"/>
+          </p:cNvSpPr>
+          <p:nvPr>
+            <p:ph type="title"/>
+          </p:nvPr>
+        </p:nvSpPr>
+        <p:spPr>
+          <a:xfrm>
+            <a:off x="203200" y="111850"/>
+            <a:ext cx="11684000" cy="609601"/>
+          </a:xfrm>
+        </p:spPr>
+        <p:txBody>
+          <a:bodyPr>
+            <a:noAutofit/>
+          </a:bodyPr>
+          <a:lstStyle/>
+          <a:p>
+            <a:pPr algn="ctr"/>
+            <a:r>
+              <a:rPr lang="en-US" sz="3600" b="1" dirty="0">
+                <a:latin typeface="Calibri" panose="020F0502020204030204" pitchFamily="34" charset="0"/>
+                <a:cs typeface="Calibri" panose="020F0502020204030204" pitchFamily="34" charset="0"/>
+              </a:rPr>
+              <a:t>Genomic coordinates – 1 vs 0 based</a:t>
+            </a:r>
+          </a:p>
+        </p:txBody>
+      </p:sp>
+      <p:graphicFrame>
+        <p:nvGraphicFramePr>
+          <p:cNvPr id="5" name="Table 4"/>
+          <p:cNvGraphicFramePr>
+            <a:graphicFrameLocks noGrp="1"/>
+          </p:cNvGraphicFramePr>
+          <p:nvPr>
+            <p:extLst/>
+          </p:nvPr>
+        </p:nvGraphicFramePr>
+        <p:xfrm>
+          <a:off x="463432" y="794410"/>
+          <a:ext cx="11297213" cy="1813560"/>
+        </p:xfrm>
+        <a:graphic>
+          <a:graphicData uri="http://schemas.openxmlformats.org/drawingml/2006/table">
+            <a:tbl>
+              <a:tblPr firstRow="1" bandRow="1">
+                <a:tableStyleId>{2D5ABB26-0587-4C30-8999-92F81FD0307C}</a:tableStyleId>
+              </a:tblPr>
+              <a:tblGrid>
+                <a:gridCol w="1255245">
+                  <a:extLst>
+                    <a:ext uri="{9D8B030D-6E8A-4147-A177-3AD203B41FA5}">
+                      <a16:colId xmlns:a16="http://schemas.microsoft.com/office/drawing/2014/main" val="20000"/>
+                    </a:ext>
+                  </a:extLst>
+                </a:gridCol>
+                <a:gridCol w="627623">
+                  <a:extLst>
+                    <a:ext uri="{9D8B030D-6E8A-4147-A177-3AD203B41FA5}">
+                      <a16:colId xmlns:a16="http://schemas.microsoft.com/office/drawing/2014/main" val="20001"/>
+                    </a:ext>
+                  </a:extLst>
+                </a:gridCol>
+                <a:gridCol w="627623">
+                  <a:extLst>
+                    <a:ext uri="{9D8B030D-6E8A-4147-A177-3AD203B41FA5}">
+                      <a16:colId xmlns:a16="http://schemas.microsoft.com/office/drawing/2014/main" val="20002"/>
+                    </a:ext>
+                  </a:extLst>
+                </a:gridCol>
+                <a:gridCol w="627623">
+                  <a:extLst>
+                    <a:ext uri="{9D8B030D-6E8A-4147-A177-3AD203B41FA5}">
+                      <a16:colId xmlns:a16="http://schemas.microsoft.com/office/drawing/2014/main" val="20003"/>
+                    </a:ext>
+                  </a:extLst>
+                </a:gridCol>
+                <a:gridCol w="627623">
+                  <a:extLst>
+                    <a:ext uri="{9D8B030D-6E8A-4147-A177-3AD203B41FA5}">
+                      <a16:colId xmlns:a16="http://schemas.microsoft.com/office/drawing/2014/main" val="20004"/>
+                    </a:ext>
+                  </a:extLst>
+                </a:gridCol>
+                <a:gridCol w="627623">
+                  <a:extLst>
+                    <a:ext uri="{9D8B030D-6E8A-4147-A177-3AD203B41FA5}">
+                      <a16:colId xmlns:a16="http://schemas.microsoft.com/office/drawing/2014/main" val="20005"/>
+                    </a:ext>
+                  </a:extLst>
+                </a:gridCol>
+                <a:gridCol w="627623">
+                  <a:extLst>
+                    <a:ext uri="{9D8B030D-6E8A-4147-A177-3AD203B41FA5}">
+                      <a16:colId xmlns:a16="http://schemas.microsoft.com/office/drawing/2014/main" val="20006"/>
+                    </a:ext>
+                  </a:extLst>
+                </a:gridCol>
+                <a:gridCol w="627623">
+                  <a:extLst>
+                    <a:ext uri="{9D8B030D-6E8A-4147-A177-3AD203B41FA5}">
+                      <a16:colId xmlns:a16="http://schemas.microsoft.com/office/drawing/2014/main" val="20007"/>
+                    </a:ext>
+                  </a:extLst>
+                </a:gridCol>
+                <a:gridCol w="627623">
+                  <a:extLst>
+                    <a:ext uri="{9D8B030D-6E8A-4147-A177-3AD203B41FA5}">
+                      <a16:colId xmlns:a16="http://schemas.microsoft.com/office/drawing/2014/main" val="20008"/>
+                    </a:ext>
+                  </a:extLst>
+                </a:gridCol>
+                <a:gridCol w="627623">
+                  <a:extLst>
+                    <a:ext uri="{9D8B030D-6E8A-4147-A177-3AD203B41FA5}">
+                      <a16:colId xmlns:a16="http://schemas.microsoft.com/office/drawing/2014/main" val="20009"/>
+                    </a:ext>
+                  </a:extLst>
+                </a:gridCol>
+                <a:gridCol w="627623">
+                  <a:extLst>
+                    <a:ext uri="{9D8B030D-6E8A-4147-A177-3AD203B41FA5}">
+                      <a16:colId xmlns:a16="http://schemas.microsoft.com/office/drawing/2014/main" val="20010"/>
+                    </a:ext>
+                  </a:extLst>
+                </a:gridCol>
+                <a:gridCol w="627623">
+                  <a:extLst>
+                    <a:ext uri="{9D8B030D-6E8A-4147-A177-3AD203B41FA5}">
+                      <a16:colId xmlns:a16="http://schemas.microsoft.com/office/drawing/2014/main" val="20011"/>
+                    </a:ext>
+                  </a:extLst>
+                </a:gridCol>
+                <a:gridCol w="627623">
+                  <a:extLst>
+                    <a:ext uri="{9D8B030D-6E8A-4147-A177-3AD203B41FA5}">
+                      <a16:colId xmlns:a16="http://schemas.microsoft.com/office/drawing/2014/main" val="20012"/>
+                    </a:ext>
+                  </a:extLst>
+                </a:gridCol>
+                <a:gridCol w="627623">
+                  <a:extLst>
+                    <a:ext uri="{9D8B030D-6E8A-4147-A177-3AD203B41FA5}">
+                      <a16:colId xmlns:a16="http://schemas.microsoft.com/office/drawing/2014/main" val="20013"/>
+                    </a:ext>
+                  </a:extLst>
+                </a:gridCol>
+                <a:gridCol w="627623">
+                  <a:extLst>
+                    <a:ext uri="{9D8B030D-6E8A-4147-A177-3AD203B41FA5}">
+                      <a16:colId xmlns:a16="http://schemas.microsoft.com/office/drawing/2014/main" val="20014"/>
+                    </a:ext>
+                  </a:extLst>
+                </a:gridCol>
+                <a:gridCol w="627623">
+                  <a:extLst>
+                    <a:ext uri="{9D8B030D-6E8A-4147-A177-3AD203B41FA5}">
+                      <a16:colId xmlns:a16="http://schemas.microsoft.com/office/drawing/2014/main" val="20015"/>
+                    </a:ext>
+                  </a:extLst>
+                </a:gridCol>
+                <a:gridCol w="627623">
+                  <a:extLst>
+                    <a:ext uri="{9D8B030D-6E8A-4147-A177-3AD203B41FA5}">
+                      <a16:colId xmlns:a16="http://schemas.microsoft.com/office/drawing/2014/main" val="20016"/>
+                    </a:ext>
+                  </a:extLst>
+                </a:gridCol>
+              </a:tblGrid>
+              <a:tr h="375920">
+                <a:tc gridSpan="2">
+                  <a:txBody>
+                    <a:bodyPr/>
+                    <a:lstStyle/>
+                    <a:p>
+                      <a:pPr marL="0" marR="0" indent="0" algn="ctr" defTabSz="457200" rtl="0" eaLnBrk="1" fontAlgn="auto" latinLnBrk="0" hangingPunct="1">
+                        <a:lnSpc>
+                          <a:spcPct val="100000"/>
+                        </a:lnSpc>
+                        <a:spcBef>
+                          <a:spcPts val="0"/>
+                        </a:spcBef>
+                        <a:spcAft>
+                          <a:spcPts val="0"/>
+                        </a:spcAft>
+                        <a:buClrTx/>
+                        <a:buSzTx/>
+                        <a:buFontTx/>
+                        <a:buNone/>
+                        <a:tabLst/>
+                        <a:defRPr/>
+                      </a:pPr>
+                      <a:r>
+                        <a:rPr lang="en-US" sz="1900" dirty="0"/>
+                        <a:t>chr1</a:t>
+                      </a:r>
+                    </a:p>
+                  </a:txBody>
+                  <a:tcPr marL="121920" marR="121920">
+                    <a:lnL w="12700" cap="flat" cmpd="sng" algn="ctr">
+                      <a:noFill/>
+                      <a:prstDash val="solid"/>
+                      <a:round/>
+                      <a:headEnd type="none" w="med" len="med"/>
+                      <a:tailEnd type="none" w="med" len="med"/>
+                    </a:lnL>
+                    <a:lnR w="12700" cap="flat" cmpd="sng" algn="ctr">
+                      <a:noFill/>
+                      <a:prstDash val="solid"/>
+                      <a:round/>
+                      <a:headEnd type="none" w="med" len="med"/>
+                      <a:tailEnd type="none" w="med" len="med"/>
+                    </a:lnR>
+                    <a:lnT w="12700" cap="flat" cmpd="sng" algn="ctr">
+                      <a:noFill/>
+                      <a:prstDash val="solid"/>
+                      <a:round/>
+                      <a:headEnd type="none" w="med" len="med"/>
+                      <a:tailEnd type="none" w="med" len="med"/>
+                    </a:lnT>
+                    <a:lnB w="12700" cap="flat" cmpd="sng" algn="ctr">
+                      <a:noFill/>
+                      <a:prstDash val="solid"/>
+                      <a:round/>
+                      <a:headEnd type="none" w="med" len="med"/>
+                      <a:tailEnd type="none" w="med" len="med"/>
+                    </a:lnB>
+                    <a:lnTlToBr w="12700" cmpd="sng">
+                      <a:noFill/>
+                      <a:prstDash val="solid"/>
+                    </a:lnTlToBr>
+                    <a:lnBlToTr w="12700" cmpd="sng">
+                      <a:noFill/>
+                      <a:prstDash val="solid"/>
+                    </a:lnBlToTr>
+                  </a:tcPr>
+                </a:tc>
+                <a:tc hMerge="1">
+                  <a:txBody>
+                    <a:bodyPr/>
+                    <a:lstStyle/>
+                    <a:p>
+                      <a:pPr marL="0" marR="0" indent="0" algn="ctr" defTabSz="457200" rtl="0" eaLnBrk="1" fontAlgn="auto" latinLnBrk="0" hangingPunct="1">
+                        <a:lnSpc>
+                          <a:spcPct val="100000"/>
+                        </a:lnSpc>
+                        <a:spcBef>
+                          <a:spcPts val="0"/>
+                        </a:spcBef>
+                        <a:spcAft>
+                          <a:spcPts val="0"/>
+                        </a:spcAft>
+                        <a:buClrTx/>
+                        <a:buSzTx/>
+                        <a:buFontTx/>
+                        <a:buNone/>
+                        <a:tabLst/>
+                        <a:defRPr/>
+                      </a:pPr>
+                      <a:endParaRPr lang="en-US" sz="1200" dirty="0"/>
+                    </a:p>
+                  </a:txBody>
+                  <a:tcPr>
+                    <a:lnL w="12700" cap="flat" cmpd="sng" algn="ctr">
+                      <a:noFill/>
+                      <a:prstDash val="solid"/>
+                      <a:round/>
+                      <a:headEnd type="none" w="med" len="med"/>
+                      <a:tailEnd type="none" w="med" len="med"/>
+                    </a:lnL>
+                    <a:lnR w="12700" cap="flat" cmpd="sng" algn="ctr">
+                      <a:noFill/>
+                      <a:prstDash val="solid"/>
+                      <a:round/>
+                      <a:headEnd type="none" w="med" len="med"/>
+                      <a:tailEnd type="none" w="med" len="med"/>
+                    </a:lnR>
+                    <a:lnT w="12700" cap="flat" cmpd="sng" algn="ctr">
+                      <a:noFill/>
+                      <a:prstDash val="solid"/>
+                      <a:round/>
+                      <a:headEnd type="none" w="med" len="med"/>
+                      <a:tailEnd type="none" w="med" len="med"/>
+                    </a:lnT>
+                    <a:lnB w="12700" cap="flat" cmpd="sng" algn="ctr">
+                      <a:noFill/>
+                      <a:prstDash val="solid"/>
+                      <a:round/>
+                      <a:headEnd type="none" w="med" len="med"/>
+                      <a:tailEnd type="none" w="med" len="med"/>
+                    </a:lnB>
+                    <a:lnTlToBr w="12700" cmpd="sng">
+                      <a:noFill/>
+                      <a:prstDash val="solid"/>
+                    </a:lnTlToBr>
+                    <a:lnBlToTr w="12700" cmpd="sng">
+                      <a:noFill/>
+                      <a:prstDash val="solid"/>
+                    </a:lnBlToTr>
+                  </a:tcPr>
+                </a:tc>
+                <a:tc gridSpan="2">
+                  <a:txBody>
+                    <a:bodyPr/>
+                    <a:lstStyle/>
+                    <a:p>
+                      <a:pPr algn="ctr"/>
+                      <a:r>
+                        <a:rPr lang="en-US" sz="1900" dirty="0"/>
+                        <a:t>T</a:t>
+                      </a:r>
+                    </a:p>
+                  </a:txBody>
+                  <a:tcPr marL="121920" marR="121920">
+                    <a:lnL w="12700" cap="flat" cmpd="sng" algn="ctr">
+                      <a:noFill/>
+                      <a:prstDash val="solid"/>
+                      <a:round/>
+                      <a:headEnd type="none" w="med" len="med"/>
+                      <a:tailEnd type="none" w="med" len="med"/>
+                    </a:lnL>
+                    <a:lnR w="12700" cap="flat" cmpd="sng" algn="ctr">
+                      <a:noFill/>
+                      <a:prstDash val="solid"/>
+                      <a:round/>
+                      <a:headEnd type="none" w="med" len="med"/>
+                      <a:tailEnd type="none" w="med" len="med"/>
+                    </a:lnR>
+                    <a:lnT w="12700" cap="flat" cmpd="sng" algn="ctr">
+                      <a:noFill/>
+                      <a:prstDash val="solid"/>
+                      <a:round/>
+                      <a:headEnd type="none" w="med" len="med"/>
+                      <a:tailEnd type="none" w="med" len="med"/>
+                    </a:lnT>
+                    <a:lnB w="12700" cap="flat" cmpd="sng" algn="ctr">
+                      <a:noFill/>
+                      <a:prstDash val="solid"/>
+                      <a:round/>
+                      <a:headEnd type="none" w="med" len="med"/>
+                      <a:tailEnd type="none" w="med" len="med"/>
+                    </a:lnB>
+                    <a:lnTlToBr w="12700" cmpd="sng">
+                      <a:noFill/>
+                      <a:prstDash val="solid"/>
+                    </a:lnTlToBr>
+                    <a:lnBlToTr w="12700" cmpd="sng">
+                      <a:noFill/>
+                      <a:prstDash val="solid"/>
+                    </a:lnBlToTr>
+                  </a:tcPr>
+                </a:tc>
+                <a:tc hMerge="1">
+                  <a:txBody>
+                    <a:bodyPr/>
+                    <a:lstStyle/>
+                    <a:p>
+                      <a:endParaRPr lang="en-US"/>
+                    </a:p>
+                  </a:txBody>
+                  <a:tcPr/>
+                </a:tc>
+                <a:tc gridSpan="2">
+                  <a:txBody>
+                    <a:bodyPr/>
+                    <a:lstStyle/>
+                    <a:p>
+                      <a:pPr algn="ctr"/>
+                      <a:r>
+                        <a:rPr lang="en-US" sz="1900" dirty="0"/>
+                        <a:t>A</a:t>
+                      </a:r>
+                    </a:p>
+                  </a:txBody>
+                  <a:tcPr marL="121920" marR="121920">
+                    <a:lnL w="12700" cap="flat" cmpd="sng" algn="ctr">
+                      <a:noFill/>
+                      <a:prstDash val="solid"/>
+                      <a:round/>
+                      <a:headEnd type="none" w="med" len="med"/>
+                      <a:tailEnd type="none" w="med" len="med"/>
+                    </a:lnL>
+                    <a:lnR w="12700" cap="flat" cmpd="sng" algn="ctr">
+                      <a:noFill/>
+                      <a:prstDash val="solid"/>
+                      <a:round/>
+                      <a:headEnd type="none" w="med" len="med"/>
+                      <a:tailEnd type="none" w="med" len="med"/>
+                    </a:lnR>
+                    <a:lnT w="12700" cap="flat" cmpd="sng" algn="ctr">
+                      <a:noFill/>
+                      <a:prstDash val="solid"/>
+                      <a:round/>
+                      <a:headEnd type="none" w="med" len="med"/>
+                      <a:tailEnd type="none" w="med" len="med"/>
+                    </a:lnT>
+                    <a:lnB w="12700" cap="flat" cmpd="sng" algn="ctr">
+                      <a:noFill/>
+                      <a:prstDash val="solid"/>
+                      <a:round/>
+                      <a:headEnd type="none" w="med" len="med"/>
+                      <a:tailEnd type="none" w="med" len="med"/>
+                    </a:lnB>
+                    <a:lnTlToBr w="12700" cmpd="sng">
+                      <a:noFill/>
+                      <a:prstDash val="solid"/>
+                    </a:lnTlToBr>
+                    <a:lnBlToTr w="12700" cmpd="sng">
+                      <a:noFill/>
+                      <a:prstDash val="solid"/>
+                    </a:lnBlToTr>
+                  </a:tcPr>
+                </a:tc>
+                <a:tc hMerge="1">
+                  <a:txBody>
+                    <a:bodyPr/>
+                    <a:lstStyle/>
+                    <a:p>
+                      <a:endParaRPr lang="en-US"/>
+                    </a:p>
+                  </a:txBody>
+                  <a:tcPr/>
+                </a:tc>
+                <a:tc gridSpan="2">
+                  <a:txBody>
+                    <a:bodyPr/>
+                    <a:lstStyle/>
+                    <a:p>
+                      <a:pPr algn="ctr"/>
+                      <a:r>
+                        <a:rPr lang="en-US" sz="1900" dirty="0"/>
+                        <a:t>C</a:t>
+                      </a:r>
+                    </a:p>
+                  </a:txBody>
+                  <a:tcPr marL="121920" marR="121920">
+                    <a:lnL w="12700" cap="flat" cmpd="sng" algn="ctr">
+                      <a:noFill/>
+                      <a:prstDash val="solid"/>
+                      <a:round/>
+                      <a:headEnd type="none" w="med" len="med"/>
+                      <a:tailEnd type="none" w="med" len="med"/>
+                    </a:lnL>
+                    <a:lnR w="12700" cap="flat" cmpd="sng" algn="ctr">
+                      <a:noFill/>
+                      <a:prstDash val="solid"/>
+                      <a:round/>
+                      <a:headEnd type="none" w="med" len="med"/>
+                      <a:tailEnd type="none" w="med" len="med"/>
+                    </a:lnR>
+                    <a:lnT w="12700" cap="flat" cmpd="sng" algn="ctr">
+                      <a:noFill/>
+                      <a:prstDash val="solid"/>
+                      <a:round/>
+                      <a:headEnd type="none" w="med" len="med"/>
+                      <a:tailEnd type="none" w="med" len="med"/>
+                    </a:lnT>
+                    <a:lnB w="12700" cap="flat" cmpd="sng" algn="ctr">
+                      <a:noFill/>
+                      <a:prstDash val="solid"/>
+                      <a:round/>
+                      <a:headEnd type="none" w="med" len="med"/>
+                      <a:tailEnd type="none" w="med" len="med"/>
+                    </a:lnB>
+                    <a:lnTlToBr w="12700" cmpd="sng">
+                      <a:noFill/>
+                      <a:prstDash val="solid"/>
+                    </a:lnTlToBr>
+                    <a:lnBlToTr w="12700" cmpd="sng">
+                      <a:noFill/>
+                      <a:prstDash val="solid"/>
+                    </a:lnBlToTr>
+                  </a:tcPr>
+                </a:tc>
+                <a:tc hMerge="1">
+                  <a:txBody>
+                    <a:bodyPr/>
+                    <a:lstStyle/>
+                    <a:p>
+                      <a:endParaRPr lang="en-US"/>
+                    </a:p>
+                  </a:txBody>
+                  <a:tcPr/>
+                </a:tc>
+                <a:tc gridSpan="2">
+                  <a:txBody>
+                    <a:bodyPr/>
+                    <a:lstStyle/>
+                    <a:p>
+                      <a:pPr algn="ctr"/>
+                      <a:r>
+                        <a:rPr lang="en-US" sz="1900" dirty="0"/>
+                        <a:t>G</a:t>
+                      </a:r>
+                    </a:p>
+                  </a:txBody>
+                  <a:tcPr marL="121920" marR="121920">
+                    <a:lnL w="12700" cap="flat" cmpd="sng" algn="ctr">
+                      <a:noFill/>
+                      <a:prstDash val="solid"/>
+                      <a:round/>
+                      <a:headEnd type="none" w="med" len="med"/>
+                      <a:tailEnd type="none" w="med" len="med"/>
+                    </a:lnL>
+                    <a:lnR w="12700" cap="flat" cmpd="sng" algn="ctr">
+                      <a:noFill/>
+                      <a:prstDash val="solid"/>
+                      <a:round/>
+                      <a:headEnd type="none" w="med" len="med"/>
+                      <a:tailEnd type="none" w="med" len="med"/>
+                    </a:lnR>
+                    <a:lnT w="12700" cap="flat" cmpd="sng" algn="ctr">
+                      <a:noFill/>
+                      <a:prstDash val="solid"/>
+                      <a:round/>
+                      <a:headEnd type="none" w="med" len="med"/>
+                      <a:tailEnd type="none" w="med" len="med"/>
+                    </a:lnT>
+                    <a:lnB w="12700" cap="flat" cmpd="sng" algn="ctr">
+                      <a:noFill/>
+                      <a:prstDash val="solid"/>
+                      <a:round/>
+                      <a:headEnd type="none" w="med" len="med"/>
+                      <a:tailEnd type="none" w="med" len="med"/>
+                    </a:lnB>
+                    <a:lnTlToBr w="12700" cmpd="sng">
+                      <a:noFill/>
+                      <a:prstDash val="solid"/>
+                    </a:lnTlToBr>
+                    <a:lnBlToTr w="12700" cmpd="sng">
+                      <a:noFill/>
+                      <a:prstDash val="solid"/>
+                    </a:lnBlToTr>
+                  </a:tcPr>
+                </a:tc>
+                <a:tc hMerge="1">
+                  <a:txBody>
+                    <a:bodyPr/>
+                    <a:lstStyle/>
+                    <a:p>
+                      <a:endParaRPr lang="en-US"/>
+                    </a:p>
+                  </a:txBody>
+                  <a:tcPr/>
+                </a:tc>
+                <a:tc gridSpan="2">
+                  <a:txBody>
+                    <a:bodyPr/>
+                    <a:lstStyle/>
+                    <a:p>
+                      <a:pPr algn="ctr"/>
+                      <a:r>
+                        <a:rPr lang="en-US" sz="1900" dirty="0"/>
+                        <a:t>T</a:t>
+                      </a:r>
+                    </a:p>
+                  </a:txBody>
+                  <a:tcPr marL="121920" marR="121920">
+                    <a:lnL w="12700" cap="flat" cmpd="sng" algn="ctr">
+                      <a:noFill/>
+                      <a:prstDash val="solid"/>
+                      <a:round/>
+                      <a:headEnd type="none" w="med" len="med"/>
+                      <a:tailEnd type="none" w="med" len="med"/>
+                    </a:lnL>
+                    <a:lnR w="12700" cap="flat" cmpd="sng" algn="ctr">
+                      <a:noFill/>
+                      <a:prstDash val="solid"/>
+                      <a:round/>
+                      <a:headEnd type="none" w="med" len="med"/>
+                      <a:tailEnd type="none" w="med" len="med"/>
+                    </a:lnR>
+                    <a:lnT w="12700" cap="flat" cmpd="sng" algn="ctr">
+                      <a:noFill/>
+                      <a:prstDash val="solid"/>
+                      <a:round/>
+                      <a:headEnd type="none" w="med" len="med"/>
+                      <a:tailEnd type="none" w="med" len="med"/>
+                    </a:lnT>
+                    <a:lnB w="12700" cap="flat" cmpd="sng" algn="ctr">
+                      <a:noFill/>
+                      <a:prstDash val="solid"/>
+                      <a:round/>
+                      <a:headEnd type="none" w="med" len="med"/>
+                      <a:tailEnd type="none" w="med" len="med"/>
+                    </a:lnB>
+                    <a:lnTlToBr w="12700" cmpd="sng">
+                      <a:noFill/>
+                      <a:prstDash val="solid"/>
+                    </a:lnTlToBr>
+                    <a:lnBlToTr w="12700" cmpd="sng">
+                      <a:noFill/>
+                      <a:prstDash val="solid"/>
+                    </a:lnBlToTr>
+                  </a:tcPr>
+                </a:tc>
+                <a:tc hMerge="1">
+                  <a:txBody>
+                    <a:bodyPr/>
+                    <a:lstStyle/>
+                    <a:p>
+                      <a:endParaRPr lang="en-US"/>
+                    </a:p>
+                  </a:txBody>
+                  <a:tcPr/>
+                </a:tc>
+                <a:tc gridSpan="2">
+                  <a:txBody>
+                    <a:bodyPr/>
+                    <a:lstStyle/>
+                    <a:p>
+                      <a:pPr algn="ctr"/>
+                      <a:r>
+                        <a:rPr lang="en-US" sz="1900" dirty="0"/>
+                        <a:t>C</a:t>
+                      </a:r>
+                    </a:p>
+                  </a:txBody>
+                  <a:tcPr marL="121920" marR="121920">
+                    <a:lnL w="12700" cap="flat" cmpd="sng" algn="ctr">
+                      <a:noFill/>
+                      <a:prstDash val="solid"/>
+                      <a:round/>
+                      <a:headEnd type="none" w="med" len="med"/>
+                      <a:tailEnd type="none" w="med" len="med"/>
+                    </a:lnL>
+                    <a:lnR w="12700" cap="flat" cmpd="sng" algn="ctr">
+                      <a:noFill/>
+                      <a:prstDash val="solid"/>
+                      <a:round/>
+                      <a:headEnd type="none" w="med" len="med"/>
+                      <a:tailEnd type="none" w="med" len="med"/>
+                    </a:lnR>
+                    <a:lnT w="12700" cap="flat" cmpd="sng" algn="ctr">
+                      <a:noFill/>
+                      <a:prstDash val="solid"/>
+                      <a:round/>
+                      <a:headEnd type="none" w="med" len="med"/>
+                      <a:tailEnd type="none" w="med" len="med"/>
+                    </a:lnT>
+                    <a:lnB w="12700" cap="flat" cmpd="sng" algn="ctr">
+                      <a:noFill/>
+                      <a:prstDash val="solid"/>
+                      <a:round/>
+                      <a:headEnd type="none" w="med" len="med"/>
+                      <a:tailEnd type="none" w="med" len="med"/>
+                    </a:lnB>
+                    <a:lnTlToBr w="12700" cmpd="sng">
+                      <a:noFill/>
+                      <a:prstDash val="solid"/>
+                    </a:lnTlToBr>
+                    <a:lnBlToTr w="12700" cmpd="sng">
+                      <a:noFill/>
+                      <a:prstDash val="solid"/>
+                    </a:lnBlToTr>
+                  </a:tcPr>
+                </a:tc>
+                <a:tc hMerge="1">
+                  <a:txBody>
+                    <a:bodyPr/>
+                    <a:lstStyle/>
+                    <a:p>
+                      <a:endParaRPr lang="en-US"/>
+                    </a:p>
+                  </a:txBody>
+                  <a:tcPr/>
+                </a:tc>
+                <a:tc gridSpan="2">
+                  <a:txBody>
+                    <a:bodyPr/>
+                    <a:lstStyle/>
+                    <a:p>
+                      <a:pPr algn="ctr"/>
+                      <a:r>
+                        <a:rPr lang="en-US" sz="1900" dirty="0"/>
+                        <a:t>A</a:t>
+                      </a:r>
+                    </a:p>
+                  </a:txBody>
+                  <a:tcPr marL="121920" marR="121920">
+                    <a:lnL w="12700" cap="flat" cmpd="sng" algn="ctr">
+                      <a:noFill/>
+                      <a:prstDash val="solid"/>
+                      <a:round/>
+                      <a:headEnd type="none" w="med" len="med"/>
+                      <a:tailEnd type="none" w="med" len="med"/>
+                    </a:lnL>
+                    <a:lnR w="12700" cap="flat" cmpd="sng" algn="ctr">
+                      <a:noFill/>
+                      <a:prstDash val="solid"/>
+                      <a:round/>
+                      <a:headEnd type="none" w="med" len="med"/>
+                      <a:tailEnd type="none" w="med" len="med"/>
+                    </a:lnR>
+                    <a:lnT w="12700" cap="flat" cmpd="sng" algn="ctr">
+                      <a:noFill/>
+                      <a:prstDash val="solid"/>
+                      <a:round/>
+                      <a:headEnd type="none" w="med" len="med"/>
+                      <a:tailEnd type="none" w="med" len="med"/>
+                    </a:lnT>
+                    <a:lnB w="12700" cap="flat" cmpd="sng" algn="ctr">
+                      <a:noFill/>
+                      <a:prstDash val="solid"/>
+                      <a:round/>
+                      <a:headEnd type="none" w="med" len="med"/>
+                      <a:tailEnd type="none" w="med" len="med"/>
+                    </a:lnB>
+                    <a:lnTlToBr w="12700" cmpd="sng">
+                      <a:noFill/>
+                      <a:prstDash val="solid"/>
+                    </a:lnTlToBr>
+                    <a:lnBlToTr w="12700" cmpd="sng">
+                      <a:noFill/>
+                      <a:prstDash val="solid"/>
+                    </a:lnBlToTr>
+                  </a:tcPr>
+                </a:tc>
+                <a:tc hMerge="1">
+                  <a:txBody>
+                    <a:bodyPr/>
+                    <a:lstStyle/>
+                    <a:p>
+                      <a:endParaRPr lang="en-US"/>
+                    </a:p>
+                  </a:txBody>
+                  <a:tcPr/>
+                </a:tc>
+                <a:tc>
+                  <a:txBody>
+                    <a:bodyPr/>
+                    <a:lstStyle/>
+                    <a:p>
+                      <a:pPr algn="ctr"/>
+                      <a:endParaRPr lang="en-US" sz="1900" dirty="0"/>
+                    </a:p>
+                  </a:txBody>
+                  <a:tcPr marL="121920" marR="121920">
+                    <a:lnL w="12700" cap="flat" cmpd="sng" algn="ctr">
+                      <a:noFill/>
+                      <a:prstDash val="solid"/>
+                      <a:round/>
+                      <a:headEnd type="none" w="med" len="med"/>
+                      <a:tailEnd type="none" w="med" len="med"/>
+                    </a:lnL>
+                    <a:lnR w="12700" cap="flat" cmpd="sng" algn="ctr">
+                      <a:noFill/>
+                      <a:prstDash val="solid"/>
+                      <a:round/>
+                      <a:headEnd type="none" w="med" len="med"/>
+                      <a:tailEnd type="none" w="med" len="med"/>
+                    </a:lnR>
+                    <a:lnT w="12700" cap="flat" cmpd="sng" algn="ctr">
+                      <a:noFill/>
+                      <a:prstDash val="solid"/>
+                      <a:round/>
+                      <a:headEnd type="none" w="med" len="med"/>
+                      <a:tailEnd type="none" w="med" len="med"/>
+                    </a:lnT>
+                    <a:lnB w="12700" cap="flat" cmpd="sng" algn="ctr">
+                      <a:noFill/>
+                      <a:prstDash val="solid"/>
+                      <a:round/>
+                      <a:headEnd type="none" w="med" len="med"/>
+                      <a:tailEnd type="none" w="med" len="med"/>
+                    </a:lnB>
+                    <a:lnTlToBr w="12700" cmpd="sng">
+                      <a:noFill/>
+                      <a:prstDash val="solid"/>
+                    </a:lnTlToBr>
+                    <a:lnBlToTr w="12700" cmpd="sng">
+                      <a:noFill/>
+                      <a:prstDash val="solid"/>
+                    </a:lnBlToTr>
+                  </a:tcPr>
+                </a:tc>
+                <a:extLst>
+                  <a:ext uri="{0D108BD9-81ED-4DB2-BD59-A6C34878D82A}">
+                    <a16:rowId xmlns:a16="http://schemas.microsoft.com/office/drawing/2014/main" val="10000"/>
+                  </a:ext>
+                </a:extLst>
+              </a:tr>
+              <a:tr h="152400">
+                <a:tc>
+                  <a:txBody>
+                    <a:bodyPr/>
+                    <a:lstStyle/>
+                    <a:p>
+                      <a:pPr algn="ctr"/>
+                      <a:endParaRPr lang="en-US" sz="400" dirty="0"/>
+                    </a:p>
+                  </a:txBody>
+                  <a:tcPr marL="121920" marR="121920">
+                    <a:lnL w="12700" cap="flat" cmpd="sng" algn="ctr">
+                      <a:noFill/>
+                      <a:prstDash val="solid"/>
+                      <a:round/>
+                      <a:headEnd type="none" w="med" len="med"/>
+                      <a:tailEnd type="none" w="med" len="med"/>
+                    </a:lnL>
+                    <a:lnR w="12700" cap="flat" cmpd="sng" algn="ctr">
+                      <a:noFill/>
+                      <a:prstDash val="solid"/>
+                      <a:round/>
+                      <a:headEnd type="none" w="med" len="med"/>
+                      <a:tailEnd type="none" w="med" len="med"/>
+                    </a:lnR>
+                    <a:lnT w="12700" cap="flat" cmpd="sng" algn="ctr">
+                      <a:noFill/>
+                      <a:prstDash val="solid"/>
+                      <a:round/>
+                      <a:headEnd type="none" w="med" len="med"/>
+                      <a:tailEnd type="none" w="med" len="med"/>
+                    </a:lnT>
+                    <a:lnB w="12700" cap="flat" cmpd="sng" algn="ctr">
+                      <a:noFill/>
+                      <a:prstDash val="solid"/>
+                      <a:round/>
+                      <a:headEnd type="none" w="med" len="med"/>
+                      <a:tailEnd type="none" w="med" len="med"/>
+                    </a:lnB>
+                  </a:tcPr>
+                </a:tc>
+                <a:tc>
+                  <a:txBody>
+                    <a:bodyPr/>
+                    <a:lstStyle/>
+                    <a:p>
+                      <a:pPr algn="ctr"/>
+                      <a:endParaRPr lang="en-US" sz="400" dirty="0"/>
+                    </a:p>
+                  </a:txBody>
+                  <a:tcPr marL="121920" marR="121920">
+                    <a:lnL w="12700" cap="flat" cmpd="sng" algn="ctr">
+                      <a:noFill/>
+                      <a:prstDash val="solid"/>
+                      <a:round/>
+                      <a:headEnd type="none" w="med" len="med"/>
+                      <a:tailEnd type="none" w="med" len="med"/>
+                    </a:lnL>
+                    <a:lnR w="12700" cap="flat" cmpd="sng" algn="ctr">
+                      <a:solidFill>
+                        <a:scrgbClr r="0" g="0" b="0"/>
+                      </a:solidFill>
+                      <a:prstDash val="solid"/>
+                      <a:round/>
+                      <a:headEnd type="none" w="med" len="med"/>
+                      <a:tailEnd type="none" w="med" len="med"/>
+                    </a:lnR>
+                    <a:lnT w="12700" cap="flat" cmpd="sng" algn="ctr">
+                      <a:noFill/>
+                      <a:prstDash val="solid"/>
+                      <a:round/>
+                      <a:headEnd type="none" w="med" len="med"/>
+                      <a:tailEnd type="none" w="med" len="med"/>
+                    </a:lnT>
+                    <a:lnB w="12700" cap="flat" cmpd="sng" algn="ctr">
+                      <a:noFill/>
+                      <a:prstDash val="solid"/>
+                      <a:round/>
+                      <a:headEnd type="none" w="med" len="med"/>
+                      <a:tailEnd type="none" w="med" len="med"/>
+                    </a:lnB>
+                  </a:tcPr>
+                </a:tc>
+                <a:tc>
+                  <a:txBody>
+                    <a:bodyPr/>
+                    <a:lstStyle/>
+                    <a:p>
+                      <a:pPr algn="ctr"/>
+                      <a:endParaRPr lang="en-US" sz="400" dirty="0"/>
+                    </a:p>
+                  </a:txBody>
+                  <a:tcPr marL="121920" marR="121920">
+                    <a:lnL w="12700" cap="flat" cmpd="sng" algn="ctr">
+                      <a:solidFill>
+                        <a:scrgbClr r="0" g="0" b="0"/>
+                      </a:solidFill>
+                      <a:prstDash val="solid"/>
+                      <a:round/>
+                      <a:headEnd type="none" w="med" len="med"/>
+                      <a:tailEnd type="none" w="med" len="med"/>
+                    </a:lnL>
+                    <a:lnR w="12700" cap="flat" cmpd="sng" algn="ctr">
+                      <a:solidFill>
+                        <a:scrgbClr r="0" g="0" b="0"/>
+                      </a:solidFill>
+                      <a:prstDash val="solid"/>
+                      <a:round/>
+                      <a:headEnd type="none" w="med" len="med"/>
+                      <a:tailEnd type="none" w="med" len="med"/>
+                    </a:lnR>
+                    <a:lnT w="12700" cap="flat" cmpd="sng" algn="ctr">
+                      <a:noFill/>
+                      <a:prstDash val="solid"/>
+                      <a:round/>
+                      <a:headEnd type="none" w="med" len="med"/>
+                      <a:tailEnd type="none" w="med" len="med"/>
+                    </a:lnT>
+                    <a:lnB w="12700" cap="flat" cmpd="sng" algn="ctr">
+                      <a:noFill/>
+                      <a:prstDash val="solid"/>
+                      <a:round/>
+                      <a:headEnd type="none" w="med" len="med"/>
+                      <a:tailEnd type="none" w="med" len="med"/>
+                    </a:lnB>
+                  </a:tcPr>
+                </a:tc>
+                <a:tc>
+                  <a:txBody>
+                    <a:bodyPr/>
+                    <a:lstStyle/>
+                    <a:p>
+                      <a:pPr algn="ctr"/>
+                      <a:endParaRPr lang="en-US" sz="400" dirty="0"/>
+                    </a:p>
+                  </a:txBody>
+                  <a:tcPr marL="121920" marR="121920">
+                    <a:lnL w="12700" cap="flat" cmpd="sng" algn="ctr">
+                      <a:solidFill>
+                        <a:scrgbClr r="0" g="0" b="0"/>
+                      </a:solidFill>
+                      <a:prstDash val="solid"/>
+                      <a:round/>
+                      <a:headEnd type="none" w="med" len="med"/>
+                      <a:tailEnd type="none" w="med" len="med"/>
+                    </a:lnL>
+                    <a:lnR w="12700" cap="flat" cmpd="sng" algn="ctr">
+                      <a:solidFill>
+                        <a:scrgbClr r="0" g="0" b="0"/>
+                      </a:solidFill>
+                      <a:prstDash val="solid"/>
+                      <a:round/>
+                      <a:headEnd type="none" w="med" len="med"/>
+                      <a:tailEnd type="none" w="med" len="med"/>
+                    </a:lnR>
+                    <a:lnT w="12700" cap="flat" cmpd="sng" algn="ctr">
+                      <a:noFill/>
+                      <a:prstDash val="solid"/>
+                      <a:round/>
+                      <a:headEnd type="none" w="med" len="med"/>
+                      <a:tailEnd type="none" w="med" len="med"/>
+                    </a:lnT>
+                    <a:lnB w="12700" cap="flat" cmpd="sng" algn="ctr">
+                      <a:noFill/>
+                      <a:prstDash val="solid"/>
+                      <a:round/>
+                      <a:headEnd type="none" w="med" len="med"/>
+                      <a:tailEnd type="none" w="med" len="med"/>
+                    </a:lnB>
+                  </a:tcPr>
+                </a:tc>
+                <a:tc>
+                  <a:txBody>
+                    <a:bodyPr/>
+                    <a:lstStyle/>
+                    <a:p>
+                      <a:pPr algn="ctr"/>
+                      <a:endParaRPr lang="en-US" sz="400" dirty="0"/>
+                    </a:p>
+                  </a:txBody>
+                  <a:tcPr marL="121920" marR="121920">
+                    <a:lnL w="12700" cap="flat" cmpd="sng" algn="ctr">
+                      <a:solidFill>
+                        <a:scrgbClr r="0" g="0" b="0"/>
+                      </a:solidFill>
+                      <a:prstDash val="solid"/>
+                      <a:round/>
+                      <a:headEnd type="none" w="med" len="med"/>
+                      <a:tailEnd type="none" w="med" len="med"/>
+                    </a:lnL>
+                    <a:lnR w="12700" cap="flat" cmpd="sng" algn="ctr">
+                      <a:solidFill>
+                        <a:scrgbClr r="0" g="0" b="0"/>
+                      </a:solidFill>
+                      <a:prstDash val="solid"/>
+                      <a:round/>
+                      <a:headEnd type="none" w="med" len="med"/>
+                      <a:tailEnd type="none" w="med" len="med"/>
+                    </a:lnR>
+                    <a:lnT w="12700" cap="flat" cmpd="sng" algn="ctr">
+                      <a:noFill/>
+                      <a:prstDash val="solid"/>
+                      <a:round/>
+                      <a:headEnd type="none" w="med" len="med"/>
+                      <a:tailEnd type="none" w="med" len="med"/>
+                    </a:lnT>
+                    <a:lnB w="12700" cap="flat" cmpd="sng" algn="ctr">
+                      <a:noFill/>
+                      <a:prstDash val="solid"/>
+                      <a:round/>
+                      <a:headEnd type="none" w="med" len="med"/>
+                      <a:tailEnd type="none" w="med" len="med"/>
+                    </a:lnB>
+                  </a:tcPr>
+                </a:tc>
+                <a:tc>
+                  <a:txBody>
+                    <a:bodyPr/>
+                    <a:lstStyle/>
+                    <a:p>
+                      <a:pPr algn="ctr"/>
+                      <a:endParaRPr lang="en-US" sz="400" dirty="0"/>
+                    </a:p>
+                  </a:txBody>
+                  <a:tcPr marL="121920" marR="121920">
+                    <a:lnL w="12700" cap="flat" cmpd="sng" algn="ctr">
+                      <a:solidFill>
+                        <a:scrgbClr r="0" g="0" b="0"/>
+                      </a:solidFill>
+                      <a:prstDash val="solid"/>
+                      <a:round/>
+                      <a:headEnd type="none" w="med" len="med"/>
+                      <a:tailEnd type="none" w="med" len="med"/>
+                    </a:lnL>
+                    <a:lnR w="12700" cap="flat" cmpd="sng" algn="ctr">
+                      <a:solidFill>
+                        <a:scrgbClr r="0" g="0" b="0"/>
+                      </a:solidFill>
+                      <a:prstDash val="solid"/>
+                      <a:round/>
+                      <a:headEnd type="none" w="med" len="med"/>
+                      <a:tailEnd type="none" w="med" len="med"/>
+                    </a:lnR>
+                    <a:lnT w="12700" cap="flat" cmpd="sng" algn="ctr">
+                      <a:noFill/>
+                      <a:prstDash val="solid"/>
+                      <a:round/>
+                      <a:headEnd type="none" w="med" len="med"/>
+                      <a:tailEnd type="none" w="med" len="med"/>
+                    </a:lnT>
+                    <a:lnB w="12700" cap="flat" cmpd="sng" algn="ctr">
+                      <a:noFill/>
+                      <a:prstDash val="solid"/>
+                      <a:round/>
+                      <a:headEnd type="none" w="med" len="med"/>
+                      <a:tailEnd type="none" w="med" len="med"/>
+                    </a:lnB>
+                  </a:tcPr>
+                </a:tc>
+                <a:tc>
+                  <a:txBody>
+                    <a:bodyPr/>
+                    <a:lstStyle/>
+                    <a:p>
+                      <a:pPr algn="ctr"/>
+                      <a:endParaRPr lang="en-US" sz="400" dirty="0"/>
+                    </a:p>
+                  </a:txBody>
+                  <a:tcPr marL="121920" marR="121920">
+                    <a:lnL w="12700" cap="flat" cmpd="sng" algn="ctr">
+                      <a:solidFill>
+                        <a:scrgbClr r="0" g="0" b="0"/>
+                      </a:solidFill>
+                      <a:prstDash val="solid"/>
+                      <a:round/>
+                      <a:headEnd type="none" w="med" len="med"/>
+                      <a:tailEnd type="none" w="med" len="med"/>
+                    </a:lnL>
+                    <a:lnR w="12700" cap="flat" cmpd="sng" algn="ctr">
+                      <a:solidFill>
+                        <a:scrgbClr r="0" g="0" b="0"/>
+                      </a:solidFill>
+                      <a:prstDash val="solid"/>
+                      <a:round/>
+                      <a:headEnd type="none" w="med" len="med"/>
+                      <a:tailEnd type="none" w="med" len="med"/>
+                    </a:lnR>
+                    <a:lnT w="12700" cap="flat" cmpd="sng" algn="ctr">
+                      <a:noFill/>
+                      <a:prstDash val="solid"/>
+                      <a:round/>
+                      <a:headEnd type="none" w="med" len="med"/>
+                      <a:tailEnd type="none" w="med" len="med"/>
+                    </a:lnT>
+                    <a:lnB w="12700" cap="flat" cmpd="sng" algn="ctr">
+                      <a:noFill/>
+                      <a:prstDash val="solid"/>
+                      <a:round/>
+                      <a:headEnd type="none" w="med" len="med"/>
+                      <a:tailEnd type="none" w="med" len="med"/>
+                    </a:lnB>
+                  </a:tcPr>
+                </a:tc>
+                <a:tc>
+                  <a:txBody>
+                    <a:bodyPr/>
+                    <a:lstStyle/>
+                    <a:p>
+                      <a:pPr algn="ctr"/>
+                      <a:endParaRPr lang="en-US" sz="400" dirty="0"/>
+                    </a:p>
+                  </a:txBody>
+                  <a:tcPr marL="121920" marR="121920">
+                    <a:lnL w="12700" cap="flat" cmpd="sng" algn="ctr">
+                      <a:solidFill>
+                        <a:scrgbClr r="0" g="0" b="0"/>
+                      </a:solidFill>
+                      <a:prstDash val="solid"/>
+                      <a:round/>
+                      <a:headEnd type="none" w="med" len="med"/>
+                      <a:tailEnd type="none" w="med" len="med"/>
+                    </a:lnL>
+                    <a:lnR w="12700" cap="flat" cmpd="sng" algn="ctr">
+                      <a:solidFill>
+                        <a:scrgbClr r="0" g="0" b="0"/>
+                      </a:solidFill>
+                      <a:prstDash val="solid"/>
+                      <a:round/>
+                      <a:headEnd type="none" w="med" len="med"/>
+                      <a:tailEnd type="none" w="med" len="med"/>
+                    </a:lnR>
+                    <a:lnT w="12700" cap="flat" cmpd="sng" algn="ctr">
+                      <a:noFill/>
+                      <a:prstDash val="solid"/>
+                      <a:round/>
+                      <a:headEnd type="none" w="med" len="med"/>
+                      <a:tailEnd type="none" w="med" len="med"/>
+                    </a:lnT>
+                    <a:lnB w="12700" cap="flat" cmpd="sng" algn="ctr">
+                      <a:noFill/>
+                      <a:prstDash val="solid"/>
+                      <a:round/>
+                      <a:headEnd type="none" w="med" len="med"/>
+                      <a:tailEnd type="none" w="med" len="med"/>
+                    </a:lnB>
+                  </a:tcPr>
+                </a:tc>
+                <a:tc>
+                  <a:txBody>
+                    <a:bodyPr/>
+                    <a:lstStyle/>
+                    <a:p>
+                      <a:pPr algn="ctr"/>
+                      <a:endParaRPr lang="en-US" sz="400" dirty="0"/>
+                    </a:p>
+                  </a:txBody>
+                  <a:tcPr marL="121920" marR="121920">
+                    <a:lnL w="12700" cap="flat" cmpd="sng" algn="ctr">
+                      <a:solidFill>
+                        <a:scrgbClr r="0" g="0" b="0"/>
+                      </a:solidFill>
+                      <a:prstDash val="solid"/>
+                      <a:round/>
+                      <a:headEnd type="none" w="med" len="med"/>
+                      <a:tailEnd type="none" w="med" len="med"/>
+                    </a:lnL>
+                    <a:lnR w="12700" cap="flat" cmpd="sng" algn="ctr">
+                      <a:solidFill>
+                        <a:scrgbClr r="0" g="0" b="0"/>
+                      </a:solidFill>
+                      <a:prstDash val="solid"/>
+                      <a:round/>
+                      <a:headEnd type="none" w="med" len="med"/>
+                      <a:tailEnd type="none" w="med" len="med"/>
+                    </a:lnR>
+                    <a:lnT w="12700" cap="flat" cmpd="sng" algn="ctr">
+                      <a:noFill/>
+                      <a:prstDash val="solid"/>
+                      <a:round/>
+                      <a:headEnd type="none" w="med" len="med"/>
+                      <a:tailEnd type="none" w="med" len="med"/>
+                    </a:lnT>
+                    <a:lnB w="12700" cap="flat" cmpd="sng" algn="ctr">
+                      <a:noFill/>
+                      <a:prstDash val="solid"/>
+                      <a:round/>
+                      <a:headEnd type="none" w="med" len="med"/>
+                      <a:tailEnd type="none" w="med" len="med"/>
+                    </a:lnB>
+                  </a:tcPr>
+                </a:tc>
+                <a:tc>
+                  <a:txBody>
+                    <a:bodyPr/>
+                    <a:lstStyle/>
+                    <a:p>
+                      <a:pPr algn="ctr"/>
+                      <a:endParaRPr lang="en-US" sz="400" dirty="0"/>
+                    </a:p>
+                  </a:txBody>
+                  <a:tcPr marL="121920" marR="121920">
+                    <a:lnL w="12700" cap="flat" cmpd="sng" algn="ctr">
+                      <a:solidFill>
+                        <a:scrgbClr r="0" g="0" b="0"/>
+                      </a:solidFill>
+                      <a:prstDash val="solid"/>
+                      <a:round/>
+                      <a:headEnd type="none" w="med" len="med"/>
+                      <a:tailEnd type="none" w="med" len="med"/>
+                    </a:lnL>
+                    <a:lnR w="12700" cap="flat" cmpd="sng" algn="ctr">
+                      <a:solidFill>
+                        <a:scrgbClr r="0" g="0" b="0"/>
+                      </a:solidFill>
+                      <a:prstDash val="solid"/>
+                      <a:round/>
+                      <a:headEnd type="none" w="med" len="med"/>
+                      <a:tailEnd type="none" w="med" len="med"/>
+                    </a:lnR>
+                    <a:lnT w="12700" cap="flat" cmpd="sng" algn="ctr">
+                      <a:noFill/>
+                      <a:prstDash val="solid"/>
+                      <a:round/>
+                      <a:headEnd type="none" w="med" len="med"/>
+                      <a:tailEnd type="none" w="med" len="med"/>
+                    </a:lnT>
+                    <a:lnB w="12700" cap="flat" cmpd="sng" algn="ctr">
+                      <a:noFill/>
+                      <a:prstDash val="solid"/>
+                      <a:round/>
+                      <a:headEnd type="none" w="med" len="med"/>
+                      <a:tailEnd type="none" w="med" len="med"/>
+                    </a:lnB>
+                  </a:tcPr>
+                </a:tc>
+                <a:tc>
+                  <a:txBody>
+                    <a:bodyPr/>
+                    <a:lstStyle/>
+                    <a:p>
+                      <a:pPr algn="ctr"/>
+                      <a:endParaRPr lang="en-US" sz="400" dirty="0"/>
+                    </a:p>
+                  </a:txBody>
+                  <a:tcPr marL="121920" marR="121920">
+                    <a:lnL w="12700" cap="flat" cmpd="sng" algn="ctr">
+                      <a:solidFill>
+                        <a:scrgbClr r="0" g="0" b="0"/>
+                      </a:solidFill>
+                      <a:prstDash val="solid"/>
+                      <a:round/>
+                      <a:headEnd type="none" w="med" len="med"/>
+                      <a:tailEnd type="none" w="med" len="med"/>
+                    </a:lnL>
+                    <a:lnR w="12700" cap="flat" cmpd="sng" algn="ctr">
+                      <a:solidFill>
+                        <a:scrgbClr r="0" g="0" b="0"/>
+                      </a:solidFill>
+                      <a:prstDash val="solid"/>
+                      <a:round/>
+                      <a:headEnd type="none" w="med" len="med"/>
+                      <a:tailEnd type="none" w="med" len="med"/>
+                    </a:lnR>
+                    <a:lnT w="12700" cap="flat" cmpd="sng" algn="ctr">
+                      <a:noFill/>
+                      <a:prstDash val="solid"/>
+                      <a:round/>
+                      <a:headEnd type="none" w="med" len="med"/>
+                      <a:tailEnd type="none" w="med" len="med"/>
+                    </a:lnT>
+                    <a:lnB w="12700" cap="flat" cmpd="sng" algn="ctr">
+                      <a:noFill/>
+                      <a:prstDash val="solid"/>
+                      <a:round/>
+                      <a:headEnd type="none" w="med" len="med"/>
+                      <a:tailEnd type="none" w="med" len="med"/>
+                    </a:lnB>
+                  </a:tcPr>
+                </a:tc>
+                <a:tc>
+                  <a:txBody>
+                    <a:bodyPr/>
+                    <a:lstStyle/>
+                    <a:p>
+                      <a:pPr algn="ctr"/>
+                      <a:endParaRPr lang="en-US" sz="400" dirty="0"/>
+                    </a:p>
+                  </a:txBody>
+                  <a:tcPr marL="121920" marR="121920">
+                    <a:lnL w="12700" cap="flat" cmpd="sng" algn="ctr">
+                      <a:solidFill>
+                        <a:scrgbClr r="0" g="0" b="0"/>
+                      </a:solidFill>
+                      <a:prstDash val="solid"/>
+                      <a:round/>
+                      <a:headEnd type="none" w="med" len="med"/>
+                      <a:tailEnd type="none" w="med" len="med"/>
+                    </a:lnL>
+                    <a:lnR w="12700" cap="flat" cmpd="sng" algn="ctr">
+                      <a:solidFill>
+                        <a:scrgbClr r="0" g="0" b="0"/>
+                      </a:solidFill>
+                      <a:prstDash val="solid"/>
+                      <a:round/>
+                      <a:headEnd type="none" w="med" len="med"/>
+                      <a:tailEnd type="none" w="med" len="med"/>
+                    </a:lnR>
+                    <a:lnT w="12700" cap="flat" cmpd="sng" algn="ctr">
+                      <a:noFill/>
+                      <a:prstDash val="solid"/>
+                      <a:round/>
+                      <a:headEnd type="none" w="med" len="med"/>
+                      <a:tailEnd type="none" w="med" len="med"/>
+                    </a:lnT>
+                    <a:lnB w="12700" cap="flat" cmpd="sng" algn="ctr">
+                      <a:noFill/>
+                      <a:prstDash val="solid"/>
+                      <a:round/>
+                      <a:headEnd type="none" w="med" len="med"/>
+                      <a:tailEnd type="none" w="med" len="med"/>
+                    </a:lnB>
+                  </a:tcPr>
+                </a:tc>
+                <a:tc>
+                  <a:txBody>
+                    <a:bodyPr/>
+                    <a:lstStyle/>
+                    <a:p>
+                      <a:pPr algn="ctr"/>
+                      <a:endParaRPr lang="en-US" sz="400" dirty="0"/>
+                    </a:p>
+                  </a:txBody>
+                  <a:tcPr marL="121920" marR="121920">
+                    <a:lnL w="12700" cap="flat" cmpd="sng" algn="ctr">
+                      <a:solidFill>
+                        <a:scrgbClr r="0" g="0" b="0"/>
+                      </a:solidFill>
+                      <a:prstDash val="solid"/>
+                      <a:round/>
+                      <a:headEnd type="none" w="med" len="med"/>
+                      <a:tailEnd type="none" w="med" len="med"/>
+                    </a:lnL>
+                    <a:lnR w="12700" cap="flat" cmpd="sng" algn="ctr">
+                      <a:solidFill>
+                        <a:scrgbClr r="0" g="0" b="0"/>
+                      </a:solidFill>
+                      <a:prstDash val="solid"/>
+                      <a:round/>
+                      <a:headEnd type="none" w="med" len="med"/>
+                      <a:tailEnd type="none" w="med" len="med"/>
+                    </a:lnR>
+                    <a:lnT w="12700" cap="flat" cmpd="sng" algn="ctr">
+                      <a:noFill/>
+                      <a:prstDash val="solid"/>
+                      <a:round/>
+                      <a:headEnd type="none" w="med" len="med"/>
+                      <a:tailEnd type="none" w="med" len="med"/>
+                    </a:lnT>
+                    <a:lnB w="12700" cap="flat" cmpd="sng" algn="ctr">
+                      <a:noFill/>
+                      <a:prstDash val="solid"/>
+                      <a:round/>
+                      <a:headEnd type="none" w="med" len="med"/>
+                      <a:tailEnd type="none" w="med" len="med"/>
+                    </a:lnB>
+                  </a:tcPr>
+                </a:tc>
+                <a:tc>
+                  <a:txBody>
+                    <a:bodyPr/>
+                    <a:lstStyle/>
+                    <a:p>
+                      <a:pPr algn="ctr"/>
+                      <a:endParaRPr lang="en-US" sz="400" dirty="0"/>
+                    </a:p>
+                  </a:txBody>
+                  <a:tcPr marL="121920" marR="121920">
+                    <a:lnL w="12700" cap="flat" cmpd="sng" algn="ctr">
+                      <a:solidFill>
+                        <a:scrgbClr r="0" g="0" b="0"/>
+                      </a:solidFill>
+                      <a:prstDash val="solid"/>
+                      <a:round/>
+                      <a:headEnd type="none" w="med" len="med"/>
+                      <a:tailEnd type="none" w="med" len="med"/>
+                    </a:lnL>
+                    <a:lnR w="12700" cap="flat" cmpd="sng" algn="ctr">
+                      <a:solidFill>
+                        <a:scrgbClr r="0" g="0" b="0"/>
+                      </a:solidFill>
+                      <a:prstDash val="solid"/>
+                      <a:round/>
+                      <a:headEnd type="none" w="med" len="med"/>
+                      <a:tailEnd type="none" w="med" len="med"/>
+                    </a:lnR>
+                    <a:lnT w="12700" cap="flat" cmpd="sng" algn="ctr">
+                      <a:noFill/>
+                      <a:prstDash val="solid"/>
+                      <a:round/>
+                      <a:headEnd type="none" w="med" len="med"/>
+                      <a:tailEnd type="none" w="med" len="med"/>
+                    </a:lnT>
+                    <a:lnB w="12700" cap="flat" cmpd="sng" algn="ctr">
+                      <a:noFill/>
+                      <a:prstDash val="solid"/>
+                      <a:round/>
+                      <a:headEnd type="none" w="med" len="med"/>
+                      <a:tailEnd type="none" w="med" len="med"/>
+                    </a:lnB>
+                  </a:tcPr>
+                </a:tc>
+                <a:tc>
+                  <a:txBody>
+                    <a:bodyPr/>
+                    <a:lstStyle/>
+                    <a:p>
+                      <a:pPr algn="ctr"/>
+                      <a:endParaRPr lang="en-US" sz="400" dirty="0"/>
+                    </a:p>
+                  </a:txBody>
+                  <a:tcPr marL="121920" marR="121920">
+                    <a:lnL w="12700" cap="flat" cmpd="sng" algn="ctr">
+                      <a:solidFill>
+                        <a:scrgbClr r="0" g="0" b="0"/>
+                      </a:solidFill>
+                      <a:prstDash val="solid"/>
+                      <a:round/>
+                      <a:headEnd type="none" w="med" len="med"/>
+                      <a:tailEnd type="none" w="med" len="med"/>
+                    </a:lnL>
+                    <a:lnR w="12700" cap="flat" cmpd="sng" algn="ctr">
+                      <a:solidFill>
+                        <a:scrgbClr r="0" g="0" b="0"/>
+                      </a:solidFill>
+                      <a:prstDash val="solid"/>
+                      <a:round/>
+                      <a:headEnd type="none" w="med" len="med"/>
+                      <a:tailEnd type="none" w="med" len="med"/>
+                    </a:lnR>
+                    <a:lnT w="12700" cap="flat" cmpd="sng" algn="ctr">
+                      <a:noFill/>
+                      <a:prstDash val="solid"/>
+                      <a:round/>
+                      <a:headEnd type="none" w="med" len="med"/>
+                      <a:tailEnd type="none" w="med" len="med"/>
+                    </a:lnT>
+                    <a:lnB w="12700" cap="flat" cmpd="sng" algn="ctr">
+                      <a:noFill/>
+                      <a:prstDash val="solid"/>
+                      <a:round/>
+                      <a:headEnd type="none" w="med" len="med"/>
+                      <a:tailEnd type="none" w="med" len="med"/>
+                    </a:lnB>
+                  </a:tcPr>
+                </a:tc>
+                <a:tc>
+                  <a:txBody>
+                    <a:bodyPr/>
+                    <a:lstStyle/>
+                    <a:p>
+                      <a:pPr algn="ctr"/>
+                      <a:endParaRPr lang="en-US" sz="400" dirty="0"/>
+                    </a:p>
+                  </a:txBody>
+                  <a:tcPr marL="121920" marR="121920">
+                    <a:lnL w="12700" cap="flat" cmpd="sng" algn="ctr">
+                      <a:solidFill>
+                        <a:scrgbClr r="0" g="0" b="0"/>
+                      </a:solidFill>
+                      <a:prstDash val="solid"/>
+                      <a:round/>
+                      <a:headEnd type="none" w="med" len="med"/>
+                      <a:tailEnd type="none" w="med" len="med"/>
+                    </a:lnL>
+                    <a:lnR w="12700" cap="flat" cmpd="sng" algn="ctr">
+                      <a:solidFill>
+                        <a:scrgbClr r="0" g="0" b="0"/>
+                      </a:solidFill>
+                      <a:prstDash val="solid"/>
+                      <a:round/>
+                      <a:headEnd type="none" w="med" len="med"/>
+                      <a:tailEnd type="none" w="med" len="med"/>
+                    </a:lnR>
+                    <a:lnT w="12700" cap="flat" cmpd="sng" algn="ctr">
+                      <a:noFill/>
+                      <a:prstDash val="solid"/>
+                      <a:round/>
+                      <a:headEnd type="none" w="med" len="med"/>
+                      <a:tailEnd type="none" w="med" len="med"/>
+                    </a:lnT>
+                    <a:lnB w="12700" cap="flat" cmpd="sng" algn="ctr">
+                      <a:noFill/>
+                      <a:prstDash val="solid"/>
+                      <a:round/>
+                      <a:headEnd type="none" w="med" len="med"/>
+                      <a:tailEnd type="none" w="med" len="med"/>
+                    </a:lnB>
+                  </a:tcPr>
+                </a:tc>
+                <a:tc>
+                  <a:txBody>
+                    <a:bodyPr/>
+                    <a:lstStyle/>
+                    <a:p>
+                      <a:pPr algn="ctr"/>
+                      <a:endParaRPr lang="en-US" sz="400" dirty="0"/>
+                    </a:p>
+                  </a:txBody>
+                  <a:tcPr marL="121920" marR="121920">
+                    <a:lnL w="12700" cap="flat" cmpd="sng" algn="ctr">
+                      <a:solidFill>
+                        <a:scrgbClr r="0" g="0" b="0"/>
+                      </a:solidFill>
+                      <a:prstDash val="solid"/>
+                      <a:round/>
+                      <a:headEnd type="none" w="med" len="med"/>
+                      <a:tailEnd type="none" w="med" len="med"/>
+                    </a:lnL>
+                    <a:lnR w="12700" cap="flat" cmpd="sng" algn="ctr">
+                      <a:noFill/>
+                      <a:prstDash val="solid"/>
+                      <a:round/>
+                      <a:headEnd type="none" w="med" len="med"/>
+                      <a:tailEnd type="none" w="med" len="med"/>
+                    </a:lnR>
+                    <a:lnT w="12700" cap="flat" cmpd="sng" algn="ctr">
+                      <a:noFill/>
+                      <a:prstDash val="solid"/>
+                      <a:round/>
+                      <a:headEnd type="none" w="med" len="med"/>
+                      <a:tailEnd type="none" w="med" len="med"/>
+                    </a:lnT>
+                    <a:lnB w="12700" cap="flat" cmpd="sng" algn="ctr">
+                      <a:noFill/>
+                      <a:prstDash val="solid"/>
+                      <a:round/>
+                      <a:headEnd type="none" w="med" len="med"/>
+                      <a:tailEnd type="none" w="med" len="med"/>
+                    </a:lnB>
+                  </a:tcPr>
+                </a:tc>
+                <a:extLst>
+                  <a:ext uri="{0D108BD9-81ED-4DB2-BD59-A6C34878D82A}">
+                    <a16:rowId xmlns:a16="http://schemas.microsoft.com/office/drawing/2014/main" val="10001"/>
+                  </a:ext>
+                </a:extLst>
+              </a:tr>
+              <a:tr h="640080">
+                <a:tc>
+                  <a:txBody>
+                    <a:bodyPr/>
+                    <a:lstStyle/>
+                    <a:p>
+                      <a:pPr algn="ctr"/>
+                      <a:r>
+                        <a:rPr lang="en-US" sz="1900" dirty="0"/>
+                        <a:t>1-based</a:t>
+                      </a:r>
+                    </a:p>
+                  </a:txBody>
+                  <a:tcPr marL="121920" marR="121920">
+                    <a:lnL w="12700" cap="flat" cmpd="sng" algn="ctr">
+                      <a:noFill/>
+                      <a:prstDash val="solid"/>
+                      <a:round/>
+                      <a:headEnd type="none" w="med" len="med"/>
+                      <a:tailEnd type="none" w="med" len="med"/>
+                    </a:lnL>
+                    <a:lnR w="12700" cap="flat" cmpd="sng" algn="ctr">
+                      <a:noFill/>
+                      <a:prstDash val="solid"/>
+                      <a:round/>
+                      <a:headEnd type="none" w="med" len="med"/>
+                      <a:tailEnd type="none" w="med" len="med"/>
+                    </a:lnR>
+                    <a:lnT w="12700" cap="flat" cmpd="sng" algn="ctr">
+                      <a:noFill/>
+                      <a:prstDash val="solid"/>
+                      <a:round/>
+                      <a:headEnd type="none" w="med" len="med"/>
+                      <a:tailEnd type="none" w="med" len="med"/>
+                    </a:lnT>
+                    <a:lnB w="12700" cap="flat" cmpd="sng" algn="ctr">
+                      <a:noFill/>
+                      <a:prstDash val="solid"/>
+                      <a:round/>
+                      <a:headEnd type="none" w="med" len="med"/>
+                      <a:tailEnd type="none" w="med" len="med"/>
+                    </a:lnB>
+                  </a:tcPr>
+                </a:tc>
+                <a:tc>
+                  <a:txBody>
+                    <a:bodyPr/>
+                    <a:lstStyle/>
+                    <a:p>
+                      <a:pPr algn="ctr"/>
+                      <a:endParaRPr lang="en-US" sz="1900" dirty="0"/>
+                    </a:p>
+                  </a:txBody>
+                  <a:tcPr marL="121920" marR="121920">
+                    <a:lnL w="12700" cap="flat" cmpd="sng" algn="ctr">
+                      <a:noFill/>
+                      <a:prstDash val="solid"/>
+                      <a:round/>
+                      <a:headEnd type="none" w="med" len="med"/>
+                      <a:tailEnd type="none" w="med" len="med"/>
+                    </a:lnL>
+                    <a:lnR w="12700" cap="flat" cmpd="sng" algn="ctr">
+                      <a:solidFill>
+                        <a:scrgbClr r="0" g="0" b="0"/>
+                      </a:solidFill>
+                      <a:prstDash val="solid"/>
+                      <a:round/>
+                      <a:headEnd type="none" w="med" len="med"/>
+                      <a:tailEnd type="none" w="med" len="med"/>
+                    </a:lnR>
+                    <a:lnT w="12700" cap="flat" cmpd="sng" algn="ctr">
+                      <a:noFill/>
+                      <a:prstDash val="solid"/>
+                      <a:round/>
+                      <a:headEnd type="none" w="med" len="med"/>
+                      <a:tailEnd type="none" w="med" len="med"/>
+                    </a:lnT>
+                    <a:lnB w="12700" cap="flat" cmpd="sng" algn="ctr">
+                      <a:noFill/>
+                      <a:prstDash val="solid"/>
+                      <a:round/>
+                      <a:headEnd type="none" w="med" len="med"/>
+                      <a:tailEnd type="none" w="med" len="med"/>
+                    </a:lnB>
+                  </a:tcPr>
+                </a:tc>
+                <a:tc gridSpan="2">
+                  <a:txBody>
+                    <a:bodyPr/>
+                    <a:lstStyle/>
+                    <a:p>
+                      <a:pPr algn="ctr"/>
+                      <a:r>
+                        <a:rPr lang="en-US" sz="1900" dirty="0"/>
+                        <a:t>1</a:t>
+                      </a:r>
+                    </a:p>
+                  </a:txBody>
+                  <a:tcPr marL="121920" marR="121920">
+                    <a:lnL w="12700" cap="flat" cmpd="sng" algn="ctr">
+                      <a:solidFill>
+                        <a:scrgbClr r="0" g="0" b="0"/>
+                      </a:solidFill>
+                      <a:prstDash val="solid"/>
+                      <a:round/>
+                      <a:headEnd type="none" w="med" len="med"/>
+                      <a:tailEnd type="none" w="med" len="med"/>
+                    </a:lnL>
+                    <a:lnR w="12700" cap="flat" cmpd="sng" algn="ctr">
+                      <a:solidFill>
+                        <a:scrgbClr r="0" g="0" b="0"/>
+                      </a:solidFill>
+                      <a:prstDash val="solid"/>
+                      <a:round/>
+                      <a:headEnd type="none" w="med" len="med"/>
+                      <a:tailEnd type="none" w="med" len="med"/>
+                    </a:lnR>
+                    <a:lnT w="12700" cap="flat" cmpd="sng" algn="ctr">
+                      <a:noFill/>
+                      <a:prstDash val="solid"/>
+                      <a:round/>
+                      <a:headEnd type="none" w="med" len="med"/>
+                      <a:tailEnd type="none" w="med" len="med"/>
+                    </a:lnT>
+                    <a:lnB w="12700" cap="flat" cmpd="sng" algn="ctr">
+                      <a:noFill/>
+                      <a:prstDash val="solid"/>
+                      <a:round/>
+                      <a:headEnd type="none" w="med" len="med"/>
+                      <a:tailEnd type="none" w="med" len="med"/>
+                    </a:lnB>
+                  </a:tcPr>
+                </a:tc>
+                <a:tc hMerge="1">
+                  <a:txBody>
+                    <a:bodyPr/>
+                    <a:lstStyle/>
+                    <a:p>
+                      <a:endParaRPr lang="en-US"/>
+                    </a:p>
+                  </a:txBody>
+                  <a:tcPr/>
+                </a:tc>
+                <a:tc gridSpan="2">
+                  <a:txBody>
+                    <a:bodyPr/>
+                    <a:lstStyle/>
+                    <a:p>
+                      <a:pPr algn="ctr"/>
+                      <a:r>
+                        <a:rPr lang="en-US" sz="1900" dirty="0"/>
+                        <a:t>2</a:t>
+                      </a:r>
+                    </a:p>
+                  </a:txBody>
+                  <a:tcPr marL="121920" marR="121920">
+                    <a:lnL w="12700" cap="flat" cmpd="sng" algn="ctr">
+                      <a:solidFill>
+                        <a:scrgbClr r="0" g="0" b="0"/>
+                      </a:solidFill>
+                      <a:prstDash val="solid"/>
+                      <a:round/>
+                      <a:headEnd type="none" w="med" len="med"/>
+                      <a:tailEnd type="none" w="med" len="med"/>
+                    </a:lnL>
+                    <a:lnR w="12700" cap="flat" cmpd="sng" algn="ctr">
+                      <a:solidFill>
+                        <a:scrgbClr r="0" g="0" b="0"/>
+                      </a:solidFill>
+                      <a:prstDash val="solid"/>
+                      <a:round/>
+                      <a:headEnd type="none" w="med" len="med"/>
+                      <a:tailEnd type="none" w="med" len="med"/>
+                    </a:lnR>
+                    <a:lnT w="12700" cap="flat" cmpd="sng" algn="ctr">
+                      <a:noFill/>
+                      <a:prstDash val="solid"/>
+                      <a:round/>
+                      <a:headEnd type="none" w="med" len="med"/>
+                      <a:tailEnd type="none" w="med" len="med"/>
+                    </a:lnT>
+                  </a:tcPr>
+                </a:tc>
+                <a:tc hMerge="1">
+                  <a:txBody>
+                    <a:bodyPr/>
+                    <a:lstStyle/>
+                    <a:p>
+                      <a:endParaRPr lang="en-US"/>
+                    </a:p>
+                  </a:txBody>
+                  <a:tcPr/>
+                </a:tc>
+                <a:tc gridSpan="2">
+                  <a:txBody>
+                    <a:bodyPr/>
+                    <a:lstStyle/>
+                    <a:p>
+                      <a:pPr algn="ctr"/>
+                      <a:r>
+                        <a:rPr lang="en-US" sz="1900" dirty="0"/>
+                        <a:t>3</a:t>
+                      </a:r>
+                    </a:p>
+                  </a:txBody>
+                  <a:tcPr marL="121920" marR="121920">
+                    <a:lnL w="12700" cap="flat" cmpd="sng" algn="ctr">
+                      <a:solidFill>
+                        <a:scrgbClr r="0" g="0" b="0"/>
+                      </a:solidFill>
+                      <a:prstDash val="solid"/>
+                      <a:round/>
+                      <a:headEnd type="none" w="med" len="med"/>
+                      <a:tailEnd type="none" w="med" len="med"/>
+                    </a:lnL>
+                    <a:lnR w="12700" cap="flat" cmpd="sng" algn="ctr">
+                      <a:solidFill>
+                        <a:scrgbClr r="0" g="0" b="0"/>
+                      </a:solidFill>
+                      <a:prstDash val="solid"/>
+                      <a:round/>
+                      <a:headEnd type="none" w="med" len="med"/>
+                      <a:tailEnd type="none" w="med" len="med"/>
+                    </a:lnR>
+                    <a:lnT w="12700" cap="flat" cmpd="sng" algn="ctr">
+                      <a:noFill/>
+                      <a:prstDash val="solid"/>
+                      <a:round/>
+                      <a:headEnd type="none" w="med" len="med"/>
+                      <a:tailEnd type="none" w="med" len="med"/>
+                    </a:lnT>
+                  </a:tcPr>
+                </a:tc>
+                <a:tc hMerge="1">
+                  <a:txBody>
+                    <a:bodyPr/>
+                    <a:lstStyle/>
+                    <a:p>
+                      <a:endParaRPr lang="en-US"/>
+                    </a:p>
+                  </a:txBody>
+                  <a:tcPr/>
+                </a:tc>
+                <a:tc gridSpan="2">
+                  <a:txBody>
+                    <a:bodyPr/>
+                    <a:lstStyle/>
+                    <a:p>
+                      <a:pPr algn="ctr"/>
+                      <a:r>
+                        <a:rPr lang="en-US" sz="1900" dirty="0"/>
+                        <a:t>4</a:t>
+                      </a:r>
+                    </a:p>
+                  </a:txBody>
+                  <a:tcPr marL="121920" marR="121920">
+                    <a:lnL w="12700" cap="flat" cmpd="sng" algn="ctr">
+                      <a:solidFill>
+                        <a:scrgbClr r="0" g="0" b="0"/>
+                      </a:solidFill>
+                      <a:prstDash val="solid"/>
+                      <a:round/>
+                      <a:headEnd type="none" w="med" len="med"/>
+                      <a:tailEnd type="none" w="med" len="med"/>
+                    </a:lnL>
+                    <a:lnR w="12700" cap="flat" cmpd="sng" algn="ctr">
+                      <a:solidFill>
+                        <a:scrgbClr r="0" g="0" b="0"/>
+                      </a:solidFill>
+                      <a:prstDash val="solid"/>
+                      <a:round/>
+                      <a:headEnd type="none" w="med" len="med"/>
+                      <a:tailEnd type="none" w="med" len="med"/>
+                    </a:lnR>
+                    <a:lnT w="12700" cap="flat" cmpd="sng" algn="ctr">
+                      <a:noFill/>
+                      <a:prstDash val="solid"/>
+                      <a:round/>
+                      <a:headEnd type="none" w="med" len="med"/>
+                      <a:tailEnd type="none" w="med" len="med"/>
+                    </a:lnT>
+                  </a:tcPr>
+                </a:tc>
+                <a:tc hMerge="1">
+                  <a:txBody>
+                    <a:bodyPr/>
+                    <a:lstStyle/>
+                    <a:p>
+                      <a:endParaRPr lang="en-US"/>
+                    </a:p>
+                  </a:txBody>
+                  <a:tcPr/>
+                </a:tc>
+                <a:tc gridSpan="2">
+                  <a:txBody>
+                    <a:bodyPr/>
+                    <a:lstStyle/>
+                    <a:p>
+                      <a:pPr algn="ctr"/>
+                      <a:r>
+                        <a:rPr lang="en-US" sz="1900" dirty="0"/>
+                        <a:t>5</a:t>
+                      </a:r>
+                    </a:p>
+                  </a:txBody>
+                  <a:tcPr marL="121920" marR="121920">
+                    <a:lnL w="12700" cap="flat" cmpd="sng" algn="ctr">
+                      <a:solidFill>
+                        <a:scrgbClr r="0" g="0" b="0"/>
+                      </a:solidFill>
+                      <a:prstDash val="solid"/>
+                      <a:round/>
+                      <a:headEnd type="none" w="med" len="med"/>
+                      <a:tailEnd type="none" w="med" len="med"/>
+                    </a:lnL>
+                    <a:lnR w="12700" cap="flat" cmpd="sng" algn="ctr">
+                      <a:solidFill>
+                        <a:scrgbClr r="0" g="0" b="0"/>
+                      </a:solidFill>
+                      <a:prstDash val="solid"/>
+                      <a:round/>
+                      <a:headEnd type="none" w="med" len="med"/>
+                      <a:tailEnd type="none" w="med" len="med"/>
+                    </a:lnR>
+                    <a:lnT w="12700" cap="flat" cmpd="sng" algn="ctr">
+                      <a:noFill/>
+                      <a:prstDash val="solid"/>
+                      <a:round/>
+                      <a:headEnd type="none" w="med" len="med"/>
+                      <a:tailEnd type="none" w="med" len="med"/>
+                    </a:lnT>
+                  </a:tcPr>
+                </a:tc>
+                <a:tc hMerge="1">
+                  <a:txBody>
+                    <a:bodyPr/>
+                    <a:lstStyle/>
+                    <a:p>
+                      <a:endParaRPr lang="en-US"/>
+                    </a:p>
+                  </a:txBody>
+                  <a:tcPr/>
+                </a:tc>
+                <a:tc gridSpan="2">
+                  <a:txBody>
+                    <a:bodyPr/>
+                    <a:lstStyle/>
+                    <a:p>
+                      <a:pPr algn="ctr"/>
+                      <a:r>
+                        <a:rPr lang="en-US" sz="1900" dirty="0"/>
+                        <a:t>6</a:t>
+                      </a:r>
+                    </a:p>
+                  </a:txBody>
+                  <a:tcPr marL="121920" marR="121920">
+                    <a:lnL w="12700" cap="flat" cmpd="sng" algn="ctr">
+                      <a:solidFill>
+                        <a:scrgbClr r="0" g="0" b="0"/>
+                      </a:solidFill>
+                      <a:prstDash val="solid"/>
+                      <a:round/>
+                      <a:headEnd type="none" w="med" len="med"/>
+                      <a:tailEnd type="none" w="med" len="med"/>
+                    </a:lnL>
+                    <a:lnR w="12700" cap="flat" cmpd="sng" algn="ctr">
+                      <a:solidFill>
+                        <a:scrgbClr r="0" g="0" b="0"/>
+                      </a:solidFill>
+                      <a:prstDash val="solid"/>
+                      <a:round/>
+                      <a:headEnd type="none" w="med" len="med"/>
+                      <a:tailEnd type="none" w="med" len="med"/>
+                    </a:lnR>
+                    <a:lnT w="12700" cap="flat" cmpd="sng" algn="ctr">
+                      <a:noFill/>
+                      <a:prstDash val="solid"/>
+                      <a:round/>
+                      <a:headEnd type="none" w="med" len="med"/>
+                      <a:tailEnd type="none" w="med" len="med"/>
+                    </a:lnT>
+                  </a:tcPr>
+                </a:tc>
+                <a:tc hMerge="1">
+                  <a:txBody>
+                    <a:bodyPr/>
+                    <a:lstStyle/>
+                    <a:p>
+                      <a:endParaRPr lang="en-US"/>
+                    </a:p>
+                  </a:txBody>
+                  <a:tcPr/>
+                </a:tc>
+                <a:tc gridSpan="2">
+                  <a:txBody>
+                    <a:bodyPr/>
+                    <a:lstStyle/>
+                    <a:p>
+                      <a:pPr algn="ctr"/>
+                      <a:r>
+                        <a:rPr lang="en-US" sz="1900" dirty="0"/>
+                        <a:t>7</a:t>
+                      </a:r>
+                    </a:p>
+                  </a:txBody>
+                  <a:tcPr marL="121920" marR="121920">
+                    <a:lnL w="12700" cap="flat" cmpd="sng" algn="ctr">
+                      <a:solidFill>
+                        <a:scrgbClr r="0" g="0" b="0"/>
+                      </a:solidFill>
+                      <a:prstDash val="solid"/>
+                      <a:round/>
+                      <a:headEnd type="none" w="med" len="med"/>
+                      <a:tailEnd type="none" w="med" len="med"/>
+                    </a:lnL>
+                    <a:lnR w="12700" cap="flat" cmpd="sng" algn="ctr">
+                      <a:solidFill>
+                        <a:scrgbClr r="0" g="0" b="0"/>
+                      </a:solidFill>
+                      <a:prstDash val="solid"/>
+                      <a:round/>
+                      <a:headEnd type="none" w="med" len="med"/>
+                      <a:tailEnd type="none" w="med" len="med"/>
+                    </a:lnR>
+                    <a:lnT w="12700" cap="flat" cmpd="sng" algn="ctr">
+                      <a:noFill/>
+                      <a:prstDash val="solid"/>
+                      <a:round/>
+                      <a:headEnd type="none" w="med" len="med"/>
+                      <a:tailEnd type="none" w="med" len="med"/>
+                    </a:lnT>
+                  </a:tcPr>
+                </a:tc>
+                <a:tc hMerge="1">
+                  <a:txBody>
+                    <a:bodyPr/>
+                    <a:lstStyle/>
+                    <a:p>
+                      <a:endParaRPr lang="en-US"/>
+                    </a:p>
+                  </a:txBody>
+                  <a:tcPr/>
+                </a:tc>
+                <a:tc>
+                  <a:txBody>
+                    <a:bodyPr/>
+                    <a:lstStyle/>
+                    <a:p>
+                      <a:pPr algn="ctr"/>
+                      <a:endParaRPr lang="en-US" sz="1900" dirty="0"/>
+                    </a:p>
+                  </a:txBody>
+                  <a:tcPr marL="121920" marR="121920">
+                    <a:lnL w="12700" cap="flat" cmpd="sng" algn="ctr">
+                      <a:solidFill>
+                        <a:scrgbClr r="0" g="0" b="0"/>
+                      </a:solidFill>
+                      <a:prstDash val="solid"/>
+                      <a:round/>
+                      <a:headEnd type="none" w="med" len="med"/>
+                      <a:tailEnd type="none" w="med" len="med"/>
+                    </a:lnL>
+                    <a:lnR w="12700" cap="flat" cmpd="sng" algn="ctr">
+                      <a:noFill/>
+                      <a:prstDash val="solid"/>
+                      <a:round/>
+                      <a:headEnd type="none" w="med" len="med"/>
+                      <a:tailEnd type="none" w="med" len="med"/>
+                    </a:lnR>
+                    <a:lnT w="12700" cap="flat" cmpd="sng" algn="ctr">
+                      <a:noFill/>
+                      <a:prstDash val="solid"/>
+                      <a:round/>
+                      <a:headEnd type="none" w="med" len="med"/>
+                      <a:tailEnd type="none" w="med" len="med"/>
+                    </a:lnT>
+                    <a:lnB>
+                      <a:noFill/>
+                    </a:lnB>
+                  </a:tcPr>
+                </a:tc>
+                <a:extLst>
+                  <a:ext uri="{0D108BD9-81ED-4DB2-BD59-A6C34878D82A}">
+                    <a16:rowId xmlns:a16="http://schemas.microsoft.com/office/drawing/2014/main" val="10002"/>
+                  </a:ext>
+                </a:extLst>
+              </a:tr>
+              <a:tr h="640080">
+                <a:tc>
+                  <a:txBody>
+                    <a:bodyPr/>
+                    <a:lstStyle/>
+                    <a:p>
+                      <a:pPr algn="ctr"/>
+                      <a:r>
+                        <a:rPr lang="en-US" sz="1900" dirty="0"/>
+                        <a:t>0-based</a:t>
+                      </a:r>
+                    </a:p>
+                  </a:txBody>
+                  <a:tcPr marL="121920" marR="121920">
+                    <a:lnL w="12700" cap="flat" cmpd="sng" algn="ctr">
+                      <a:noFill/>
+                      <a:prstDash val="solid"/>
+                      <a:round/>
+                      <a:headEnd type="none" w="med" len="med"/>
+                      <a:tailEnd type="none" w="med" len="med"/>
+                    </a:lnL>
+                    <a:lnR w="12700" cap="flat" cmpd="sng" algn="ctr">
+                      <a:noFill/>
+                      <a:prstDash val="solid"/>
+                      <a:round/>
+                      <a:headEnd type="none" w="med" len="med"/>
+                      <a:tailEnd type="none" w="med" len="med"/>
+                    </a:lnR>
+                    <a:lnT w="12700" cap="flat" cmpd="sng" algn="ctr">
+                      <a:noFill/>
+                      <a:prstDash val="solid"/>
+                      <a:round/>
+                      <a:headEnd type="none" w="med" len="med"/>
+                      <a:tailEnd type="none" w="med" len="med"/>
+                    </a:lnT>
+                    <a:lnB w="12700" cap="flat" cmpd="sng" algn="ctr">
+                      <a:noFill/>
+                      <a:prstDash val="solid"/>
+                      <a:round/>
+                      <a:headEnd type="none" w="med" len="med"/>
+                      <a:tailEnd type="none" w="med" len="med"/>
+                    </a:lnB>
+                    <a:lnTlToBr w="12700" cmpd="sng">
+                      <a:noFill/>
+                      <a:prstDash val="solid"/>
+                    </a:lnTlToBr>
+                    <a:lnBlToTr w="12700" cmpd="sng">
+                      <a:noFill/>
+                      <a:prstDash val="solid"/>
+                    </a:lnBlToTr>
+                  </a:tcPr>
+                </a:tc>
+                <a:tc gridSpan="2">
+                  <a:txBody>
+                    <a:bodyPr/>
+                    <a:lstStyle/>
+                    <a:p>
+                      <a:pPr algn="ctr"/>
+                      <a:r>
+                        <a:rPr lang="en-US" sz="1900" dirty="0"/>
+                        <a:t>0</a:t>
+                      </a:r>
+                    </a:p>
+                  </a:txBody>
+                  <a:tcPr marL="121920" marR="121920">
+                    <a:lnL w="12700" cap="flat" cmpd="sng" algn="ctr">
+                      <a:noFill/>
+                      <a:prstDash val="solid"/>
+                      <a:round/>
+                      <a:headEnd type="none" w="med" len="med"/>
+                      <a:tailEnd type="none" w="med" len="med"/>
+                    </a:lnL>
+                    <a:lnR w="12700" cap="flat" cmpd="sng" algn="ctr">
+                      <a:noFill/>
+                      <a:prstDash val="solid"/>
+                      <a:round/>
+                      <a:headEnd type="none" w="med" len="med"/>
+                      <a:tailEnd type="none" w="med" len="med"/>
+                    </a:lnR>
+                    <a:lnT w="12700" cap="flat" cmpd="sng" algn="ctr">
+                      <a:noFill/>
+                      <a:prstDash val="solid"/>
+                      <a:round/>
+                      <a:headEnd type="none" w="med" len="med"/>
+                      <a:tailEnd type="none" w="med" len="med"/>
+                    </a:lnT>
+                    <a:lnB w="12700" cap="flat" cmpd="sng" algn="ctr">
+                      <a:noFill/>
+                      <a:prstDash val="solid"/>
+                      <a:round/>
+                      <a:headEnd type="none" w="med" len="med"/>
+                      <a:tailEnd type="none" w="med" len="med"/>
+                    </a:lnB>
+                    <a:lnTlToBr w="12700" cmpd="sng">
+                      <a:noFill/>
+                      <a:prstDash val="solid"/>
+                    </a:lnTlToBr>
+                    <a:lnBlToTr w="12700" cmpd="sng">
+                      <a:noFill/>
+                      <a:prstDash val="solid"/>
+                    </a:lnBlToTr>
+                  </a:tcPr>
+                </a:tc>
+                <a:tc hMerge="1">
+                  <a:txBody>
+                    <a:bodyPr/>
+                    <a:lstStyle/>
+                    <a:p>
+                      <a:pPr algn="ctr"/>
+                      <a:endParaRPr lang="en-US" dirty="0"/>
+                    </a:p>
+                  </a:txBody>
+                  <a:tcPr>
+                    <a:lnL w="12700" cap="flat" cmpd="sng" algn="ctr">
+                      <a:noFill/>
+                      <a:prstDash val="solid"/>
+                      <a:round/>
+                      <a:headEnd type="none" w="med" len="med"/>
+                      <a:tailEnd type="none" w="med" len="med"/>
+                    </a:lnL>
+                    <a:lnR w="12700" cap="flat" cmpd="sng" algn="ctr">
+                      <a:noFill/>
+                      <a:prstDash val="solid"/>
+                      <a:round/>
+                      <a:headEnd type="none" w="med" len="med"/>
+                      <a:tailEnd type="none" w="med" len="med"/>
+                    </a:lnR>
+                    <a:lnT w="12700" cap="flat" cmpd="sng" algn="ctr">
+                      <a:noFill/>
+                      <a:prstDash val="solid"/>
+                      <a:round/>
+                      <a:headEnd type="none" w="med" len="med"/>
+                      <a:tailEnd type="none" w="med" len="med"/>
+                    </a:lnT>
+                    <a:lnB w="12700" cap="flat" cmpd="sng" algn="ctr">
+                      <a:noFill/>
+                      <a:prstDash val="solid"/>
+                      <a:round/>
+                      <a:headEnd type="none" w="med" len="med"/>
+                      <a:tailEnd type="none" w="med" len="med"/>
+                    </a:lnB>
+                    <a:lnTlToBr w="12700" cmpd="sng">
+                      <a:noFill/>
+                      <a:prstDash val="solid"/>
+                    </a:lnTlToBr>
+                    <a:lnBlToTr w="12700" cmpd="sng">
+                      <a:noFill/>
+                      <a:prstDash val="solid"/>
+                    </a:lnBlToTr>
+                  </a:tcPr>
+                </a:tc>
+                <a:tc gridSpan="2">
+                  <a:txBody>
+                    <a:bodyPr/>
+                    <a:lstStyle/>
+                    <a:p>
+                      <a:pPr algn="ctr"/>
+                      <a:r>
+                        <a:rPr lang="en-US" sz="1900" dirty="0"/>
+                        <a:t>1</a:t>
+                      </a:r>
+                    </a:p>
+                  </a:txBody>
+                  <a:tcPr marL="121920" marR="121920">
+                    <a:lnL w="12700" cap="flat" cmpd="sng" algn="ctr">
+                      <a:noFill/>
+                      <a:prstDash val="solid"/>
+                      <a:round/>
+                      <a:headEnd type="none" w="med" len="med"/>
+                      <a:tailEnd type="none" w="med" len="med"/>
+                    </a:lnL>
+                    <a:lnT w="12700" cap="flat" cmpd="sng" algn="ctr">
+                      <a:noFill/>
+                      <a:prstDash val="solid"/>
+                      <a:round/>
+                      <a:headEnd type="none" w="med" len="med"/>
+                      <a:tailEnd type="none" w="med" len="med"/>
+                    </a:lnT>
+                    <a:lnB w="12700" cap="flat" cmpd="sng" algn="ctr">
+                      <a:noFill/>
+                      <a:prstDash val="solid"/>
+                      <a:round/>
+                      <a:headEnd type="none" w="med" len="med"/>
+                      <a:tailEnd type="none" w="med" len="med"/>
+                    </a:lnB>
+                    <a:lnTlToBr w="12700" cmpd="sng">
+                      <a:noFill/>
+                      <a:prstDash val="solid"/>
+                    </a:lnTlToBr>
+                    <a:lnBlToTr w="12700" cmpd="sng">
+                      <a:noFill/>
+                      <a:prstDash val="solid"/>
+                    </a:lnBlToTr>
+                  </a:tcPr>
+                </a:tc>
+                <a:tc hMerge="1">
+                  <a:txBody>
+                    <a:bodyPr/>
+                    <a:lstStyle/>
+                    <a:p>
+                      <a:pPr algn="ctr"/>
+                      <a:endParaRPr lang="en-US" dirty="0"/>
+                    </a:p>
+                  </a:txBody>
+                  <a:tcPr/>
+                </a:tc>
+                <a:tc gridSpan="2">
+                  <a:txBody>
+                    <a:bodyPr/>
+                    <a:lstStyle/>
+                    <a:p>
+                      <a:pPr algn="ctr"/>
+                      <a:r>
+                        <a:rPr lang="en-US" sz="1900" dirty="0"/>
+                        <a:t>2</a:t>
+                      </a:r>
+                    </a:p>
+                  </a:txBody>
+                  <a:tcPr marL="121920" marR="121920"/>
+                </a:tc>
+                <a:tc hMerge="1">
+                  <a:txBody>
+                    <a:bodyPr/>
+                    <a:lstStyle/>
+                    <a:p>
+                      <a:pPr algn="ctr"/>
+                      <a:endParaRPr lang="en-US" dirty="0"/>
+                    </a:p>
+                  </a:txBody>
+                  <a:tcPr/>
+                </a:tc>
+                <a:tc gridSpan="2">
+                  <a:txBody>
+                    <a:bodyPr/>
+                    <a:lstStyle/>
+                    <a:p>
+                      <a:pPr algn="ctr"/>
+                      <a:r>
+                        <a:rPr lang="en-US" sz="1900" dirty="0"/>
+                        <a:t>3</a:t>
+                      </a:r>
+                    </a:p>
+                  </a:txBody>
+                  <a:tcPr marL="121920" marR="121920"/>
+                </a:tc>
+                <a:tc hMerge="1">
+                  <a:txBody>
+                    <a:bodyPr/>
+                    <a:lstStyle/>
+                    <a:p>
+                      <a:pPr algn="ctr"/>
+                      <a:endParaRPr lang="en-US" dirty="0"/>
+                    </a:p>
+                  </a:txBody>
+                  <a:tcPr/>
+                </a:tc>
+                <a:tc gridSpan="2">
+                  <a:txBody>
+                    <a:bodyPr/>
+                    <a:lstStyle/>
+                    <a:p>
+                      <a:pPr algn="ctr"/>
+                      <a:r>
+                        <a:rPr lang="en-US" sz="1900" dirty="0"/>
+                        <a:t>4</a:t>
+                      </a:r>
+                    </a:p>
+                  </a:txBody>
+                  <a:tcPr marL="121920" marR="121920"/>
+                </a:tc>
+                <a:tc hMerge="1">
+                  <a:txBody>
+                    <a:bodyPr/>
+                    <a:lstStyle/>
+                    <a:p>
+                      <a:pPr algn="ctr"/>
+                      <a:endParaRPr lang="en-US" dirty="0"/>
+                    </a:p>
+                  </a:txBody>
+                  <a:tcPr/>
+                </a:tc>
+                <a:tc gridSpan="2">
+                  <a:txBody>
+                    <a:bodyPr/>
+                    <a:lstStyle/>
+                    <a:p>
+                      <a:pPr algn="ctr"/>
+                      <a:r>
+                        <a:rPr lang="en-US" sz="1900" dirty="0"/>
+                        <a:t>5</a:t>
+                      </a:r>
+                    </a:p>
+                  </a:txBody>
+                  <a:tcPr marL="121920" marR="121920"/>
+                </a:tc>
+                <a:tc hMerge="1">
+                  <a:txBody>
+                    <a:bodyPr/>
+                    <a:lstStyle/>
+                    <a:p>
+                      <a:pPr algn="ctr"/>
+                      <a:endParaRPr lang="en-US" dirty="0"/>
+                    </a:p>
+                  </a:txBody>
+                  <a:tcPr/>
+                </a:tc>
+                <a:tc gridSpan="2">
+                  <a:txBody>
+                    <a:bodyPr/>
+                    <a:lstStyle/>
+                    <a:p>
+                      <a:pPr algn="ctr"/>
+                      <a:r>
+                        <a:rPr lang="en-US" sz="1900" dirty="0"/>
+                        <a:t>6</a:t>
+                      </a:r>
+                    </a:p>
+                  </a:txBody>
+                  <a:tcPr marL="121920" marR="121920"/>
+                </a:tc>
+                <a:tc hMerge="1">
+                  <a:txBody>
+                    <a:bodyPr/>
+                    <a:lstStyle/>
+                    <a:p>
+                      <a:pPr algn="ctr"/>
+                      <a:endParaRPr lang="en-US" dirty="0"/>
+                    </a:p>
+                  </a:txBody>
+                  <a:tcPr/>
+                </a:tc>
+                <a:tc gridSpan="2">
+                  <a:txBody>
+                    <a:bodyPr/>
+                    <a:lstStyle/>
+                    <a:p>
+                      <a:pPr algn="ctr"/>
+                      <a:r>
+                        <a:rPr lang="en-US" sz="1900" dirty="0"/>
+                        <a:t>7</a:t>
+                      </a:r>
+                    </a:p>
+                  </a:txBody>
+                  <a:tcPr marL="121920" marR="121920">
+                    <a:lnR>
+                      <a:noFill/>
+                    </a:lnR>
+                    <a:lnT w="12700" cap="flat" cmpd="sng" algn="ctr">
+                      <a:noFill/>
+                      <a:prstDash val="solid"/>
+                      <a:round/>
+                      <a:headEnd type="none" w="med" len="med"/>
+                      <a:tailEnd type="none" w="med" len="med"/>
+                    </a:lnT>
+                    <a:lnB w="12700" cap="flat" cmpd="sng" algn="ctr">
+                      <a:noFill/>
+                      <a:prstDash val="solid"/>
+                      <a:round/>
+                      <a:headEnd type="none" w="med" len="med"/>
+                      <a:tailEnd type="none" w="med" len="med"/>
+                    </a:lnB>
+                    <a:lnTlToBr w="12700" cmpd="sng">
+                      <a:noFill/>
+                      <a:prstDash val="solid"/>
+                    </a:lnTlToBr>
+                    <a:lnBlToTr w="12700" cmpd="sng">
+                      <a:noFill/>
+                      <a:prstDash val="solid"/>
+                    </a:lnBlToTr>
+                  </a:tcPr>
+                </a:tc>
+                <a:tc hMerge="1">
+                  <a:txBody>
+                    <a:bodyPr/>
+                    <a:lstStyle/>
+                    <a:p>
+                      <a:endParaRPr lang="en-US" dirty="0"/>
+                    </a:p>
+                  </a:txBody>
+                  <a:tcPr>
+                    <a:lnR w="12700" cap="flat" cmpd="sng" algn="ctr">
+                      <a:noFill/>
+                      <a:prstDash val="solid"/>
+                      <a:round/>
+                      <a:headEnd type="none" w="med" len="med"/>
+                      <a:tailEnd type="none" w="med" len="med"/>
+                    </a:lnR>
+                    <a:lnT w="12700" cap="flat" cmpd="sng" algn="ctr">
+                      <a:noFill/>
+                      <a:prstDash val="solid"/>
+                      <a:round/>
+                      <a:headEnd type="none" w="med" len="med"/>
+                      <a:tailEnd type="none" w="med" len="med"/>
+                    </a:lnT>
+                    <a:lnB w="12700" cap="flat" cmpd="sng" algn="ctr">
+                      <a:noFill/>
+                      <a:prstDash val="solid"/>
+                      <a:round/>
+                      <a:headEnd type="none" w="med" len="med"/>
+                      <a:tailEnd type="none" w="med" len="med"/>
+                    </a:lnB>
+                    <a:lnTlToBr w="12700" cmpd="sng">
+                      <a:noFill/>
+                      <a:prstDash val="solid"/>
+                    </a:lnTlToBr>
+                    <a:lnBlToTr w="12700" cmpd="sng">
+                      <a:noFill/>
+                      <a:prstDash val="solid"/>
+                    </a:lnBlToTr>
+                  </a:tcPr>
+                </a:tc>
+                <a:extLst>
+                  <a:ext uri="{0D108BD9-81ED-4DB2-BD59-A6C34878D82A}">
+                    <a16:rowId xmlns:a16="http://schemas.microsoft.com/office/drawing/2014/main" val="10003"/>
+                  </a:ext>
+                </a:extLst>
+              </a:tr>
+            </a:tbl>
+          </a:graphicData>
+        </a:graphic>
+      </p:graphicFrame>
+      <p:graphicFrame>
+        <p:nvGraphicFramePr>
+          <p:cNvPr id="3" name="Content Placeholder 2"/>
+          <p:cNvGraphicFramePr>
+            <a:graphicFrameLocks noGrp="1"/>
+          </p:cNvGraphicFramePr>
+          <p:nvPr>
+            <p:ph idx="1"/>
+            <p:extLst/>
+          </p:nvPr>
+        </p:nvGraphicFramePr>
+        <p:xfrm>
+          <a:off x="609602" y="2506154"/>
+          <a:ext cx="10972798" cy="1524000"/>
+        </p:xfrm>
+        <a:graphic>
+          <a:graphicData uri="http://schemas.openxmlformats.org/drawingml/2006/table">
+            <a:tbl>
+              <a:tblPr firstRow="1" bandRow="1">
+                <a:tableStyleId>{2D5ABB26-0587-4C30-8999-92F81FD0307C}</a:tableStyleId>
+              </a:tblPr>
+              <a:tblGrid>
+                <a:gridCol w="5825548">
+                  <a:extLst>
+                    <a:ext uri="{9D8B030D-6E8A-4147-A177-3AD203B41FA5}">
+                      <a16:colId xmlns:a16="http://schemas.microsoft.com/office/drawing/2014/main" val="20000"/>
+                    </a:ext>
+                  </a:extLst>
+                </a:gridCol>
+                <a:gridCol w="2573625">
+                  <a:extLst>
+                    <a:ext uri="{9D8B030D-6E8A-4147-A177-3AD203B41FA5}">
+                      <a16:colId xmlns:a16="http://schemas.microsoft.com/office/drawing/2014/main" val="20001"/>
+                    </a:ext>
+                  </a:extLst>
+                </a:gridCol>
+                <a:gridCol w="2573625">
+                  <a:extLst>
+                    <a:ext uri="{9D8B030D-6E8A-4147-A177-3AD203B41FA5}">
+                      <a16:colId xmlns:a16="http://schemas.microsoft.com/office/drawing/2014/main" val="20002"/>
+                    </a:ext>
+                  </a:extLst>
+                </a:gridCol>
+              </a:tblGrid>
+              <a:tr h="375920">
+                <a:tc>
+                  <a:txBody>
+                    <a:bodyPr/>
+                    <a:lstStyle/>
+                    <a:p>
+                      <a:endParaRPr lang="en-US" sz="1900" dirty="0"/>
+                    </a:p>
+                  </a:txBody>
+                  <a:tcPr marL="121920" marR="121920">
+                    <a:lnL w="12700" cap="flat" cmpd="sng" algn="ctr">
+                      <a:solidFill>
+                        <a:scrgbClr r="0" g="0" b="0"/>
+                      </a:solidFill>
+                      <a:prstDash val="solid"/>
+                      <a:round/>
+                      <a:headEnd type="none" w="med" len="med"/>
+                      <a:tailEnd type="none" w="med" len="med"/>
+                    </a:lnL>
+                    <a:lnR w="12700" cap="flat" cmpd="sng" algn="ctr">
+                      <a:solidFill>
+                        <a:scrgbClr r="0" g="0" b="0"/>
+                      </a:solidFill>
+                      <a:prstDash val="solid"/>
+                      <a:round/>
+                      <a:headEnd type="none" w="med" len="med"/>
+                      <a:tailEnd type="none" w="med" len="med"/>
+                    </a:lnR>
+                    <a:lnT w="12700" cap="flat" cmpd="sng" algn="ctr">
+                      <a:solidFill>
+                        <a:scrgbClr r="0" g="0" b="0"/>
+                      </a:solidFill>
+                      <a:prstDash val="solid"/>
+                      <a:round/>
+                      <a:headEnd type="none" w="med" len="med"/>
+                      <a:tailEnd type="none" w="med" len="med"/>
+                    </a:lnT>
+                    <a:lnB w="12700" cap="flat" cmpd="sng" algn="ctr">
+                      <a:solidFill>
+                        <a:scrgbClr r="0" g="0" b="0"/>
+                      </a:solidFill>
+                      <a:prstDash val="solid"/>
+                      <a:round/>
+                      <a:headEnd type="none" w="med" len="med"/>
+                      <a:tailEnd type="none" w="med" len="med"/>
+                    </a:lnB>
+                  </a:tcPr>
+                </a:tc>
+                <a:tc>
+                  <a:txBody>
+                    <a:bodyPr/>
+                    <a:lstStyle/>
+                    <a:p>
+                      <a:r>
+                        <a:rPr lang="en-US" sz="1900" dirty="0"/>
+                        <a:t>1-based</a:t>
+                      </a:r>
+                    </a:p>
+                  </a:txBody>
+                  <a:tcPr marL="121920" marR="121920">
+                    <a:lnL w="12700" cap="flat" cmpd="sng" algn="ctr">
+                      <a:solidFill>
+                        <a:scrgbClr r="0" g="0" b="0"/>
+                      </a:solidFill>
+                      <a:prstDash val="solid"/>
+                      <a:round/>
+                      <a:headEnd type="none" w="med" len="med"/>
+                      <a:tailEnd type="none" w="med" len="med"/>
+                    </a:lnL>
+                    <a:lnR w="12700" cap="flat" cmpd="sng" algn="ctr">
+                      <a:solidFill>
+                        <a:scrgbClr r="0" g="0" b="0"/>
+                      </a:solidFill>
+                      <a:prstDash val="solid"/>
+                      <a:round/>
+                      <a:headEnd type="none" w="med" len="med"/>
+                      <a:tailEnd type="none" w="med" len="med"/>
+                    </a:lnR>
+                    <a:lnT w="12700" cap="flat" cmpd="sng" algn="ctr">
+                      <a:solidFill>
+                        <a:scrgbClr r="0" g="0" b="0"/>
+                      </a:solidFill>
+                      <a:prstDash val="solid"/>
+                      <a:round/>
+                      <a:headEnd type="none" w="med" len="med"/>
+                      <a:tailEnd type="none" w="med" len="med"/>
+                    </a:lnT>
+                    <a:lnB w="12700" cap="flat" cmpd="sng" algn="ctr">
+                      <a:solidFill>
+                        <a:scrgbClr r="0" g="0" b="0"/>
+                      </a:solidFill>
+                      <a:prstDash val="solid"/>
+                      <a:round/>
+                      <a:headEnd type="none" w="med" len="med"/>
+                      <a:tailEnd type="none" w="med" len="med"/>
+                    </a:lnB>
+                  </a:tcPr>
+                </a:tc>
+                <a:tc>
+                  <a:txBody>
+                    <a:bodyPr/>
+                    <a:lstStyle/>
+                    <a:p>
+                      <a:r>
+                        <a:rPr lang="en-US" sz="1900" dirty="0"/>
+                        <a:t>0-based</a:t>
+                      </a:r>
+                    </a:p>
+                  </a:txBody>
+                  <a:tcPr marL="121920" marR="121920">
+                    <a:lnL w="12700" cap="flat" cmpd="sng" algn="ctr">
+                      <a:solidFill>
+                        <a:scrgbClr r="0" g="0" b="0"/>
+                      </a:solidFill>
+                      <a:prstDash val="solid"/>
+                      <a:round/>
+                      <a:headEnd type="none" w="med" len="med"/>
+                      <a:tailEnd type="none" w="med" len="med"/>
+                    </a:lnL>
+                    <a:lnR w="12700" cap="flat" cmpd="sng" algn="ctr">
+                      <a:solidFill>
+                        <a:scrgbClr r="0" g="0" b="0"/>
+                      </a:solidFill>
+                      <a:prstDash val="solid"/>
+                      <a:round/>
+                      <a:headEnd type="none" w="med" len="med"/>
+                      <a:tailEnd type="none" w="med" len="med"/>
+                    </a:lnR>
+                    <a:lnT w="12700" cap="flat" cmpd="sng" algn="ctr">
+                      <a:solidFill>
+                        <a:scrgbClr r="0" g="0" b="0"/>
+                      </a:solidFill>
+                      <a:prstDash val="solid"/>
+                      <a:round/>
+                      <a:headEnd type="none" w="med" len="med"/>
+                      <a:tailEnd type="none" w="med" len="med"/>
+                    </a:lnT>
+                    <a:lnB w="12700" cap="flat" cmpd="sng" algn="ctr">
+                      <a:solidFill>
+                        <a:scrgbClr r="0" g="0" b="0"/>
+                      </a:solidFill>
+                      <a:prstDash val="solid"/>
+                      <a:round/>
+                      <a:headEnd type="none" w="med" len="med"/>
+                      <a:tailEnd type="none" w="med" len="med"/>
+                    </a:lnB>
+                  </a:tcPr>
+                </a:tc>
+                <a:extLst>
+                  <a:ext uri="{0D108BD9-81ED-4DB2-BD59-A6C34878D82A}">
+                    <a16:rowId xmlns:a16="http://schemas.microsoft.com/office/drawing/2014/main" val="10000"/>
+                  </a:ext>
+                </a:extLst>
+              </a:tr>
+              <a:tr h="375920">
+                <a:tc>
+                  <a:txBody>
+                    <a:bodyPr/>
+                    <a:lstStyle/>
+                    <a:p>
+                      <a:r>
+                        <a:rPr lang="en-US" sz="1900" dirty="0"/>
+                        <a:t>Indicate a single</a:t>
+                      </a:r>
+                      <a:r>
+                        <a:rPr lang="en-US" sz="1900" baseline="0" dirty="0"/>
+                        <a:t> nucleotide</a:t>
+                      </a:r>
+                      <a:endParaRPr lang="en-US" sz="1900" dirty="0"/>
+                    </a:p>
+                  </a:txBody>
+                  <a:tcPr marL="121920" marR="121920">
+                    <a:lnL w="12700" cap="flat" cmpd="sng" algn="ctr">
+                      <a:solidFill>
+                        <a:scrgbClr r="0" g="0" b="0"/>
+                      </a:solidFill>
+                      <a:prstDash val="solid"/>
+                      <a:round/>
+                      <a:headEnd type="none" w="med" len="med"/>
+                      <a:tailEnd type="none" w="med" len="med"/>
+                    </a:lnL>
+                    <a:lnR w="12700" cap="flat" cmpd="sng" algn="ctr">
+                      <a:solidFill>
+                        <a:scrgbClr r="0" g="0" b="0"/>
+                      </a:solidFill>
+                      <a:prstDash val="solid"/>
+                      <a:round/>
+                      <a:headEnd type="none" w="med" len="med"/>
+                      <a:tailEnd type="none" w="med" len="med"/>
+                    </a:lnR>
+                    <a:lnT w="12700" cap="flat" cmpd="sng" algn="ctr">
+                      <a:solidFill>
+                        <a:scrgbClr r="0" g="0" b="0"/>
+                      </a:solidFill>
+                      <a:prstDash val="solid"/>
+                      <a:round/>
+                      <a:headEnd type="none" w="med" len="med"/>
+                      <a:tailEnd type="none" w="med" len="med"/>
+                    </a:lnT>
+                    <a:lnB w="12700" cap="flat" cmpd="sng" algn="ctr">
+                      <a:solidFill>
+                        <a:scrgbClr r="0" g="0" b="0"/>
+                      </a:solidFill>
+                      <a:prstDash val="solid"/>
+                      <a:round/>
+                      <a:headEnd type="none" w="med" len="med"/>
+                      <a:tailEnd type="none" w="med" len="med"/>
+                    </a:lnB>
+                  </a:tcPr>
+                </a:tc>
+                <a:tc>
+                  <a:txBody>
+                    <a:bodyPr/>
+                    <a:lstStyle/>
+                    <a:p>
+                      <a:r>
+                        <a:rPr lang="en-US" sz="1900" dirty="0"/>
+                        <a:t>chr1:4-4</a:t>
+                      </a:r>
+                      <a:r>
+                        <a:rPr lang="en-US" sz="1900" baseline="0" dirty="0"/>
+                        <a:t>   </a:t>
+                      </a:r>
+                      <a:r>
+                        <a:rPr lang="en-US" sz="1900" dirty="0"/>
+                        <a:t>G</a:t>
+                      </a:r>
+                    </a:p>
+                  </a:txBody>
+                  <a:tcPr marL="121920" marR="121920">
+                    <a:lnL w="12700" cap="flat" cmpd="sng" algn="ctr">
+                      <a:solidFill>
+                        <a:scrgbClr r="0" g="0" b="0"/>
+                      </a:solidFill>
+                      <a:prstDash val="solid"/>
+                      <a:round/>
+                      <a:headEnd type="none" w="med" len="med"/>
+                      <a:tailEnd type="none" w="med" len="med"/>
+                    </a:lnL>
+                    <a:lnR w="12700" cap="flat" cmpd="sng" algn="ctr">
+                      <a:solidFill>
+                        <a:scrgbClr r="0" g="0" b="0"/>
+                      </a:solidFill>
+                      <a:prstDash val="solid"/>
+                      <a:round/>
+                      <a:headEnd type="none" w="med" len="med"/>
+                      <a:tailEnd type="none" w="med" len="med"/>
+                    </a:lnR>
+                    <a:lnT w="12700" cap="flat" cmpd="sng" algn="ctr">
+                      <a:solidFill>
+                        <a:scrgbClr r="0" g="0" b="0"/>
+                      </a:solidFill>
+                      <a:prstDash val="solid"/>
+                      <a:round/>
+                      <a:headEnd type="none" w="med" len="med"/>
+                      <a:tailEnd type="none" w="med" len="med"/>
+                    </a:lnT>
+                    <a:lnB w="12700" cap="flat" cmpd="sng" algn="ctr">
+                      <a:solidFill>
+                        <a:scrgbClr r="0" g="0" b="0"/>
+                      </a:solidFill>
+                      <a:prstDash val="solid"/>
+                      <a:round/>
+                      <a:headEnd type="none" w="med" len="med"/>
+                      <a:tailEnd type="none" w="med" len="med"/>
+                    </a:lnB>
+                  </a:tcPr>
+                </a:tc>
+                <a:tc>
+                  <a:txBody>
+                    <a:bodyPr/>
+                    <a:lstStyle/>
+                    <a:p>
+                      <a:r>
+                        <a:rPr lang="en-US" sz="1900" dirty="0"/>
+                        <a:t>chr1</a:t>
+                      </a:r>
+                      <a:r>
+                        <a:rPr lang="en-US" sz="1900" baseline="0" dirty="0"/>
+                        <a:t>:3-4   G</a:t>
+                      </a:r>
+                      <a:endParaRPr lang="en-US" sz="1900" dirty="0"/>
+                    </a:p>
+                  </a:txBody>
+                  <a:tcPr marL="121920" marR="121920">
+                    <a:lnL w="12700" cap="flat" cmpd="sng" algn="ctr">
+                      <a:solidFill>
+                        <a:scrgbClr r="0" g="0" b="0"/>
+                      </a:solidFill>
+                      <a:prstDash val="solid"/>
+                      <a:round/>
+                      <a:headEnd type="none" w="med" len="med"/>
+                      <a:tailEnd type="none" w="med" len="med"/>
+                    </a:lnL>
+                    <a:lnR w="12700" cap="flat" cmpd="sng" algn="ctr">
+                      <a:solidFill>
+                        <a:scrgbClr r="0" g="0" b="0"/>
+                      </a:solidFill>
+                      <a:prstDash val="solid"/>
+                      <a:round/>
+                      <a:headEnd type="none" w="med" len="med"/>
+                      <a:tailEnd type="none" w="med" len="med"/>
+                    </a:lnR>
+                    <a:lnT w="12700" cap="flat" cmpd="sng" algn="ctr">
+                      <a:solidFill>
+                        <a:scrgbClr r="0" g="0" b="0"/>
+                      </a:solidFill>
+                      <a:prstDash val="solid"/>
+                      <a:round/>
+                      <a:headEnd type="none" w="med" len="med"/>
+                      <a:tailEnd type="none" w="med" len="med"/>
+                    </a:lnT>
+                    <a:lnB w="12700" cap="flat" cmpd="sng" algn="ctr">
+                      <a:solidFill>
+                        <a:scrgbClr r="0" g="0" b="0"/>
+                      </a:solidFill>
+                      <a:prstDash val="solid"/>
+                      <a:round/>
+                      <a:headEnd type="none" w="med" len="med"/>
+                      <a:tailEnd type="none" w="med" len="med"/>
+                    </a:lnB>
+                  </a:tcPr>
+                </a:tc>
+                <a:extLst>
+                  <a:ext uri="{0D108BD9-81ED-4DB2-BD59-A6C34878D82A}">
+                    <a16:rowId xmlns:a16="http://schemas.microsoft.com/office/drawing/2014/main" val="10001"/>
+                  </a:ext>
+                </a:extLst>
+              </a:tr>
+              <a:tr h="375920">
+                <a:tc>
+                  <a:txBody>
+                    <a:bodyPr/>
+                    <a:lstStyle/>
+                    <a:p>
+                      <a:r>
+                        <a:rPr lang="en-US" sz="1900" dirty="0"/>
+                        <a:t>Indicate a range</a:t>
+                      </a:r>
+                      <a:r>
+                        <a:rPr lang="en-US" sz="1900" baseline="0" dirty="0"/>
+                        <a:t> of nucleotides</a:t>
+                      </a:r>
+                      <a:endParaRPr lang="en-US" sz="1900" dirty="0"/>
+                    </a:p>
+                  </a:txBody>
+                  <a:tcPr marL="121920" marR="121920">
+                    <a:lnL w="12700" cap="flat" cmpd="sng" algn="ctr">
+                      <a:solidFill>
+                        <a:scrgbClr r="0" g="0" b="0"/>
+                      </a:solidFill>
+                      <a:prstDash val="solid"/>
+                      <a:round/>
+                      <a:headEnd type="none" w="med" len="med"/>
+                      <a:tailEnd type="none" w="med" len="med"/>
+                    </a:lnL>
+                    <a:lnR w="12700" cap="flat" cmpd="sng" algn="ctr">
+                      <a:solidFill>
+                        <a:scrgbClr r="0" g="0" b="0"/>
+                      </a:solidFill>
+                      <a:prstDash val="solid"/>
+                      <a:round/>
+                      <a:headEnd type="none" w="med" len="med"/>
+                      <a:tailEnd type="none" w="med" len="med"/>
+                    </a:lnR>
+                    <a:lnT w="12700" cap="flat" cmpd="sng" algn="ctr">
+                      <a:solidFill>
+                        <a:scrgbClr r="0" g="0" b="0"/>
+                      </a:solidFill>
+                      <a:prstDash val="solid"/>
+                      <a:round/>
+                      <a:headEnd type="none" w="med" len="med"/>
+                      <a:tailEnd type="none" w="med" len="med"/>
+                    </a:lnT>
+                    <a:lnB w="12700" cap="flat" cmpd="sng" algn="ctr">
+                      <a:solidFill>
+                        <a:scrgbClr r="0" g="0" b="0"/>
+                      </a:solidFill>
+                      <a:prstDash val="solid"/>
+                      <a:round/>
+                      <a:headEnd type="none" w="med" len="med"/>
+                      <a:tailEnd type="none" w="med" len="med"/>
+                    </a:lnB>
+                  </a:tcPr>
+                </a:tc>
+                <a:tc>
+                  <a:txBody>
+                    <a:bodyPr/>
+                    <a:lstStyle/>
+                    <a:p>
+                      <a:r>
+                        <a:rPr lang="en-US" sz="1900" dirty="0"/>
+                        <a:t>chr1:2-4   ACG</a:t>
+                      </a:r>
+                    </a:p>
+                  </a:txBody>
+                  <a:tcPr marL="121920" marR="121920">
+                    <a:lnL w="12700" cap="flat" cmpd="sng" algn="ctr">
+                      <a:solidFill>
+                        <a:scrgbClr r="0" g="0" b="0"/>
+                      </a:solidFill>
+                      <a:prstDash val="solid"/>
+                      <a:round/>
+                      <a:headEnd type="none" w="med" len="med"/>
+                      <a:tailEnd type="none" w="med" len="med"/>
+                    </a:lnL>
+                    <a:lnR w="12700" cap="flat" cmpd="sng" algn="ctr">
+                      <a:solidFill>
+                        <a:scrgbClr r="0" g="0" b="0"/>
+                      </a:solidFill>
+                      <a:prstDash val="solid"/>
+                      <a:round/>
+                      <a:headEnd type="none" w="med" len="med"/>
+                      <a:tailEnd type="none" w="med" len="med"/>
+                    </a:lnR>
+                    <a:lnT w="12700" cap="flat" cmpd="sng" algn="ctr">
+                      <a:solidFill>
+                        <a:scrgbClr r="0" g="0" b="0"/>
+                      </a:solidFill>
+                      <a:prstDash val="solid"/>
+                      <a:round/>
+                      <a:headEnd type="none" w="med" len="med"/>
+                      <a:tailEnd type="none" w="med" len="med"/>
+                    </a:lnT>
+                    <a:lnB w="12700" cap="flat" cmpd="sng" algn="ctr">
+                      <a:solidFill>
+                        <a:scrgbClr r="0" g="0" b="0"/>
+                      </a:solidFill>
+                      <a:prstDash val="solid"/>
+                      <a:round/>
+                      <a:headEnd type="none" w="med" len="med"/>
+                      <a:tailEnd type="none" w="med" len="med"/>
+                    </a:lnB>
+                  </a:tcPr>
+                </a:tc>
+                <a:tc>
+                  <a:txBody>
+                    <a:bodyPr/>
+                    <a:lstStyle/>
+                    <a:p>
+                      <a:r>
+                        <a:rPr lang="en-US" sz="1900" dirty="0"/>
+                        <a:t>chr1:1-4   ACG</a:t>
+                      </a:r>
+                    </a:p>
+                  </a:txBody>
+                  <a:tcPr marL="121920" marR="121920">
+                    <a:lnL w="12700" cap="flat" cmpd="sng" algn="ctr">
+                      <a:solidFill>
+                        <a:scrgbClr r="0" g="0" b="0"/>
+                      </a:solidFill>
+                      <a:prstDash val="solid"/>
+                      <a:round/>
+                      <a:headEnd type="none" w="med" len="med"/>
+                      <a:tailEnd type="none" w="med" len="med"/>
+                    </a:lnL>
+                    <a:lnR w="12700" cap="flat" cmpd="sng" algn="ctr">
+                      <a:solidFill>
+                        <a:scrgbClr r="0" g="0" b="0"/>
+                      </a:solidFill>
+                      <a:prstDash val="solid"/>
+                      <a:round/>
+                      <a:headEnd type="none" w="med" len="med"/>
+                      <a:tailEnd type="none" w="med" len="med"/>
+                    </a:lnR>
+                    <a:lnT w="12700" cap="flat" cmpd="sng" algn="ctr">
+                      <a:solidFill>
+                        <a:scrgbClr r="0" g="0" b="0"/>
+                      </a:solidFill>
+                      <a:prstDash val="solid"/>
+                      <a:round/>
+                      <a:headEnd type="none" w="med" len="med"/>
+                      <a:tailEnd type="none" w="med" len="med"/>
+                    </a:lnT>
+                    <a:lnB w="12700" cap="flat" cmpd="sng" algn="ctr">
+                      <a:solidFill>
+                        <a:scrgbClr r="0" g="0" b="0"/>
+                      </a:solidFill>
+                      <a:prstDash val="solid"/>
+                      <a:round/>
+                      <a:headEnd type="none" w="med" len="med"/>
+                      <a:tailEnd type="none" w="med" len="med"/>
+                    </a:lnB>
+                  </a:tcPr>
+                </a:tc>
+                <a:extLst>
+                  <a:ext uri="{0D108BD9-81ED-4DB2-BD59-A6C34878D82A}">
+                    <a16:rowId xmlns:a16="http://schemas.microsoft.com/office/drawing/2014/main" val="10002"/>
+                  </a:ext>
+                </a:extLst>
+              </a:tr>
+              <a:tr h="375920">
+                <a:tc>
+                  <a:txBody>
+                    <a:bodyPr/>
+                    <a:lstStyle/>
+                    <a:p>
+                      <a:r>
+                        <a:rPr lang="en-US" sz="1900" dirty="0"/>
+                        <a:t>Indicate a single nucleotide</a:t>
+                      </a:r>
+                      <a:r>
+                        <a:rPr lang="en-US" sz="1900" baseline="0" dirty="0"/>
+                        <a:t> variant</a:t>
+                      </a:r>
+                      <a:endParaRPr lang="en-US" sz="1900" dirty="0"/>
+                    </a:p>
+                  </a:txBody>
+                  <a:tcPr marL="121920" marR="121920">
+                    <a:lnL w="12700" cap="flat" cmpd="sng" algn="ctr">
+                      <a:solidFill>
+                        <a:scrgbClr r="0" g="0" b="0"/>
+                      </a:solidFill>
+                      <a:prstDash val="solid"/>
+                      <a:round/>
+                      <a:headEnd type="none" w="med" len="med"/>
+                      <a:tailEnd type="none" w="med" len="med"/>
+                    </a:lnL>
+                    <a:lnR w="12700" cap="flat" cmpd="sng" algn="ctr">
+                      <a:solidFill>
+                        <a:scrgbClr r="0" g="0" b="0"/>
+                      </a:solidFill>
+                      <a:prstDash val="solid"/>
+                      <a:round/>
+                      <a:headEnd type="none" w="med" len="med"/>
+                      <a:tailEnd type="none" w="med" len="med"/>
+                    </a:lnR>
+                    <a:lnT w="12700" cap="flat" cmpd="sng" algn="ctr">
+                      <a:solidFill>
+                        <a:scrgbClr r="0" g="0" b="0"/>
+                      </a:solidFill>
+                      <a:prstDash val="solid"/>
+                      <a:round/>
+                      <a:headEnd type="none" w="med" len="med"/>
+                      <a:tailEnd type="none" w="med" len="med"/>
+                    </a:lnT>
+                    <a:lnB w="12700" cap="flat" cmpd="sng" algn="ctr">
+                      <a:solidFill>
+                        <a:scrgbClr r="0" g="0" b="0"/>
+                      </a:solidFill>
+                      <a:prstDash val="solid"/>
+                      <a:round/>
+                      <a:headEnd type="none" w="med" len="med"/>
+                      <a:tailEnd type="none" w="med" len="med"/>
+                    </a:lnB>
+                  </a:tcPr>
+                </a:tc>
+                <a:tc>
+                  <a:txBody>
+                    <a:bodyPr/>
+                    <a:lstStyle/>
+                    <a:p>
+                      <a:r>
+                        <a:rPr lang="en-US" sz="1900" dirty="0"/>
+                        <a:t>chr1:5-5   T/A</a:t>
+                      </a:r>
+                    </a:p>
+                  </a:txBody>
+                  <a:tcPr marL="121920" marR="121920">
+                    <a:lnL w="12700" cap="flat" cmpd="sng" algn="ctr">
+                      <a:solidFill>
+                        <a:scrgbClr r="0" g="0" b="0"/>
+                      </a:solidFill>
+                      <a:prstDash val="solid"/>
+                      <a:round/>
+                      <a:headEnd type="none" w="med" len="med"/>
+                      <a:tailEnd type="none" w="med" len="med"/>
+                    </a:lnL>
+                    <a:lnR w="12700" cap="flat" cmpd="sng" algn="ctr">
+                      <a:solidFill>
+                        <a:scrgbClr r="0" g="0" b="0"/>
+                      </a:solidFill>
+                      <a:prstDash val="solid"/>
+                      <a:round/>
+                      <a:headEnd type="none" w="med" len="med"/>
+                      <a:tailEnd type="none" w="med" len="med"/>
+                    </a:lnR>
+                    <a:lnT w="12700" cap="flat" cmpd="sng" algn="ctr">
+                      <a:solidFill>
+                        <a:scrgbClr r="0" g="0" b="0"/>
+                      </a:solidFill>
+                      <a:prstDash val="solid"/>
+                      <a:round/>
+                      <a:headEnd type="none" w="med" len="med"/>
+                      <a:tailEnd type="none" w="med" len="med"/>
+                    </a:lnT>
+                    <a:lnB w="12700" cap="flat" cmpd="sng" algn="ctr">
+                      <a:solidFill>
+                        <a:scrgbClr r="0" g="0" b="0"/>
+                      </a:solidFill>
+                      <a:prstDash val="solid"/>
+                      <a:round/>
+                      <a:headEnd type="none" w="med" len="med"/>
+                      <a:tailEnd type="none" w="med" len="med"/>
+                    </a:lnB>
+                  </a:tcPr>
+                </a:tc>
+                <a:tc>
+                  <a:txBody>
+                    <a:bodyPr/>
+                    <a:lstStyle/>
+                    <a:p>
+                      <a:r>
+                        <a:rPr lang="en-US" sz="1900" dirty="0"/>
+                        <a:t>chr1:4-5   T/A</a:t>
+                      </a:r>
+                    </a:p>
+                  </a:txBody>
+                  <a:tcPr marL="121920" marR="121920">
+                    <a:lnL w="12700" cap="flat" cmpd="sng" algn="ctr">
+                      <a:solidFill>
+                        <a:scrgbClr r="0" g="0" b="0"/>
+                      </a:solidFill>
+                      <a:prstDash val="solid"/>
+                      <a:round/>
+                      <a:headEnd type="none" w="med" len="med"/>
+                      <a:tailEnd type="none" w="med" len="med"/>
+                    </a:lnL>
+                    <a:lnR w="12700" cap="flat" cmpd="sng" algn="ctr">
+                      <a:solidFill>
+                        <a:scrgbClr r="0" g="0" b="0"/>
+                      </a:solidFill>
+                      <a:prstDash val="solid"/>
+                      <a:round/>
+                      <a:headEnd type="none" w="med" len="med"/>
+                      <a:tailEnd type="none" w="med" len="med"/>
+                    </a:lnR>
+                    <a:lnT w="12700" cap="flat" cmpd="sng" algn="ctr">
+                      <a:solidFill>
+                        <a:scrgbClr r="0" g="0" b="0"/>
+                      </a:solidFill>
+                      <a:prstDash val="solid"/>
+                      <a:round/>
+                      <a:headEnd type="none" w="med" len="med"/>
+                      <a:tailEnd type="none" w="med" len="med"/>
+                    </a:lnT>
+                    <a:lnB w="12700" cap="flat" cmpd="sng" algn="ctr">
+                      <a:solidFill>
+                        <a:scrgbClr r="0" g="0" b="0"/>
+                      </a:solidFill>
+                      <a:prstDash val="solid"/>
+                      <a:round/>
+                      <a:headEnd type="none" w="med" len="med"/>
+                      <a:tailEnd type="none" w="med" len="med"/>
+                    </a:lnB>
+                  </a:tcPr>
+                </a:tc>
+                <a:extLst>
+                  <a:ext uri="{0D108BD9-81ED-4DB2-BD59-A6C34878D82A}">
+                    <a16:rowId xmlns:a16="http://schemas.microsoft.com/office/drawing/2014/main" val="10003"/>
+                  </a:ext>
+                </a:extLst>
+              </a:tr>
+            </a:tbl>
+          </a:graphicData>
+        </a:graphic>
+      </p:graphicFrame>
+      <p:sp>
+        <p:nvSpPr>
+          <p:cNvPr id="6" name="Content Placeholder 2"/>
+          <p:cNvSpPr txBox="1">
+            <a:spLocks/>
+          </p:cNvSpPr>
+          <p:nvPr/>
+        </p:nvSpPr>
+        <p:spPr>
+          <a:xfrm>
+            <a:off x="609600" y="4270613"/>
+            <a:ext cx="10972800" cy="2187997"/>
+          </a:xfrm>
+          <a:prstGeom prst="rect">
+            <a:avLst/>
+          </a:prstGeom>
+        </p:spPr>
+        <p:txBody>
+          <a:bodyPr vert="horz" lIns="121920" tIns="60960" rIns="121920" bIns="60960" rtlCol="0">
+            <a:normAutofit fontScale="55000" lnSpcReduction="20000"/>
+          </a:bodyPr>
+          <a:lstStyle>
+            <a:lvl1pPr marL="342900" indent="-342900" algn="l" defTabSz="457200" rtl="0" eaLnBrk="1" latinLnBrk="0" hangingPunct="1">
+              <a:spcBef>
+                <a:spcPct val="20000"/>
+              </a:spcBef>
+              <a:buFont typeface="Arial"/>
+              <a:buChar char="•"/>
+              <a:defRPr sz="3200" kern="1200">
+                <a:solidFill>
+                  <a:schemeClr val="tx1"/>
+                </a:solidFill>
+                <a:latin typeface="+mn-lt"/>
+                <a:ea typeface="+mn-ea"/>
+                <a:cs typeface="+mn-cs"/>
+              </a:defRPr>
+            </a:lvl1pPr>
+            <a:lvl2pPr marL="742950" indent="-285750" algn="l" defTabSz="457200" rtl="0" eaLnBrk="1" latinLnBrk="0" hangingPunct="1">
+              <a:spcBef>
+                <a:spcPct val="20000"/>
+              </a:spcBef>
+              <a:buFont typeface="Arial"/>
+              <a:buChar char="–"/>
+              <a:defRPr sz="2800" kern="1200">
+                <a:solidFill>
+                  <a:schemeClr val="tx1"/>
+                </a:solidFill>
+                <a:latin typeface="+mn-lt"/>
+                <a:ea typeface="+mn-ea"/>
+                <a:cs typeface="+mn-cs"/>
+              </a:defRPr>
+            </a:lvl2pPr>
+            <a:lvl3pPr marL="1143000" indent="-228600" algn="l" defTabSz="457200" rtl="0" eaLnBrk="1" latinLnBrk="0" hangingPunct="1">
+              <a:spcBef>
+                <a:spcPct val="20000"/>
+              </a:spcBef>
+              <a:buFont typeface="Arial"/>
+              <a:buChar char="•"/>
+              <a:defRPr sz="2400" kern="1200">
+                <a:solidFill>
+                  <a:schemeClr val="tx1"/>
+                </a:solidFill>
+                <a:latin typeface="+mn-lt"/>
+                <a:ea typeface="+mn-ea"/>
+                <a:cs typeface="+mn-cs"/>
+              </a:defRPr>
+            </a:lvl3pPr>
+            <a:lvl4pPr marL="1600200" indent="-228600" algn="l" defTabSz="457200" rtl="0" eaLnBrk="1" latinLnBrk="0" hangingPunct="1">
+              <a:spcBef>
+                <a:spcPct val="20000"/>
+              </a:spcBef>
+              <a:buFont typeface="Arial"/>
+              <a:buChar char="–"/>
+              <a:defRPr sz="2000" kern="1200">
+                <a:solidFill>
+                  <a:schemeClr val="tx1"/>
+                </a:solidFill>
+                <a:latin typeface="+mn-lt"/>
+                <a:ea typeface="+mn-ea"/>
+                <a:cs typeface="+mn-cs"/>
+              </a:defRPr>
+            </a:lvl4pPr>
+            <a:lvl5pPr marL="2057400" indent="-228600" algn="l" defTabSz="457200" rtl="0" eaLnBrk="1" latinLnBrk="0" hangingPunct="1">
+              <a:spcBef>
+                <a:spcPct val="20000"/>
+              </a:spcBef>
+              <a:buFont typeface="Arial"/>
+              <a:buChar char="»"/>
+              <a:defRPr sz="2000" kern="1200">
+                <a:solidFill>
+                  <a:schemeClr val="tx1"/>
+                </a:solidFill>
+                <a:latin typeface="+mn-lt"/>
+                <a:ea typeface="+mn-ea"/>
+                <a:cs typeface="+mn-cs"/>
+              </a:defRPr>
+            </a:lvl5pPr>
+            <a:lvl6pPr marL="2514600" indent="-228600" algn="l" defTabSz="457200" rtl="0" eaLnBrk="1" latinLnBrk="0" hangingPunct="1">
+              <a:spcBef>
+                <a:spcPct val="20000"/>
+              </a:spcBef>
+              <a:buFont typeface="Arial"/>
+              <a:buChar char="•"/>
+              <a:defRPr sz="2000" kern="1200">
+                <a:solidFill>
+                  <a:schemeClr val="tx1"/>
+                </a:solidFill>
+                <a:latin typeface="+mn-lt"/>
+                <a:ea typeface="+mn-ea"/>
+                <a:cs typeface="+mn-cs"/>
+              </a:defRPr>
+            </a:lvl6pPr>
+            <a:lvl7pPr marL="2971800" indent="-228600" algn="l" defTabSz="457200" rtl="0" eaLnBrk="1" latinLnBrk="0" hangingPunct="1">
+              <a:spcBef>
+                <a:spcPct val="20000"/>
+              </a:spcBef>
+              <a:buFont typeface="Arial"/>
+              <a:buChar char="•"/>
+              <a:defRPr sz="2000" kern="1200">
+                <a:solidFill>
+                  <a:schemeClr val="tx1"/>
+                </a:solidFill>
+                <a:latin typeface="+mn-lt"/>
+                <a:ea typeface="+mn-ea"/>
+                <a:cs typeface="+mn-cs"/>
+              </a:defRPr>
+            </a:lvl7pPr>
+            <a:lvl8pPr marL="3429000" indent="-228600" algn="l" defTabSz="457200" rtl="0" eaLnBrk="1" latinLnBrk="0" hangingPunct="1">
+              <a:spcBef>
+                <a:spcPct val="20000"/>
+              </a:spcBef>
+              <a:buFont typeface="Arial"/>
+              <a:buChar char="•"/>
+              <a:defRPr sz="2000" kern="1200">
+                <a:solidFill>
+                  <a:schemeClr val="tx1"/>
+                </a:solidFill>
+                <a:latin typeface="+mn-lt"/>
+                <a:ea typeface="+mn-ea"/>
+                <a:cs typeface="+mn-cs"/>
+              </a:defRPr>
+            </a:lvl8pPr>
+            <a:lvl9pPr marL="3886200" indent="-228600" algn="l" defTabSz="457200" rtl="0" eaLnBrk="1" latinLnBrk="0" hangingPunct="1">
+              <a:spcBef>
+                <a:spcPct val="20000"/>
+              </a:spcBef>
+              <a:buFont typeface="Arial"/>
+              <a:buChar char="•"/>
+              <a:defRPr sz="2000" kern="1200">
+                <a:solidFill>
+                  <a:schemeClr val="tx1"/>
+                </a:solidFill>
+                <a:latin typeface="+mn-lt"/>
+                <a:ea typeface="+mn-ea"/>
+                <a:cs typeface="+mn-cs"/>
+              </a:defRPr>
+            </a:lvl9pPr>
+          </a:lstStyle>
+          <a:p>
+            <a:r>
+              <a:rPr lang="en-US" sz="4267" dirty="0">
+                <a:latin typeface="Calibri" panose="020F0502020204030204" pitchFamily="34" charset="0"/>
+                <a:cs typeface="Calibri" panose="020F0502020204030204" pitchFamily="34" charset="0"/>
+              </a:rPr>
+              <a:t>1-based : </a:t>
+            </a:r>
+            <a:r>
+              <a:rPr lang="en-US" sz="3733" dirty="0">
+                <a:latin typeface="Calibri" panose="020F0502020204030204" pitchFamily="34" charset="0"/>
+                <a:cs typeface="Calibri" panose="020F0502020204030204" pitchFamily="34" charset="0"/>
+              </a:rPr>
+              <a:t>Single nucleotides, variant positions, or ranges are specified directly by their corresponding nucleotide numbers</a:t>
+            </a:r>
+          </a:p>
+          <a:p>
+            <a:pPr lvl="1"/>
+            <a:r>
+              <a:rPr lang="en-US" sz="3733" dirty="0">
+                <a:latin typeface="Calibri" panose="020F0502020204030204" pitchFamily="34" charset="0"/>
+                <a:cs typeface="Calibri" panose="020F0502020204030204" pitchFamily="34" charset="0"/>
+              </a:rPr>
+              <a:t>GFF, SAM, VCF, </a:t>
+            </a:r>
+            <a:r>
+              <a:rPr lang="en-US" sz="3733" dirty="0" err="1">
+                <a:latin typeface="Calibri" panose="020F0502020204030204" pitchFamily="34" charset="0"/>
+                <a:cs typeface="Calibri" panose="020F0502020204030204" pitchFamily="34" charset="0"/>
+              </a:rPr>
+              <a:t>Ensembl</a:t>
+            </a:r>
+            <a:r>
+              <a:rPr lang="en-US" sz="3733" dirty="0">
+                <a:latin typeface="Calibri" panose="020F0502020204030204" pitchFamily="34" charset="0"/>
+                <a:cs typeface="Calibri" panose="020F0502020204030204" pitchFamily="34" charset="0"/>
+              </a:rPr>
+              <a:t> browser, </a:t>
+            </a:r>
+            <a:r>
+              <a:rPr lang="is-IS" sz="3733" dirty="0">
+                <a:latin typeface="Calibri" panose="020F0502020204030204" pitchFamily="34" charset="0"/>
+                <a:cs typeface="Calibri" panose="020F0502020204030204" pitchFamily="34" charset="0"/>
+              </a:rPr>
+              <a:t>…</a:t>
+            </a:r>
+            <a:br>
+              <a:rPr lang="is-IS" sz="3733" dirty="0">
+                <a:latin typeface="Calibri" panose="020F0502020204030204" pitchFamily="34" charset="0"/>
+                <a:cs typeface="Calibri" panose="020F0502020204030204" pitchFamily="34" charset="0"/>
+              </a:rPr>
+            </a:br>
+            <a:endParaRPr lang="en-US" sz="3733" dirty="0">
+              <a:latin typeface="Calibri" panose="020F0502020204030204" pitchFamily="34" charset="0"/>
+              <a:cs typeface="Calibri" panose="020F0502020204030204" pitchFamily="34" charset="0"/>
+            </a:endParaRPr>
+          </a:p>
+          <a:p>
+            <a:r>
+              <a:rPr lang="en-US" sz="4267" dirty="0">
+                <a:latin typeface="Calibri" panose="020F0502020204030204" pitchFamily="34" charset="0"/>
+                <a:cs typeface="Calibri" panose="020F0502020204030204" pitchFamily="34" charset="0"/>
+              </a:rPr>
+              <a:t>0-based: </a:t>
+            </a:r>
+            <a:r>
+              <a:rPr lang="en-US" sz="3733" dirty="0">
+                <a:latin typeface="Calibri" panose="020F0502020204030204" pitchFamily="34" charset="0"/>
+                <a:cs typeface="Calibri" panose="020F0502020204030204" pitchFamily="34" charset="0"/>
+              </a:rPr>
+              <a:t>Single nucleotides, variant positions, or ranges are specified by the coordinates that flank them</a:t>
+            </a:r>
+          </a:p>
+          <a:p>
+            <a:pPr lvl="1"/>
+            <a:r>
+              <a:rPr lang="en-US" sz="3733" dirty="0">
+                <a:latin typeface="Calibri" panose="020F0502020204030204" pitchFamily="34" charset="0"/>
+                <a:cs typeface="Calibri" panose="020F0502020204030204" pitchFamily="34" charset="0"/>
+              </a:rPr>
+              <a:t>BED, BAM, UCSC browser, </a:t>
+            </a:r>
+            <a:r>
+              <a:rPr lang="is-IS" sz="3733" dirty="0">
+                <a:latin typeface="Calibri" panose="020F0502020204030204" pitchFamily="34" charset="0"/>
+                <a:cs typeface="Calibri" panose="020F0502020204030204" pitchFamily="34" charset="0"/>
+              </a:rPr>
+              <a:t>…</a:t>
+            </a:r>
+            <a:endParaRPr lang="en-US" sz="3733" dirty="0">
+              <a:latin typeface="Calibri" panose="020F0502020204030204" pitchFamily="34" charset="0"/>
+              <a:cs typeface="Calibri" panose="020F0502020204030204" pitchFamily="34" charset="0"/>
+            </a:endParaRPr>
+          </a:p>
+        </p:txBody>
+      </p:sp>
+    </p:spTree>
+    <p:extLst>
+      <p:ext uri="{BB962C8B-B14F-4D97-AF65-F5344CB8AC3E}">
+        <p14:creationId xmlns:p14="http://schemas.microsoft.com/office/powerpoint/2010/main" val="1108908088"/>
+      </p:ext>
+    </p:extLst>
+  </p:cSld>
+  <p:clrMapOvr>
+    <a:masterClrMapping/>
+  </p:clrMapOvr>
+</p:sld>
+</file>
+
+<file path=ppt/slides/slide14.xml><?xml version="1.0" encoding="utf-8"?>
+<p:sld xmlns:a="http://schemas.openxmlformats.org/drawingml/2006/main" xmlns:r="http://schemas.openxmlformats.org/officeDocument/2006/relationships" xmlns:p="http://schemas.openxmlformats.org/presentationml/2006/main">
+  <p:cSld>
+    <p:spTree>
+      <p:nvGrpSpPr>
+        <p:cNvPr id="1" name=""/>
+        <p:cNvGrpSpPr/>
+        <p:nvPr/>
+      </p:nvGrpSpPr>
+      <p:grpSpPr>
+        <a:xfrm>
+          <a:off x="0" y="0"/>
+          <a:ext cx="0" cy="0"/>
+          <a:chOff x="0" y="0"/>
+          <a:chExt cx="0" cy="0"/>
+        </a:xfrm>
+      </p:grpSpPr>
+      <p:sp>
+        <p:nvSpPr>
+          <p:cNvPr id="2" name="Title 1"/>
+          <p:cNvSpPr>
+            <a:spLocks noGrp="1"/>
+          </p:cNvSpPr>
+          <p:nvPr>
+            <p:ph type="title"/>
+          </p:nvPr>
+        </p:nvSpPr>
+        <p:spPr>
+          <a:xfrm>
+            <a:off x="838200" y="689"/>
+            <a:ext cx="10515600" cy="769719"/>
+          </a:xfrm>
+        </p:spPr>
+        <p:txBody>
+          <a:bodyPr>
+            <a:normAutofit/>
+          </a:bodyPr>
+          <a:lstStyle/>
+          <a:p>
+            <a:pPr algn="ctr"/>
+            <a:r>
+              <a:rPr lang="en-US" dirty="0">
+                <a:latin typeface="Calibri" panose="020F0502020204030204" pitchFamily="34" charset="0"/>
+                <a:cs typeface="Calibri" panose="020F0502020204030204" pitchFamily="34" charset="0"/>
+              </a:rPr>
+              <a:t>Genome builds</a:t>
+            </a:r>
+          </a:p>
+        </p:txBody>
+      </p:sp>
+      <p:pic>
+        <p:nvPicPr>
+          <p:cNvPr id="5" name="Picture 4" descr="liftover.png"/>
+          <p:cNvPicPr>
+            <a:picLocks noChangeAspect="1"/>
+          </p:cNvPicPr>
+          <p:nvPr/>
+        </p:nvPicPr>
+        <p:blipFill>
+          <a:blip r:embed="rId2">
+            <a:extLst>
+              <a:ext uri="{28A0092B-C50C-407E-A947-70E740481C1C}">
+                <a14:useLocalDpi xmlns:a14="http://schemas.microsoft.com/office/drawing/2010/main" val="0"/>
+              </a:ext>
+            </a:extLst>
+          </a:blip>
+          <a:stretch>
+            <a:fillRect/>
+          </a:stretch>
+        </p:blipFill>
+        <p:spPr>
+          <a:xfrm>
+            <a:off x="6078408" y="2381302"/>
+            <a:ext cx="5261102" cy="2095396"/>
+          </a:xfrm>
+          <a:prstGeom prst="rect">
+            <a:avLst/>
+          </a:prstGeom>
+        </p:spPr>
+      </p:pic>
+      <p:sp>
+        <p:nvSpPr>
+          <p:cNvPr id="6" name="TextBox 5"/>
+          <p:cNvSpPr txBox="1"/>
+          <p:nvPr/>
+        </p:nvSpPr>
+        <p:spPr>
+          <a:xfrm>
+            <a:off x="6871210" y="4303868"/>
+            <a:ext cx="1589179" cy="307777"/>
+          </a:xfrm>
+          <a:prstGeom prst="rect">
+            <a:avLst/>
+          </a:prstGeom>
+          <a:noFill/>
+        </p:spPr>
+        <p:txBody>
+          <a:bodyPr wrap="square" rtlCol="0">
+            <a:spAutoFit/>
+          </a:bodyPr>
+          <a:lstStyle/>
+          <a:p>
+            <a:r>
+              <a:rPr lang="en-US" sz="1400" dirty="0">
+                <a:latin typeface="Calibri" panose="020F0502020204030204" pitchFamily="34" charset="0"/>
+                <a:cs typeface="Calibri" panose="020F0502020204030204" pitchFamily="34" charset="0"/>
+              </a:rPr>
+              <a:t>Human GRCh37</a:t>
+            </a:r>
+          </a:p>
+        </p:txBody>
+      </p:sp>
+      <p:sp>
+        <p:nvSpPr>
+          <p:cNvPr id="7" name="TextBox 6"/>
+          <p:cNvSpPr txBox="1"/>
+          <p:nvPr/>
+        </p:nvSpPr>
+        <p:spPr>
+          <a:xfrm>
+            <a:off x="6871210" y="3605536"/>
+            <a:ext cx="1326599" cy="307777"/>
+          </a:xfrm>
+          <a:prstGeom prst="rect">
+            <a:avLst/>
+          </a:prstGeom>
+          <a:noFill/>
+        </p:spPr>
+        <p:txBody>
+          <a:bodyPr wrap="square" rtlCol="0">
+            <a:spAutoFit/>
+          </a:bodyPr>
+          <a:lstStyle/>
+          <a:p>
+            <a:r>
+              <a:rPr lang="en-US" sz="1400" dirty="0">
+                <a:latin typeface="Calibri" panose="020F0502020204030204" pitchFamily="34" charset="0"/>
+                <a:cs typeface="Calibri" panose="020F0502020204030204" pitchFamily="34" charset="0"/>
+              </a:rPr>
+              <a:t>Human hg19</a:t>
+            </a:r>
+          </a:p>
+        </p:txBody>
+      </p:sp>
+      <p:sp>
+        <p:nvSpPr>
+          <p:cNvPr id="9" name="TextBox 8"/>
+          <p:cNvSpPr txBox="1"/>
+          <p:nvPr/>
+        </p:nvSpPr>
+        <p:spPr>
+          <a:xfrm>
+            <a:off x="6871210" y="2705800"/>
+            <a:ext cx="1419834" cy="307777"/>
+          </a:xfrm>
+          <a:prstGeom prst="rect">
+            <a:avLst/>
+          </a:prstGeom>
+          <a:noFill/>
+        </p:spPr>
+        <p:txBody>
+          <a:bodyPr wrap="square" rtlCol="0">
+            <a:spAutoFit/>
+          </a:bodyPr>
+          <a:lstStyle/>
+          <a:p>
+            <a:r>
+              <a:rPr lang="en-US" sz="1400" dirty="0">
+                <a:latin typeface="Calibri" panose="020F0502020204030204" pitchFamily="34" charset="0"/>
+                <a:cs typeface="Calibri" panose="020F0502020204030204" pitchFamily="34" charset="0"/>
+              </a:rPr>
+              <a:t>Mouse mm10</a:t>
+            </a:r>
+          </a:p>
+        </p:txBody>
+      </p:sp>
+      <p:sp>
+        <p:nvSpPr>
+          <p:cNvPr id="4" name="TextBox 3">
+            <a:extLst>
+              <a:ext uri="{FF2B5EF4-FFF2-40B4-BE49-F238E27FC236}">
+                <a16:creationId xmlns:a16="http://schemas.microsoft.com/office/drawing/2014/main" id="{D7D072A7-3AD8-E04E-AC76-3CBF53CE07C1}"/>
+              </a:ext>
+            </a:extLst>
+          </p:cNvPr>
+          <p:cNvSpPr txBox="1"/>
+          <p:nvPr/>
+        </p:nvSpPr>
+        <p:spPr>
+          <a:xfrm>
+            <a:off x="500065" y="1362367"/>
+            <a:ext cx="5300663" cy="3170099"/>
+          </a:xfrm>
+          <a:prstGeom prst="rect">
+            <a:avLst/>
+          </a:prstGeom>
+          <a:noFill/>
+        </p:spPr>
+        <p:txBody>
+          <a:bodyPr wrap="square" rtlCol="0">
+            <a:spAutoFit/>
+          </a:bodyPr>
+          <a:lstStyle/>
+          <a:p>
+            <a:r>
+              <a:rPr lang="en-US" sz="2800" b="1" dirty="0">
+                <a:latin typeface="Calibri" panose="020F0502020204030204" pitchFamily="34" charset="0"/>
+                <a:cs typeface="Calibri" panose="020F0502020204030204" pitchFamily="34" charset="0"/>
+              </a:rPr>
+              <a:t>Reference Genome builds</a:t>
+            </a:r>
+            <a:br>
+              <a:rPr lang="en-US" sz="2800" b="1" dirty="0">
+                <a:latin typeface="Calibri" panose="020F0502020204030204" pitchFamily="34" charset="0"/>
+                <a:cs typeface="Calibri" panose="020F0502020204030204" pitchFamily="34" charset="0"/>
+              </a:rPr>
+            </a:br>
+            <a:endParaRPr lang="en-US" sz="2800" b="1" dirty="0">
+              <a:latin typeface="Calibri" panose="020F0502020204030204" pitchFamily="34" charset="0"/>
+              <a:cs typeface="Calibri" panose="020F0502020204030204" pitchFamily="34" charset="0"/>
+            </a:endParaRPr>
+          </a:p>
+          <a:p>
+            <a:r>
+              <a:rPr lang="en-US" sz="2400" dirty="0">
+                <a:latin typeface="Calibri" panose="020F0502020204030204" pitchFamily="34" charset="0"/>
+                <a:cs typeface="Calibri" panose="020F0502020204030204" pitchFamily="34" charset="0"/>
+              </a:rPr>
+              <a:t>Current human:  GRCh38, hg38, b38</a:t>
+            </a:r>
+          </a:p>
+          <a:p>
+            <a:r>
+              <a:rPr lang="en-US" sz="2400" dirty="0">
+                <a:latin typeface="Calibri" panose="020F0502020204030204" pitchFamily="34" charset="0"/>
+                <a:cs typeface="Calibri" panose="020F0502020204030204" pitchFamily="34" charset="0"/>
+              </a:rPr>
+              <a:t>           alternate:  GRCh38v2_ccdg</a:t>
+            </a:r>
+            <a:br>
+              <a:rPr lang="en-US" sz="2400" dirty="0">
+                <a:latin typeface="Calibri" panose="020F0502020204030204" pitchFamily="34" charset="0"/>
+                <a:cs typeface="Calibri" panose="020F0502020204030204" pitchFamily="34" charset="0"/>
+              </a:rPr>
+            </a:br>
+            <a:br>
+              <a:rPr lang="en-US" sz="2400" dirty="0">
+                <a:latin typeface="Calibri" panose="020F0502020204030204" pitchFamily="34" charset="0"/>
+                <a:cs typeface="Calibri" panose="020F0502020204030204" pitchFamily="34" charset="0"/>
+              </a:rPr>
+            </a:br>
+            <a:r>
+              <a:rPr lang="en-US" sz="2400" dirty="0">
+                <a:latin typeface="Calibri" panose="020F0502020204030204" pitchFamily="34" charset="0"/>
+                <a:cs typeface="Calibri" panose="020F0502020204030204" pitchFamily="34" charset="0"/>
+              </a:rPr>
+              <a:t>Previous human: GRCh37, hg19, b37</a:t>
+            </a:r>
+            <a:br>
+              <a:rPr lang="en-US" sz="2400" dirty="0">
+                <a:latin typeface="Calibri" panose="020F0502020204030204" pitchFamily="34" charset="0"/>
+                <a:cs typeface="Calibri" panose="020F0502020204030204" pitchFamily="34" charset="0"/>
+              </a:rPr>
+            </a:br>
+            <a:br>
+              <a:rPr lang="en-US" sz="2400" dirty="0">
+                <a:latin typeface="Calibri" panose="020F0502020204030204" pitchFamily="34" charset="0"/>
+                <a:cs typeface="Calibri" panose="020F0502020204030204" pitchFamily="34" charset="0"/>
+              </a:rPr>
+            </a:br>
+            <a:r>
+              <a:rPr lang="en-US" sz="2400" dirty="0">
+                <a:latin typeface="Calibri" panose="020F0502020204030204" pitchFamily="34" charset="0"/>
+                <a:cs typeface="Calibri" panose="020F0502020204030204" pitchFamily="34" charset="0"/>
+              </a:rPr>
+              <a:t>Current mouse:   GRCm38, mm10</a:t>
+            </a:r>
+          </a:p>
+        </p:txBody>
+      </p:sp>
+      <p:sp>
+        <p:nvSpPr>
+          <p:cNvPr id="13" name="TextBox 12">
+            <a:extLst>
+              <a:ext uri="{FF2B5EF4-FFF2-40B4-BE49-F238E27FC236}">
+                <a16:creationId xmlns:a16="http://schemas.microsoft.com/office/drawing/2014/main" id="{030DEA2A-4AAD-3846-98AD-0AABD6A83715}"/>
+              </a:ext>
+            </a:extLst>
+          </p:cNvPr>
+          <p:cNvSpPr txBox="1"/>
+          <p:nvPr/>
+        </p:nvSpPr>
+        <p:spPr>
+          <a:xfrm>
+            <a:off x="6237713" y="1362367"/>
+            <a:ext cx="1433085" cy="523220"/>
+          </a:xfrm>
+          <a:prstGeom prst="rect">
+            <a:avLst/>
+          </a:prstGeom>
+          <a:noFill/>
+        </p:spPr>
+        <p:txBody>
+          <a:bodyPr wrap="none" rtlCol="0">
+            <a:spAutoFit/>
+          </a:bodyPr>
+          <a:lstStyle/>
+          <a:p>
+            <a:r>
+              <a:rPr lang="en-US" sz="2800" b="1" dirty="0">
+                <a:latin typeface="Calibri" panose="020F0502020204030204" pitchFamily="34" charset="0"/>
+                <a:cs typeface="Calibri" panose="020F0502020204030204" pitchFamily="34" charset="0"/>
+              </a:rPr>
+              <a:t>Lift-over</a:t>
+            </a:r>
+          </a:p>
+        </p:txBody>
+      </p:sp>
+    </p:spTree>
+    <p:extLst>
+      <p:ext uri="{BB962C8B-B14F-4D97-AF65-F5344CB8AC3E}">
+        <p14:creationId xmlns:p14="http://schemas.microsoft.com/office/powerpoint/2010/main" val="3552993767"/>
+      </p:ext>
+    </p:extLst>
+  </p:cSld>
+  <p:clrMapOvr>
+    <a:masterClrMapping/>
+  </p:clrMapOvr>
+</p:sld>
+</file>
+
+<file path=ppt/slides/slide15.xml><?xml version="1.0" encoding="utf-8"?>
+<p:sld xmlns:a="http://schemas.openxmlformats.org/drawingml/2006/main" xmlns:r="http://schemas.openxmlformats.org/officeDocument/2006/relationships" xmlns:p="http://schemas.openxmlformats.org/presentationml/2006/main">
+  <p:cSld>
+    <p:spTree>
+      <p:nvGrpSpPr>
+        <p:cNvPr id="1" name=""/>
+        <p:cNvGrpSpPr/>
+        <p:nvPr/>
+      </p:nvGrpSpPr>
+      <p:grpSpPr>
+        <a:xfrm>
+          <a:off x="0" y="0"/>
+          <a:ext cx="0" cy="0"/>
+          <a:chOff x="0" y="0"/>
+          <a:chExt cx="0" cy="0"/>
+        </a:xfrm>
+      </p:grpSpPr>
+      <p:sp>
+        <p:nvSpPr>
+          <p:cNvPr id="2" name="Title 1"/>
+          <p:cNvSpPr>
+            <a:spLocks noGrp="1"/>
+          </p:cNvSpPr>
+          <p:nvPr>
+            <p:ph type="title"/>
+          </p:nvPr>
+        </p:nvSpPr>
+        <p:spPr>
+          <a:xfrm>
+            <a:off x="838200" y="39307"/>
+            <a:ext cx="11038490" cy="692153"/>
+          </a:xfrm>
+        </p:spPr>
+        <p:txBody>
+          <a:bodyPr>
+            <a:normAutofit/>
+          </a:bodyPr>
+          <a:lstStyle/>
+          <a:p>
+            <a:r>
+              <a:rPr lang="en-US" sz="3600" dirty="0">
+                <a:latin typeface="Calibri" panose="020F0502020204030204" pitchFamily="34" charset="0"/>
+                <a:cs typeface="Calibri" panose="020F0502020204030204" pitchFamily="34" charset="0"/>
+              </a:rPr>
+              <a:t>Variant shifting (alignment) and parsimony/trimming</a:t>
+            </a:r>
+          </a:p>
+        </p:txBody>
+      </p:sp>
+      <p:pic>
+        <p:nvPicPr>
+          <p:cNvPr id="5" name="Content Placeholder 4" descr="Screenshot 2018-08-04 16.17.11.png"/>
+          <p:cNvPicPr>
+            <a:picLocks noGrp="1" noChangeAspect="1"/>
+          </p:cNvPicPr>
+          <p:nvPr>
+            <p:ph idx="1"/>
+          </p:nvPr>
+        </p:nvPicPr>
+        <p:blipFill rotWithShape="1">
+          <a:blip r:embed="rId3">
+            <a:extLst>
+              <a:ext uri="{28A0092B-C50C-407E-A947-70E740481C1C}">
+                <a14:useLocalDpi xmlns:a14="http://schemas.microsoft.com/office/drawing/2010/main" val="0"/>
+              </a:ext>
+            </a:extLst>
+          </a:blip>
+          <a:srcRect l="396" t="3590" r="2507"/>
+          <a:stretch/>
+        </p:blipFill>
+        <p:spPr>
+          <a:xfrm>
+            <a:off x="352425" y="885825"/>
+            <a:ext cx="7823200" cy="5553295"/>
+          </a:xfrm>
+        </p:spPr>
+      </p:pic>
+      <p:sp>
+        <p:nvSpPr>
+          <p:cNvPr id="6" name="Rectangle 5"/>
+          <p:cNvSpPr/>
+          <p:nvPr/>
+        </p:nvSpPr>
+        <p:spPr>
+          <a:xfrm>
+            <a:off x="8175625" y="1295400"/>
+            <a:ext cx="3759200" cy="1569660"/>
+          </a:xfrm>
+          <a:prstGeom prst="rect">
+            <a:avLst/>
+          </a:prstGeom>
+        </p:spPr>
+        <p:txBody>
+          <a:bodyPr wrap="square">
+            <a:spAutoFit/>
+          </a:bodyPr>
+          <a:lstStyle/>
+          <a:p>
+            <a:r>
+              <a:rPr lang="en-US" sz="2400" b="1" dirty="0">
+                <a:latin typeface="Calibri" panose="020F0502020204030204" pitchFamily="34" charset="0"/>
+                <a:cs typeface="Calibri" panose="020F0502020204030204" pitchFamily="34" charset="0"/>
+              </a:rPr>
+              <a:t>Parsimony: </a:t>
+            </a:r>
+            <a:r>
+              <a:rPr lang="en-US" sz="2400" dirty="0">
+                <a:latin typeface="Calibri" panose="020F0502020204030204" pitchFamily="34" charset="0"/>
+                <a:cs typeface="Calibri" panose="020F0502020204030204" pitchFamily="34" charset="0"/>
+              </a:rPr>
+              <a:t>representing variant in as few nucleotides as possible without reducing the length of any allele to 0</a:t>
+            </a:r>
+          </a:p>
+        </p:txBody>
+      </p:sp>
+      <p:sp>
+        <p:nvSpPr>
+          <p:cNvPr id="7" name="Rectangle 6"/>
+          <p:cNvSpPr/>
+          <p:nvPr/>
+        </p:nvSpPr>
+        <p:spPr>
+          <a:xfrm>
+            <a:off x="8175625" y="3443287"/>
+            <a:ext cx="3759200" cy="1569660"/>
+          </a:xfrm>
+          <a:prstGeom prst="rect">
+            <a:avLst/>
+          </a:prstGeom>
+        </p:spPr>
+        <p:txBody>
+          <a:bodyPr wrap="square">
+            <a:spAutoFit/>
+          </a:bodyPr>
+          <a:lstStyle/>
+          <a:p>
+            <a:r>
+              <a:rPr lang="en-US" sz="2400" b="1" dirty="0">
+                <a:latin typeface="Calibri" panose="020F0502020204030204" pitchFamily="34" charset="0"/>
+                <a:cs typeface="Calibri" panose="020F0502020204030204" pitchFamily="34" charset="0"/>
+              </a:rPr>
+              <a:t>Left (right) aligning </a:t>
+            </a:r>
+            <a:r>
+              <a:rPr lang="en-US" sz="2400" dirty="0">
+                <a:latin typeface="Calibri" panose="020F0502020204030204" pitchFamily="34" charset="0"/>
+                <a:cs typeface="Calibri" panose="020F0502020204030204" pitchFamily="34" charset="0"/>
+              </a:rPr>
+              <a:t>= shifting the start position of a variant as far to the left (right) as possible</a:t>
+            </a:r>
+          </a:p>
+        </p:txBody>
+      </p:sp>
+    </p:spTree>
+    <p:extLst>
+      <p:ext uri="{BB962C8B-B14F-4D97-AF65-F5344CB8AC3E}">
+        <p14:creationId xmlns:p14="http://schemas.microsoft.com/office/powerpoint/2010/main" val="2052674076"/>
+      </p:ext>
+    </p:extLst>
+  </p:cSld>
+  <p:clrMapOvr>
+    <a:masterClrMapping/>
+  </p:clrMapOvr>
+</p:sld>
+</file>
+
+<file path=ppt/slides/slide16.xml><?xml version="1.0" encoding="utf-8"?>
 <p:sld xmlns:a="http://schemas.openxmlformats.org/drawingml/2006/main" xmlns:r="http://schemas.openxmlformats.org/officeDocument/2006/relationships" xmlns:p="http://schemas.openxmlformats.org/presentationml/2006/main">
   <p:cSld>
     <p:spTree>
@@ -9705,14 +13937,14 @@
           </a:ln>
           <a:extLst>
             <a:ext uri="{909E8E84-426E-40dd-AFC4-6F175D3DCCD1}">
-              <a14:hiddenFill xmlns="" xmlns:a14="http://schemas.microsoft.com/office/drawing/2010/main">
+              <a14:hiddenFill xmlns:a14="http://schemas.microsoft.com/office/drawing/2010/main" xmlns="">
                 <a:solidFill>
                   <a:srgbClr val="FFFFFF"/>
                 </a:solidFill>
               </a14:hiddenFill>
             </a:ext>
             <a:ext uri="{91240B29-F687-4f45-9708-019B960494DF}">
-              <a14:hiddenLine xmlns="" xmlns:a14="http://schemas.microsoft.com/office/drawing/2010/main" w="9525">
+              <a14:hiddenLine xmlns:a14="http://schemas.microsoft.com/office/drawing/2010/main" xmlns="" w="9525">
                 <a:solidFill>
                   <a:srgbClr val="000000"/>
                 </a:solidFill>
@@ -9746,14 +13978,14 @@
           </a:ln>
           <a:extLst>
             <a:ext uri="{909E8E84-426E-40dd-AFC4-6F175D3DCCD1}">
-              <a14:hiddenFill xmlns="" xmlns:a14="http://schemas.microsoft.com/office/drawing/2010/main">
+              <a14:hiddenFill xmlns:a14="http://schemas.microsoft.com/office/drawing/2010/main" xmlns="">
                 <a:solidFill>
                   <a:srgbClr val="FFFFFF"/>
                 </a:solidFill>
               </a14:hiddenFill>
             </a:ext>
             <a:ext uri="{91240B29-F687-4f45-9708-019B960494DF}">
-              <a14:hiddenLine xmlns="" xmlns:a14="http://schemas.microsoft.com/office/drawing/2010/main" w="9525">
+              <a14:hiddenLine xmlns:a14="http://schemas.microsoft.com/office/drawing/2010/main" xmlns="" w="9525">
                 <a:solidFill>
                   <a:srgbClr val="000000"/>
                 </a:solidFill>
@@ -9907,14 +14139,14 @@
           </a:ln>
           <a:extLst>
             <a:ext uri="{909E8E84-426E-40dd-AFC4-6F175D3DCCD1}">
-              <a14:hiddenFill xmlns="" xmlns:a14="http://schemas.microsoft.com/office/drawing/2010/main">
+              <a14:hiddenFill xmlns:a14="http://schemas.microsoft.com/office/drawing/2010/main" xmlns="">
                 <a:solidFill>
                   <a:srgbClr val="FFFFFF"/>
                 </a:solidFill>
               </a14:hiddenFill>
             </a:ext>
             <a:ext uri="{91240B29-F687-4f45-9708-019B960494DF}">
-              <a14:hiddenLine xmlns="" xmlns:a14="http://schemas.microsoft.com/office/drawing/2010/main" w="9525">
+              <a14:hiddenLine xmlns:a14="http://schemas.microsoft.com/office/drawing/2010/main" xmlns="" w="9525">
                 <a:solidFill>
                   <a:srgbClr val="000000"/>
                 </a:solidFill>
@@ -11292,14 +15524,14 @@
           </a:ln>
           <a:extLst>
             <a:ext uri="{909E8E84-426E-40dd-AFC4-6F175D3DCCD1}">
-              <a14:hiddenFill xmlns="" xmlns:a14="http://schemas.microsoft.com/office/drawing/2010/main">
+              <a14:hiddenFill xmlns:a14="http://schemas.microsoft.com/office/drawing/2010/main" xmlns="">
                 <a:solidFill>
                   <a:srgbClr val="FFFFFF"/>
                 </a:solidFill>
               </a14:hiddenFill>
             </a:ext>
             <a:ext uri="{91240B29-F687-4f45-9708-019B960494DF}">
-              <a14:hiddenLine xmlns="" xmlns:a14="http://schemas.microsoft.com/office/drawing/2010/main" w="9525">
+              <a14:hiddenLine xmlns:a14="http://schemas.microsoft.com/office/drawing/2010/main" xmlns="" w="9525">
                 <a:solidFill>
                   <a:srgbClr val="000000"/>
                 </a:solidFill>
@@ -11587,14 +15819,14 @@
           </a:ln>
           <a:extLst>
             <a:ext uri="{909E8E84-426E-40dd-AFC4-6F175D3DCCD1}">
-              <a14:hiddenFill xmlns="" xmlns:a14="http://schemas.microsoft.com/office/drawing/2010/main">
+              <a14:hiddenFill xmlns:a14="http://schemas.microsoft.com/office/drawing/2010/main" xmlns="">
                 <a:solidFill>
                   <a:srgbClr val="FFFFFF"/>
                 </a:solidFill>
               </a14:hiddenFill>
             </a:ext>
             <a:ext uri="{91240B29-F687-4f45-9708-019B960494DF}">
-              <a14:hiddenLine xmlns="" xmlns:a14="http://schemas.microsoft.com/office/drawing/2010/main" w="9525">
+              <a14:hiddenLine xmlns:a14="http://schemas.microsoft.com/office/drawing/2010/main" xmlns="" w="9525">
                 <a:solidFill>
                   <a:srgbClr val="000000"/>
                 </a:solidFill>
@@ -11960,14 +16192,14 @@
           </a:ln>
           <a:extLst>
             <a:ext uri="{909E8E84-426E-40dd-AFC4-6F175D3DCCD1}">
-              <a14:hiddenFill xmlns="" xmlns:a14="http://schemas.microsoft.com/office/drawing/2010/main">
+              <a14:hiddenFill xmlns:a14="http://schemas.microsoft.com/office/drawing/2010/main" xmlns="">
                 <a:solidFill>
                   <a:srgbClr val="FFFFFF"/>
                 </a:solidFill>
               </a14:hiddenFill>
             </a:ext>
             <a:ext uri="{91240B29-F687-4f45-9708-019B960494DF}">
-              <a14:hiddenLine xmlns="" xmlns:a14="http://schemas.microsoft.com/office/drawing/2010/main" w="9525">
+              <a14:hiddenLine xmlns:a14="http://schemas.microsoft.com/office/drawing/2010/main" xmlns="" w="9525">
                 <a:solidFill>
                   <a:srgbClr val="000000"/>
                 </a:solidFill>

--- a/assets/lectures/cbw-cshl/2019/mini/RNASeq_MiniLecture_08_02_SAM_BAM_BED.pptx
+++ b/assets/lectures/cbw-cshl/2019/mini/RNASeq_MiniLecture_08_02_SAM_BAM_BED.pptx
@@ -519,14 +519,14 @@
           </a:ln>
           <a:extLst>
             <a:ext uri="{909E8E84-426E-40dd-AFC4-6F175D3DCCD1}">
-              <a14:hiddenFill xmlns:a14="http://schemas.microsoft.com/office/drawing/2010/main" xmlns="">
+              <a14:hiddenFill xmlns="" xmlns:a14="http://schemas.microsoft.com/office/drawing/2010/main">
                 <a:solidFill>
                   <a:srgbClr val="FFFFFF"/>
                 </a:solidFill>
               </a14:hiddenFill>
             </a:ext>
             <a:ext uri="{FAA26D3D-D897-4be2-8F04-BA451C77F1D7}">
-              <ma14:placeholderFlag xmlns:ma14="http://schemas.microsoft.com/office/mac/drawingml/2011/main" xmlns="" val="1"/>
+              <ma14:placeholderFlag xmlns="" xmlns:ma14="http://schemas.microsoft.com/office/mac/drawingml/2011/main" val="1"/>
             </a:ext>
           </a:extLst>
         </p:spPr>
@@ -545,14 +545,14 @@
           <a:noFill/>
           <a:extLst>
             <a:ext uri="{909E8E84-426E-40dd-AFC4-6F175D3DCCD1}">
-              <a14:hiddenFill xmlns:a14="http://schemas.microsoft.com/office/drawing/2010/main" xmlns="">
+              <a14:hiddenFill xmlns="" xmlns:a14="http://schemas.microsoft.com/office/drawing/2010/main">
                 <a:solidFill>
                   <a:srgbClr val="FFFFFF"/>
                 </a:solidFill>
               </a14:hiddenFill>
             </a:ext>
             <a:ext uri="{91240B29-F687-4f45-9708-019B960494DF}">
-              <a14:hiddenLine xmlns:a14="http://schemas.microsoft.com/office/drawing/2010/main" xmlns="" w="9525">
+              <a14:hiddenLine xmlns="" xmlns:a14="http://schemas.microsoft.com/office/drawing/2010/main" w="9525">
                 <a:solidFill>
                   <a:srgbClr val="000000"/>
                 </a:solidFill>
@@ -562,7 +562,7 @@
               </a14:hiddenLine>
             </a:ext>
             <a:ext uri="{FAA26D3D-D897-4be2-8F04-BA451C77F1D7}">
-              <ma14:placeholderFlag xmlns:ma14="http://schemas.microsoft.com/office/mac/drawingml/2011/main" xmlns="" val="1"/>
+              <ma14:placeholderFlag xmlns="" xmlns:ma14="http://schemas.microsoft.com/office/mac/drawingml/2011/main" val="1"/>
             </a:ext>
           </a:extLst>
         </p:spPr>
@@ -596,14 +596,14 @@
           <a:noFill/>
           <a:extLst>
             <a:ext uri="{909E8E84-426E-40dd-AFC4-6F175D3DCCD1}">
-              <a14:hiddenFill xmlns:a14="http://schemas.microsoft.com/office/drawing/2010/main" xmlns="">
+              <a14:hiddenFill xmlns="" xmlns:a14="http://schemas.microsoft.com/office/drawing/2010/main">
                 <a:solidFill>
                   <a:srgbClr val="FFFFFF"/>
                 </a:solidFill>
               </a14:hiddenFill>
             </a:ext>
             <a:ext uri="{91240B29-F687-4f45-9708-019B960494DF}">
-              <a14:hiddenLine xmlns:a14="http://schemas.microsoft.com/office/drawing/2010/main" xmlns="" w="9525">
+              <a14:hiddenLine xmlns="" xmlns:a14="http://schemas.microsoft.com/office/drawing/2010/main" w="9525">
                 <a:solidFill>
                   <a:srgbClr val="000000"/>
                 </a:solidFill>
@@ -1229,14 +1229,14 @@
           </a:ln>
           <a:extLst>
             <a:ext uri="{909E8E84-426E-40dd-AFC4-6F175D3DCCD1}">
-              <a14:hiddenFill xmlns:a14="http://schemas.microsoft.com/office/drawing/2010/main" xmlns="">
+              <a14:hiddenFill xmlns="" xmlns:a14="http://schemas.microsoft.com/office/drawing/2010/main">
                 <a:solidFill>
                   <a:srgbClr val="FFFFFF"/>
                 </a:solidFill>
               </a14:hiddenFill>
             </a:ext>
             <a:ext uri="{91240B29-F687-4f45-9708-019B960494DF}">
-              <a14:hiddenLine xmlns:a14="http://schemas.microsoft.com/office/drawing/2010/main" xmlns="" w="9525">
+              <a14:hiddenLine xmlns="" xmlns:a14="http://schemas.microsoft.com/office/drawing/2010/main" w="9525">
                 <a:solidFill>
                   <a:srgbClr val="000000"/>
                 </a:solidFill>
@@ -7130,14 +7130,14 @@
           </a:ln>
           <a:extLst>
             <a:ext uri="{909E8E84-426E-40dd-AFC4-6F175D3DCCD1}">
-              <a14:hiddenFill xmlns:a14="http://schemas.microsoft.com/office/drawing/2010/main" xmlns="">
+              <a14:hiddenFill xmlns="" xmlns:a14="http://schemas.microsoft.com/office/drawing/2010/main">
                 <a:solidFill>
                   <a:srgbClr val="FFFFFF"/>
                 </a:solidFill>
               </a14:hiddenFill>
             </a:ext>
             <a:ext uri="{91240B29-F687-4f45-9708-019B960494DF}">
-              <a14:hiddenLine xmlns:a14="http://schemas.microsoft.com/office/drawing/2010/main" xmlns="" w="9525">
+              <a14:hiddenLine xmlns="" xmlns:a14="http://schemas.microsoft.com/office/drawing/2010/main" w="9525">
                 <a:solidFill>
                   <a:srgbClr val="000000"/>
                 </a:solidFill>
@@ -8134,14 +8134,14 @@
           </a:ln>
           <a:extLst>
             <a:ext uri="{909E8E84-426E-40dd-AFC4-6F175D3DCCD1}">
-              <a14:hiddenFill xmlns:a14="http://schemas.microsoft.com/office/drawing/2010/main" xmlns="">
+              <a14:hiddenFill xmlns="" xmlns:a14="http://schemas.microsoft.com/office/drawing/2010/main">
                 <a:solidFill>
                   <a:srgbClr val="FFFFFF"/>
                 </a:solidFill>
               </a14:hiddenFill>
             </a:ext>
             <a:ext uri="{91240B29-F687-4f45-9708-019B960494DF}">
-              <a14:hiddenLine xmlns:a14="http://schemas.microsoft.com/office/drawing/2010/main" xmlns="" w="9525">
+              <a14:hiddenLine xmlns="" xmlns:a14="http://schemas.microsoft.com/office/drawing/2010/main" w="9525">
                 <a:solidFill>
                   <a:srgbClr val="000000"/>
                 </a:solidFill>
@@ -9028,14 +9028,14 @@
           </a:ln>
           <a:extLst>
             <a:ext uri="{909E8E84-426E-40dd-AFC4-6F175D3DCCD1}">
-              <a14:hiddenFill xmlns:a14="http://schemas.microsoft.com/office/drawing/2010/main" xmlns="">
+              <a14:hiddenFill xmlns="" xmlns:a14="http://schemas.microsoft.com/office/drawing/2010/main">
                 <a:solidFill>
                   <a:srgbClr val="FFFFFF"/>
                 </a:solidFill>
               </a14:hiddenFill>
             </a:ext>
             <a:ext uri="{91240B29-F687-4f45-9708-019B960494DF}">
-              <a14:hiddenLine xmlns:a14="http://schemas.microsoft.com/office/drawing/2010/main" xmlns="" w="9525">
+              <a14:hiddenLine xmlns="" xmlns:a14="http://schemas.microsoft.com/office/drawing/2010/main" w="9525">
                 <a:solidFill>
                   <a:srgbClr val="000000"/>
                 </a:solidFill>
@@ -13937,14 +13937,14 @@
           </a:ln>
           <a:extLst>
             <a:ext uri="{909E8E84-426E-40dd-AFC4-6F175D3DCCD1}">
-              <a14:hiddenFill xmlns:a14="http://schemas.microsoft.com/office/drawing/2010/main" xmlns="">
+              <a14:hiddenFill xmlns="" xmlns:a14="http://schemas.microsoft.com/office/drawing/2010/main">
                 <a:solidFill>
                   <a:srgbClr val="FFFFFF"/>
                 </a:solidFill>
               </a14:hiddenFill>
             </a:ext>
             <a:ext uri="{91240B29-F687-4f45-9708-019B960494DF}">
-              <a14:hiddenLine xmlns:a14="http://schemas.microsoft.com/office/drawing/2010/main" xmlns="" w="9525">
+              <a14:hiddenLine xmlns="" xmlns:a14="http://schemas.microsoft.com/office/drawing/2010/main" w="9525">
                 <a:solidFill>
                   <a:srgbClr val="000000"/>
                 </a:solidFill>
@@ -13978,14 +13978,14 @@
           </a:ln>
           <a:extLst>
             <a:ext uri="{909E8E84-426E-40dd-AFC4-6F175D3DCCD1}">
-              <a14:hiddenFill xmlns:a14="http://schemas.microsoft.com/office/drawing/2010/main" xmlns="">
+              <a14:hiddenFill xmlns="" xmlns:a14="http://schemas.microsoft.com/office/drawing/2010/main">
                 <a:solidFill>
                   <a:srgbClr val="FFFFFF"/>
                 </a:solidFill>
               </a14:hiddenFill>
             </a:ext>
             <a:ext uri="{91240B29-F687-4f45-9708-019B960494DF}">
-              <a14:hiddenLine xmlns:a14="http://schemas.microsoft.com/office/drawing/2010/main" xmlns="" w="9525">
+              <a14:hiddenLine xmlns="" xmlns:a14="http://schemas.microsoft.com/office/drawing/2010/main" w="9525">
                 <a:solidFill>
                   <a:srgbClr val="000000"/>
                 </a:solidFill>
@@ -14139,14 +14139,14 @@
           </a:ln>
           <a:extLst>
             <a:ext uri="{909E8E84-426E-40dd-AFC4-6F175D3DCCD1}">
-              <a14:hiddenFill xmlns:a14="http://schemas.microsoft.com/office/drawing/2010/main" xmlns="">
+              <a14:hiddenFill xmlns="" xmlns:a14="http://schemas.microsoft.com/office/drawing/2010/main">
                 <a:solidFill>
                   <a:srgbClr val="FFFFFF"/>
                 </a:solidFill>
               </a14:hiddenFill>
             </a:ext>
             <a:ext uri="{91240B29-F687-4f45-9708-019B960494DF}">
-              <a14:hiddenLine xmlns:a14="http://schemas.microsoft.com/office/drawing/2010/main" xmlns="" w="9525">
+              <a14:hiddenLine xmlns="" xmlns:a14="http://schemas.microsoft.com/office/drawing/2010/main" w="9525">
                 <a:solidFill>
                   <a:srgbClr val="000000"/>
                 </a:solidFill>
@@ -14906,7 +14906,7 @@
         </p:nvSpPr>
         <p:spPr>
           <a:xfrm>
-            <a:off x="584616" y="2658359"/>
+            <a:off x="584616" y="2707127"/>
             <a:ext cx="4692823" cy="3516902"/>
           </a:xfrm>
           <a:prstGeom prst="rect">
@@ -15116,12 +15116,6 @@
               </a:rPr>
               <a:t>SO: Sorting order of alignments</a:t>
             </a:r>
-            <a:br>
-              <a:rPr lang="en-US" dirty="0">
-                <a:latin typeface="Calibri" panose="020F0502020204030204" pitchFamily="34" charset="0"/>
-                <a:cs typeface="Calibri" panose="020F0502020204030204" pitchFamily="34" charset="0"/>
-              </a:rPr>
-            </a:br>
             <a:br>
               <a:rPr lang="en-US" dirty="0">
                 <a:latin typeface="Calibri" panose="020F0502020204030204" pitchFamily="34" charset="0"/>
@@ -15524,14 +15518,14 @@
           </a:ln>
           <a:extLst>
             <a:ext uri="{909E8E84-426E-40dd-AFC4-6F175D3DCCD1}">
-              <a14:hiddenFill xmlns:a14="http://schemas.microsoft.com/office/drawing/2010/main" xmlns="">
+              <a14:hiddenFill xmlns="" xmlns:a14="http://schemas.microsoft.com/office/drawing/2010/main">
                 <a:solidFill>
                   <a:srgbClr val="FFFFFF"/>
                 </a:solidFill>
               </a14:hiddenFill>
             </a:ext>
             <a:ext uri="{91240B29-F687-4f45-9708-019B960494DF}">
-              <a14:hiddenLine xmlns:a14="http://schemas.microsoft.com/office/drawing/2010/main" xmlns="" w="9525">
+              <a14:hiddenLine xmlns="" xmlns:a14="http://schemas.microsoft.com/office/drawing/2010/main" w="9525">
                 <a:solidFill>
                   <a:srgbClr val="000000"/>
                 </a:solidFill>
@@ -15819,14 +15813,14 @@
           </a:ln>
           <a:extLst>
             <a:ext uri="{909E8E84-426E-40dd-AFC4-6F175D3DCCD1}">
-              <a14:hiddenFill xmlns:a14="http://schemas.microsoft.com/office/drawing/2010/main" xmlns="">
+              <a14:hiddenFill xmlns="" xmlns:a14="http://schemas.microsoft.com/office/drawing/2010/main">
                 <a:solidFill>
                   <a:srgbClr val="FFFFFF"/>
                 </a:solidFill>
               </a14:hiddenFill>
             </a:ext>
             <a:ext uri="{91240B29-F687-4f45-9708-019B960494DF}">
-              <a14:hiddenLine xmlns:a14="http://schemas.microsoft.com/office/drawing/2010/main" xmlns="" w="9525">
+              <a14:hiddenLine xmlns="" xmlns:a14="http://schemas.microsoft.com/office/drawing/2010/main" w="9525">
                 <a:solidFill>
                   <a:srgbClr val="000000"/>
                 </a:solidFill>
@@ -16192,14 +16186,14 @@
           </a:ln>
           <a:extLst>
             <a:ext uri="{909E8E84-426E-40dd-AFC4-6F175D3DCCD1}">
-              <a14:hiddenFill xmlns:a14="http://schemas.microsoft.com/office/drawing/2010/main" xmlns="">
+              <a14:hiddenFill xmlns="" xmlns:a14="http://schemas.microsoft.com/office/drawing/2010/main">
                 <a:solidFill>
                   <a:srgbClr val="FFFFFF"/>
                 </a:solidFill>
               </a14:hiddenFill>
             </a:ext>
             <a:ext uri="{91240B29-F687-4f45-9708-019B960494DF}">
-              <a14:hiddenLine xmlns:a14="http://schemas.microsoft.com/office/drawing/2010/main" xmlns="" w="9525">
+              <a14:hiddenLine xmlns="" xmlns:a14="http://schemas.microsoft.com/office/drawing/2010/main" w="9525">
                 <a:solidFill>
                   <a:srgbClr val="000000"/>
                 </a:solidFill>
@@ -16500,7 +16494,7 @@
         </p:spPr>
         <p:txBody>
           <a:bodyPr>
-            <a:normAutofit/>
+            <a:normAutofit lnSpcReduction="10000"/>
           </a:bodyPr>
           <a:lstStyle/>
           <a:p>
@@ -16586,6 +16580,29 @@
                 <a:cs typeface="Calibri" panose="020F0502020204030204" pitchFamily="34" charset="0"/>
               </a:rPr>
               <a:t>Base quality binning may be used as well</a:t>
+            </a:r>
+          </a:p>
+          <a:p>
+            <a:pPr>
+              <a:defRPr/>
+            </a:pPr>
+            <a:endParaRPr lang="en-US" dirty="0">
+              <a:latin typeface="Calibri" panose="020F0502020204030204" pitchFamily="34" charset="0"/>
+              <a:ea typeface="ＭＳ Ｐゴシック" charset="0"/>
+              <a:cs typeface="Calibri" panose="020F0502020204030204" pitchFamily="34" charset="0"/>
+            </a:endParaRPr>
+          </a:p>
+          <a:p>
+            <a:pPr>
+              <a:defRPr/>
+            </a:pPr>
+            <a:r>
+              <a:rPr lang="en-US" dirty="0">
+                <a:latin typeface="Calibri" panose="020F0502020204030204" pitchFamily="34" charset="0"/>
+                <a:ea typeface="ＭＳ Ｐゴシック" charset="0"/>
+                <a:cs typeface="Calibri" panose="020F0502020204030204" pitchFamily="34" charset="0"/>
+              </a:rPr>
+              <a:t>Some tools still require conversion back to bam</a:t>
             </a:r>
           </a:p>
           <a:p>
